--- a/Praesi.pptx
+++ b/Praesi.pptx
@@ -19,10 +19,11 @@
     <p:sldId id="266" r:id="rId13"/>
     <p:sldId id="272" r:id="rId14"/>
     <p:sldId id="273" r:id="rId15"/>
-    <p:sldId id="274" r:id="rId16"/>
-    <p:sldId id="275" r:id="rId17"/>
-    <p:sldId id="267" r:id="rId18"/>
-    <p:sldId id="263" r:id="rId19"/>
+    <p:sldId id="276" r:id="rId16"/>
+    <p:sldId id="274" r:id="rId17"/>
+    <p:sldId id="275" r:id="rId18"/>
+    <p:sldId id="267" r:id="rId19"/>
+    <p:sldId id="263" r:id="rId20"/>
   </p:sldIdLst>
   <p:sldSz cx="12192000" cy="6858000"/>
   <p:notesSz cx="6858000" cy="9144000"/>
@@ -121,6 +122,11 @@
       </a:defRPr>
     </a:lvl9pPr>
   </p:defaultTextStyle>
+  <p:extLst>
+    <p:ext uri="{EFAFB233-063F-42B5-8137-9DF3F51BA10A}">
+      <p15:sldGuideLst xmlns:p15="http://schemas.microsoft.com/office/powerpoint/2012/main"/>
+    </p:ext>
+  </p:extLst>
 </p:presentation>
 </file>
 
@@ -846,7 +852,7 @@
           <a:p>
             <a:fld id="{25603A24-7872-46E1-9181-D252AF9AEB68}" type="datetimeFigureOut">
               <a:rPr lang="de-DE" smtClean="0"/>
-              <a:t>23.01.2019</a:t>
+              <a:t>25.01.2019</a:t>
             </a:fld>
             <a:endParaRPr lang="de-DE"/>
           </a:p>
@@ -1097,7 +1103,7 @@
           <a:p>
             <a:fld id="{25603A24-7872-46E1-9181-D252AF9AEB68}" type="datetimeFigureOut">
               <a:rPr lang="de-DE" smtClean="0"/>
-              <a:t>23.01.2019</a:t>
+              <a:t>25.01.2019</a:t>
             </a:fld>
             <a:endParaRPr lang="de-DE"/>
           </a:p>
@@ -1411,7 +1417,7 @@
           <a:p>
             <a:fld id="{25603A24-7872-46E1-9181-D252AF9AEB68}" type="datetimeFigureOut">
               <a:rPr lang="de-DE" smtClean="0"/>
-              <a:t>23.01.2019</a:t>
+              <a:t>25.01.2019</a:t>
             </a:fld>
             <a:endParaRPr lang="de-DE"/>
           </a:p>
@@ -1752,7 +1758,7 @@
           <a:p>
             <a:fld id="{25603A24-7872-46E1-9181-D252AF9AEB68}" type="datetimeFigureOut">
               <a:rPr lang="de-DE" smtClean="0"/>
-              <a:t>23.01.2019</a:t>
+              <a:t>25.01.2019</a:t>
             </a:fld>
             <a:endParaRPr lang="de-DE"/>
           </a:p>
@@ -2066,7 +2072,7 @@
           <a:p>
             <a:fld id="{25603A24-7872-46E1-9181-D252AF9AEB68}" type="datetimeFigureOut">
               <a:rPr lang="de-DE" smtClean="0"/>
-              <a:t>23.01.2019</a:t>
+              <a:t>25.01.2019</a:t>
             </a:fld>
             <a:endParaRPr lang="de-DE"/>
           </a:p>
@@ -2459,7 +2465,7 @@
           <a:p>
             <a:fld id="{25603A24-7872-46E1-9181-D252AF9AEB68}" type="datetimeFigureOut">
               <a:rPr lang="de-DE" smtClean="0"/>
-              <a:t>23.01.2019</a:t>
+              <a:t>25.01.2019</a:t>
             </a:fld>
             <a:endParaRPr lang="de-DE"/>
           </a:p>
@@ -2629,7 +2635,7 @@
           <a:p>
             <a:fld id="{25603A24-7872-46E1-9181-D252AF9AEB68}" type="datetimeFigureOut">
               <a:rPr lang="de-DE" smtClean="0"/>
-              <a:t>23.01.2019</a:t>
+              <a:t>25.01.2019</a:t>
             </a:fld>
             <a:endParaRPr lang="de-DE"/>
           </a:p>
@@ -2809,7 +2815,7 @@
           <a:p>
             <a:fld id="{25603A24-7872-46E1-9181-D252AF9AEB68}" type="datetimeFigureOut">
               <a:rPr lang="de-DE" smtClean="0"/>
-              <a:t>23.01.2019</a:t>
+              <a:t>25.01.2019</a:t>
             </a:fld>
             <a:endParaRPr lang="de-DE"/>
           </a:p>
@@ -2985,7 +2991,7 @@
           <a:p>
             <a:fld id="{25603A24-7872-46E1-9181-D252AF9AEB68}" type="datetimeFigureOut">
               <a:rPr lang="de-DE" smtClean="0"/>
-              <a:t>23.01.2019</a:t>
+              <a:t>25.01.2019</a:t>
             </a:fld>
             <a:endParaRPr lang="de-DE"/>
           </a:p>
@@ -3232,7 +3238,7 @@
           <a:p>
             <a:fld id="{25603A24-7872-46E1-9181-D252AF9AEB68}" type="datetimeFigureOut">
               <a:rPr lang="de-DE" smtClean="0"/>
-              <a:t>23.01.2019</a:t>
+              <a:t>25.01.2019</a:t>
             </a:fld>
             <a:endParaRPr lang="de-DE"/>
           </a:p>
@@ -3464,7 +3470,7 @@
           <a:p>
             <a:fld id="{25603A24-7872-46E1-9181-D252AF9AEB68}" type="datetimeFigureOut">
               <a:rPr lang="de-DE" smtClean="0"/>
-              <a:t>23.01.2019</a:t>
+              <a:t>25.01.2019</a:t>
             </a:fld>
             <a:endParaRPr lang="de-DE"/>
           </a:p>
@@ -3838,7 +3844,7 @@
           <a:p>
             <a:fld id="{25603A24-7872-46E1-9181-D252AF9AEB68}" type="datetimeFigureOut">
               <a:rPr lang="de-DE" smtClean="0"/>
-              <a:t>23.01.2019</a:t>
+              <a:t>25.01.2019</a:t>
             </a:fld>
             <a:endParaRPr lang="de-DE"/>
           </a:p>
@@ -3961,7 +3967,7 @@
           <a:p>
             <a:fld id="{25603A24-7872-46E1-9181-D252AF9AEB68}" type="datetimeFigureOut">
               <a:rPr lang="de-DE" smtClean="0"/>
-              <a:t>23.01.2019</a:t>
+              <a:t>25.01.2019</a:t>
             </a:fld>
             <a:endParaRPr lang="de-DE"/>
           </a:p>
@@ -4056,7 +4062,7 @@
           <a:p>
             <a:fld id="{25603A24-7872-46E1-9181-D252AF9AEB68}" type="datetimeFigureOut">
               <a:rPr lang="de-DE" smtClean="0"/>
-              <a:t>23.01.2019</a:t>
+              <a:t>25.01.2019</a:t>
             </a:fld>
             <a:endParaRPr lang="de-DE"/>
           </a:p>
@@ -4311,7 +4317,7 @@
           <a:p>
             <a:fld id="{25603A24-7872-46E1-9181-D252AF9AEB68}" type="datetimeFigureOut">
               <a:rPr lang="de-DE" smtClean="0"/>
-              <a:t>23.01.2019</a:t>
+              <a:t>25.01.2019</a:t>
             </a:fld>
             <a:endParaRPr lang="de-DE"/>
           </a:p>
@@ -4574,7 +4580,7 @@
           <a:p>
             <a:fld id="{25603A24-7872-46E1-9181-D252AF9AEB68}" type="datetimeFigureOut">
               <a:rPr lang="de-DE" smtClean="0"/>
-              <a:t>23.01.2019</a:t>
+              <a:t>25.01.2019</a:t>
             </a:fld>
             <a:endParaRPr lang="de-DE"/>
           </a:p>
@@ -5317,7 +5323,7 @@
           <a:p>
             <a:fld id="{25603A24-7872-46E1-9181-D252AF9AEB68}" type="datetimeFigureOut">
               <a:rPr lang="de-DE" smtClean="0"/>
-              <a:t>23.01.2019</a:t>
+              <a:t>25.01.2019</a:t>
             </a:fld>
             <a:endParaRPr lang="de-DE"/>
           </a:p>
@@ -6672,48 +6678,48 @@
           <a:p>
             <a:r>
               <a:rPr lang="de-DE" dirty="0"/>
-              <a:t>Unter Hilfe der </a:t>
-            </a:r>
-            <a:r>
-              <a:rPr lang="de-DE" dirty="0" err="1"/>
-              <a:t>Leap</a:t>
-            </a:r>
-            <a:r>
-              <a:rPr lang="de-DE" dirty="0"/>
-              <a:t> Motion API:</a:t>
+              <a:t>Funktion um ausgestreckte Finger zu erkenn</a:t>
             </a:r>
           </a:p>
           <a:p>
             <a:pPr lvl="1"/>
-            <a:r>
-              <a:rPr lang="de-DE" dirty="0"/>
-              <a:t>Funktion um ausgestreckte Finger zu erkenn</a:t>
-            </a:r>
-          </a:p>
-          <a:p>
-            <a:pPr lvl="2"/>
             <a:r>
               <a:rPr lang="de-DE" dirty="0">
                 <a:sym typeface="Wingdings" panose="05000000000000000000" pitchFamily="2" charset="2"/>
               </a:rPr>
               <a:t> Kamerawechsel</a:t>
             </a:r>
+          </a:p>
+          <a:p>
+            <a:pPr lvl="1"/>
+            <a:r>
+              <a:rPr lang="de-DE" dirty="0">
+                <a:sym typeface="Wingdings" panose="05000000000000000000" pitchFamily="2" charset="2"/>
+              </a:rPr>
+              <a:t>API</a:t>
+            </a:r>
             <a:endParaRPr lang="de-DE" dirty="0"/>
           </a:p>
           <a:p>
+            <a:r>
+              <a:rPr lang="de-DE" dirty="0"/>
+              <a:t>Funktion um Regengeste zu erkennen</a:t>
+            </a:r>
+          </a:p>
+          <a:p>
             <a:pPr lvl="1"/>
-            <a:r>
-              <a:rPr lang="de-DE" dirty="0"/>
-              <a:t>Funktion um Regengeste zu erkennen</a:t>
-            </a:r>
-          </a:p>
-          <a:p>
-            <a:pPr lvl="2"/>
             <a:r>
               <a:rPr lang="de-DE" dirty="0">
                 <a:sym typeface="Wingdings" panose="05000000000000000000" pitchFamily="2" charset="2"/>
               </a:rPr>
               <a:t> De-/Aktivieren von Wetter und öffnen/schließen Dachfenster</a:t>
+            </a:r>
+          </a:p>
+          <a:p>
+            <a:pPr lvl="1"/>
+            <a:r>
+              <a:rPr lang="de-DE" dirty="0"/>
+              <a:t>Frameweises Abspeichern und vergleichen</a:t>
             </a:r>
           </a:p>
           <a:p>
@@ -6835,7 +6841,29 @@
           <a:bodyPr/>
           <a:lstStyle/>
           <a:p>
-            <a:endParaRPr lang="de-DE"/>
+            <a:r>
+              <a:rPr lang="de-DE" dirty="0"/>
+              <a:t>2x4 und 2x2 Blöcke erstellt</a:t>
+            </a:r>
+          </a:p>
+          <a:p>
+            <a:pPr lvl="1"/>
+            <a:r>
+              <a:rPr lang="de-DE" dirty="0"/>
+              <a:t>Daraus das Haus nachgebaut</a:t>
+            </a:r>
+          </a:p>
+          <a:p>
+            <a:r>
+              <a:rPr lang="de-DE" dirty="0"/>
+              <a:t>Alle Anderen Bausteine auch nachgebaut und eigesetzt</a:t>
+            </a:r>
+          </a:p>
+          <a:p>
+            <a:r>
+              <a:rPr lang="de-DE" dirty="0"/>
+              <a:t>texturieren</a:t>
+            </a:r>
           </a:p>
         </p:txBody>
       </p:sp>
@@ -6927,7 +6955,73 @@
           <a:bodyPr/>
           <a:lstStyle/>
           <a:p>
-            <a:endParaRPr lang="de-DE"/>
+            <a:r>
+              <a:rPr lang="de-DE" dirty="0"/>
+              <a:t>Import vom Haus im FBX-Dateiformat</a:t>
+            </a:r>
+          </a:p>
+          <a:p>
+            <a:r>
+              <a:rPr lang="de-DE" dirty="0"/>
+              <a:t>Auswirkungen auf das Haus</a:t>
+            </a:r>
+          </a:p>
+          <a:p>
+            <a:pPr lvl="1"/>
+            <a:r>
+              <a:rPr lang="de-DE" dirty="0"/>
+              <a:t>Verändern des Wetters</a:t>
+            </a:r>
+          </a:p>
+          <a:p>
+            <a:pPr lvl="2"/>
+            <a:r>
+              <a:rPr lang="de-DE" dirty="0" err="1"/>
+              <a:t>Particle</a:t>
+            </a:r>
+            <a:r>
+              <a:rPr lang="de-DE" dirty="0"/>
+              <a:t>-System</a:t>
+            </a:r>
+          </a:p>
+          <a:p>
+            <a:pPr lvl="2"/>
+            <a:r>
+              <a:rPr lang="de-DE" dirty="0"/>
+              <a:t>Photoshop: Grafiken für Wolken, Nebel und Regentropfen</a:t>
+            </a:r>
+          </a:p>
+          <a:p>
+            <a:pPr lvl="1"/>
+            <a:r>
+              <a:rPr lang="de-DE" dirty="0"/>
+              <a:t>Fallender Magnet aus dem Schornstein</a:t>
+            </a:r>
+          </a:p>
+          <a:p>
+            <a:pPr lvl="1"/>
+            <a:r>
+              <a:rPr lang="de-DE" dirty="0"/>
+              <a:t>Veränderndes Licht / Ton</a:t>
+            </a:r>
+          </a:p>
+          <a:p>
+            <a:pPr lvl="1"/>
+            <a:r>
+              <a:rPr lang="de-DE" dirty="0"/>
+              <a:t>Öffnen von Türen</a:t>
+            </a:r>
+          </a:p>
+          <a:p>
+            <a:pPr lvl="1"/>
+            <a:r>
+              <a:rPr lang="de-DE" dirty="0"/>
+              <a:t>Reagieren auf veränderte Lage im Raum</a:t>
+            </a:r>
+          </a:p>
+          <a:p>
+            <a:pPr lvl="1"/>
+            <a:endParaRPr lang="de-DE" dirty="0"/>
           </a:p>
         </p:txBody>
       </p:sp>
@@ -7051,7 +7145,7 @@
           <a:p>
             <a:r>
               <a:rPr lang="de-DE" dirty="0"/>
-              <a:t>Alles logisch alles miteinander Verbunden</a:t>
+              <a:t>Alles logisch miteinander Verbunden</a:t>
             </a:r>
           </a:p>
         </p:txBody>
@@ -7091,7 +7185,7 @@
           <p:cNvPr id="2" name="Titel 1">
             <a:extLst>
               <a:ext uri="{FF2B5EF4-FFF2-40B4-BE49-F238E27FC236}">
-                <a16:creationId xmlns:a16="http://schemas.microsoft.com/office/drawing/2014/main" id="{94B370DC-0DBD-460C-A9A5-7F90F29FCBA1}"/>
+                <a16:creationId xmlns:a16="http://schemas.microsoft.com/office/drawing/2014/main" id="{2AFE4D76-4DD3-4272-BDCD-31D3E4129964}"/>
               </a:ext>
             </a:extLst>
           </p:cNvPr>
@@ -7107,7 +7201,10 @@
           <a:bodyPr/>
           <a:lstStyle/>
           <a:p>
-            <a:endParaRPr lang="de-DE"/>
+            <a:r>
+              <a:rPr lang="de-DE" dirty="0"/>
+              <a:t>Praxisvorführung ??? Oder erst beim Rundlauf?</a:t>
+            </a:r>
           </a:p>
         </p:txBody>
       </p:sp>
@@ -7116,7 +7213,7 @@
           <p:cNvPr id="3" name="Inhaltsplatzhalter 2">
             <a:extLst>
               <a:ext uri="{FF2B5EF4-FFF2-40B4-BE49-F238E27FC236}">
-                <a16:creationId xmlns:a16="http://schemas.microsoft.com/office/drawing/2014/main" id="{F3FF5607-2F68-4952-A817-60231D1E70C0}"/>
+                <a16:creationId xmlns:a16="http://schemas.microsoft.com/office/drawing/2014/main" id="{365DB64B-18CB-4F2D-932B-930D4A60B2C7}"/>
               </a:ext>
             </a:extLst>
           </p:cNvPr>
@@ -7139,7 +7236,7 @@
     </p:spTree>
     <p:extLst>
       <p:ext uri="{BB962C8B-B14F-4D97-AF65-F5344CB8AC3E}">
-        <p14:creationId xmlns:p14="http://schemas.microsoft.com/office/powerpoint/2010/main" val="3540254874"/>
+        <p14:creationId xmlns:p14="http://schemas.microsoft.com/office/powerpoint/2010/main" val="2356678492"/>
       </p:ext>
     </p:extLst>
   </p:cSld>
@@ -7171,7 +7268,7 @@
           <p:cNvPr id="2" name="Titel 1">
             <a:extLst>
               <a:ext uri="{FF2B5EF4-FFF2-40B4-BE49-F238E27FC236}">
-                <a16:creationId xmlns:a16="http://schemas.microsoft.com/office/drawing/2014/main" id="{05230602-F9F3-435F-931E-B19268151D0E}"/>
+                <a16:creationId xmlns:a16="http://schemas.microsoft.com/office/drawing/2014/main" id="{94B370DC-0DBD-460C-A9A5-7F90F29FCBA1}"/>
               </a:ext>
             </a:extLst>
           </p:cNvPr>
@@ -7187,7 +7284,10 @@
           <a:bodyPr/>
           <a:lstStyle/>
           <a:p>
-            <a:endParaRPr lang="de-DE"/>
+            <a:r>
+              <a:rPr lang="de-DE" dirty="0"/>
+              <a:t>Danke für eure Aufmerksamkeit</a:t>
+            </a:r>
           </a:p>
         </p:txBody>
       </p:sp>
@@ -7196,7 +7296,7 @@
           <p:cNvPr id="3" name="Inhaltsplatzhalter 2">
             <a:extLst>
               <a:ext uri="{FF2B5EF4-FFF2-40B4-BE49-F238E27FC236}">
-                <a16:creationId xmlns:a16="http://schemas.microsoft.com/office/drawing/2014/main" id="{D0172BEE-0B58-4F2D-9324-1B26BFE41ACA}"/>
+                <a16:creationId xmlns:a16="http://schemas.microsoft.com/office/drawing/2014/main" id="{F3FF5607-2F68-4952-A817-60231D1E70C0}"/>
               </a:ext>
             </a:extLst>
           </p:cNvPr>
@@ -7219,7 +7319,7 @@
     </p:spTree>
     <p:extLst>
       <p:ext uri="{BB962C8B-B14F-4D97-AF65-F5344CB8AC3E}">
-        <p14:creationId xmlns:p14="http://schemas.microsoft.com/office/powerpoint/2010/main" val="3903698768"/>
+        <p14:creationId xmlns:p14="http://schemas.microsoft.com/office/powerpoint/2010/main" val="3540254874"/>
       </p:ext>
     </p:extLst>
   </p:cSld>
@@ -7251,6 +7351,86 @@
           <p:cNvPr id="2" name="Titel 1">
             <a:extLst>
               <a:ext uri="{FF2B5EF4-FFF2-40B4-BE49-F238E27FC236}">
+                <a16:creationId xmlns:a16="http://schemas.microsoft.com/office/drawing/2014/main" id="{05230602-F9F3-435F-931E-B19268151D0E}"/>
+              </a:ext>
+            </a:extLst>
+          </p:cNvPr>
+          <p:cNvSpPr>
+            <a:spLocks noGrp="1"/>
+          </p:cNvSpPr>
+          <p:nvPr>
+            <p:ph type="title"/>
+          </p:nvPr>
+        </p:nvSpPr>
+        <p:spPr/>
+        <p:txBody>
+          <a:bodyPr/>
+          <a:lstStyle/>
+          <a:p>
+            <a:endParaRPr lang="de-DE"/>
+          </a:p>
+        </p:txBody>
+      </p:sp>
+      <p:sp>
+        <p:nvSpPr>
+          <p:cNvPr id="3" name="Inhaltsplatzhalter 2">
+            <a:extLst>
+              <a:ext uri="{FF2B5EF4-FFF2-40B4-BE49-F238E27FC236}">
+                <a16:creationId xmlns:a16="http://schemas.microsoft.com/office/drawing/2014/main" id="{D0172BEE-0B58-4F2D-9324-1B26BFE41ACA}"/>
+              </a:ext>
+            </a:extLst>
+          </p:cNvPr>
+          <p:cNvSpPr>
+            <a:spLocks noGrp="1"/>
+          </p:cNvSpPr>
+          <p:nvPr>
+            <p:ph idx="1"/>
+          </p:nvPr>
+        </p:nvSpPr>
+        <p:spPr/>
+        <p:txBody>
+          <a:bodyPr/>
+          <a:lstStyle/>
+          <a:p>
+            <a:endParaRPr lang="de-DE"/>
+          </a:p>
+        </p:txBody>
+      </p:sp>
+    </p:spTree>
+    <p:extLst>
+      <p:ext uri="{BB962C8B-B14F-4D97-AF65-F5344CB8AC3E}">
+        <p14:creationId xmlns:p14="http://schemas.microsoft.com/office/powerpoint/2010/main" val="3903698768"/>
+      </p:ext>
+    </p:extLst>
+  </p:cSld>
+  <p:clrMapOvr>
+    <a:masterClrMapping/>
+  </p:clrMapOvr>
+</p:sld>
+</file>
+
+<file path=ppt/slides/slide18.xml><?xml version="1.0" encoding="utf-8"?>
+<p:sld xmlns:a="http://schemas.openxmlformats.org/drawingml/2006/main" xmlns:r="http://schemas.openxmlformats.org/officeDocument/2006/relationships" xmlns:p="http://schemas.openxmlformats.org/presentationml/2006/main">
+  <p:cSld>
+    <p:spTree>
+      <p:nvGrpSpPr>
+        <p:cNvPr id="1" name=""/>
+        <p:cNvGrpSpPr/>
+        <p:nvPr/>
+      </p:nvGrpSpPr>
+      <p:grpSpPr>
+        <a:xfrm>
+          <a:off x="0" y="0"/>
+          <a:ext cx="0" cy="0"/>
+          <a:chOff x="0" y="0"/>
+          <a:chExt cx="0" cy="0"/>
+        </a:xfrm>
+      </p:grpSpPr>
+      <p:sp>
+        <p:nvSpPr>
+          <p:cNvPr id="2" name="Titel 1">
+            <a:extLst>
+              <a:ext uri="{FF2B5EF4-FFF2-40B4-BE49-F238E27FC236}">
                 <a16:creationId xmlns:a16="http://schemas.microsoft.com/office/drawing/2014/main" id="{0C46D5FB-D6E8-4188-901C-B6DCA9CE668F}"/>
               </a:ext>
             </a:extLst>
@@ -7309,7 +7489,7 @@
 </p:sld>
 </file>
 
-<file path=ppt/slides/slide18.xml><?xml version="1.0" encoding="utf-8"?>
+<file path=ppt/slides/slide19.xml><?xml version="1.0" encoding="utf-8"?>
 <p:sld xmlns:a="http://schemas.openxmlformats.org/drawingml/2006/main" xmlns:r="http://schemas.openxmlformats.org/officeDocument/2006/relationships" xmlns:p="http://schemas.openxmlformats.org/presentationml/2006/main">
   <p:cSld>
     <p:spTree>
@@ -7647,6 +7827,36 @@
           <a:bodyPr/>
           <a:lstStyle/>
           <a:p>
+            <a:endParaRPr lang="de-DE" dirty="0"/>
+          </a:p>
+          <a:p>
+            <a:r>
+              <a:rPr lang="de-DE" dirty="0"/>
+              <a:t>Systembild</a:t>
+            </a:r>
+          </a:p>
+          <a:p>
+            <a:pPr lvl="1"/>
+            <a:r>
+              <a:rPr lang="de-DE" dirty="0"/>
+              <a:t>Designentscheidungen</a:t>
+            </a:r>
+          </a:p>
+          <a:p>
+            <a:r>
+              <a:rPr lang="de-DE" dirty="0"/>
+              <a:t>Umsetzung</a:t>
+            </a:r>
+          </a:p>
+          <a:p>
+            <a:pPr lvl="1"/>
+            <a:r>
+              <a:rPr lang="de-DE" dirty="0"/>
+              <a:t>Meilensteine / Entwicklungsverlauf</a:t>
+            </a:r>
+          </a:p>
+          <a:p>
+            <a:pPr lvl="1"/>
             <a:endParaRPr lang="de-DE" dirty="0"/>
           </a:p>
         </p:txBody>
@@ -8800,7 +9010,7 @@
           <a:p>
             <a:r>
               <a:rPr lang="de-DE" dirty="0"/>
-              <a:t>Umsetzung – Meilensteine und Wendepunkte / Entwicklungsverlauf</a:t>
+              <a:t>Umsetzung – Meilensteine / Entwicklungsverlauf</a:t>
             </a:r>
           </a:p>
         </p:txBody>

--- a/Praesi.pptx
+++ b/Praesi.pptx
@@ -4,6 +4,9 @@
   <p:sldMasterIdLst>
     <p:sldMasterId id="2147483677" r:id="rId1"/>
   </p:sldMasterIdLst>
+  <p:notesMasterIdLst>
+    <p:notesMasterId r:id="rId21"/>
+  </p:notesMasterIdLst>
   <p:sldIdLst>
     <p:sldId id="256" r:id="rId2"/>
     <p:sldId id="257" r:id="rId3"/>
@@ -128,6 +131,446 @@
     </p:ext>
   </p:extLst>
 </p:presentation>
+</file>
+
+<file path=ppt/notesMasters/notesMaster1.xml><?xml version="1.0" encoding="utf-8"?>
+<p:notesMaster xmlns:a="http://schemas.openxmlformats.org/drawingml/2006/main" xmlns:r="http://schemas.openxmlformats.org/officeDocument/2006/relationships" xmlns:p="http://schemas.openxmlformats.org/presentationml/2006/main">
+  <p:cSld>
+    <p:bg>
+      <p:bgRef idx="1001">
+        <a:schemeClr val="bg1"/>
+      </p:bgRef>
+    </p:bg>
+    <p:spTree>
+      <p:nvGrpSpPr>
+        <p:cNvPr id="1" name=""/>
+        <p:cNvGrpSpPr/>
+        <p:nvPr/>
+      </p:nvGrpSpPr>
+      <p:grpSpPr>
+        <a:xfrm>
+          <a:off x="0" y="0"/>
+          <a:ext cx="0" cy="0"/>
+          <a:chOff x="0" y="0"/>
+          <a:chExt cx="0" cy="0"/>
+        </a:xfrm>
+      </p:grpSpPr>
+      <p:sp>
+        <p:nvSpPr>
+          <p:cNvPr id="2" name="Kopfzeilenplatzhalter 1"/>
+          <p:cNvSpPr>
+            <a:spLocks noGrp="1"/>
+          </p:cNvSpPr>
+          <p:nvPr>
+            <p:ph type="hdr" sz="quarter"/>
+          </p:nvPr>
+        </p:nvSpPr>
+        <p:spPr>
+          <a:xfrm>
+            <a:off x="0" y="0"/>
+            <a:ext cx="2971800" cy="458788"/>
+          </a:xfrm>
+          <a:prstGeom prst="rect">
+            <a:avLst/>
+          </a:prstGeom>
+        </p:spPr>
+        <p:txBody>
+          <a:bodyPr vert="horz" lIns="91440" tIns="45720" rIns="91440" bIns="45720" rtlCol="0"/>
+          <a:lstStyle>
+            <a:lvl1pPr algn="l">
+              <a:defRPr sz="1200"/>
+            </a:lvl1pPr>
+          </a:lstStyle>
+          <a:p>
+            <a:endParaRPr lang="de-DE"/>
+          </a:p>
+        </p:txBody>
+      </p:sp>
+      <p:sp>
+        <p:nvSpPr>
+          <p:cNvPr id="3" name="Datumsplatzhalter 2"/>
+          <p:cNvSpPr>
+            <a:spLocks noGrp="1"/>
+          </p:cNvSpPr>
+          <p:nvPr>
+            <p:ph type="dt" idx="1"/>
+          </p:nvPr>
+        </p:nvSpPr>
+        <p:spPr>
+          <a:xfrm>
+            <a:off x="3884613" y="0"/>
+            <a:ext cx="2971800" cy="458788"/>
+          </a:xfrm>
+          <a:prstGeom prst="rect">
+            <a:avLst/>
+          </a:prstGeom>
+        </p:spPr>
+        <p:txBody>
+          <a:bodyPr vert="horz" lIns="91440" tIns="45720" rIns="91440" bIns="45720" rtlCol="0"/>
+          <a:lstStyle>
+            <a:lvl1pPr algn="r">
+              <a:defRPr sz="1200"/>
+            </a:lvl1pPr>
+          </a:lstStyle>
+          <a:p>
+            <a:fld id="{CECECCF7-24F5-4954-9206-0F27343A7004}" type="datetimeFigureOut">
+              <a:rPr lang="de-DE" smtClean="0"/>
+              <a:t>26.01.2019</a:t>
+            </a:fld>
+            <a:endParaRPr lang="de-DE"/>
+          </a:p>
+        </p:txBody>
+      </p:sp>
+      <p:sp>
+        <p:nvSpPr>
+          <p:cNvPr id="4" name="Folienbildplatzhalter 3"/>
+          <p:cNvSpPr>
+            <a:spLocks noGrp="1" noRot="1" noChangeAspect="1"/>
+          </p:cNvSpPr>
+          <p:nvPr>
+            <p:ph type="sldImg" idx="2"/>
+          </p:nvPr>
+        </p:nvSpPr>
+        <p:spPr>
+          <a:xfrm>
+            <a:off x="685800" y="1143000"/>
+            <a:ext cx="5486400" cy="3086100"/>
+          </a:xfrm>
+          <a:prstGeom prst="rect">
+            <a:avLst/>
+          </a:prstGeom>
+          <a:noFill/>
+          <a:ln w="12700">
+            <a:solidFill>
+              <a:prstClr val="black"/>
+            </a:solidFill>
+          </a:ln>
+        </p:spPr>
+        <p:txBody>
+          <a:bodyPr vert="horz" lIns="91440" tIns="45720" rIns="91440" bIns="45720" rtlCol="0" anchor="ctr"/>
+          <a:lstStyle/>
+          <a:p>
+            <a:endParaRPr lang="de-DE"/>
+          </a:p>
+        </p:txBody>
+      </p:sp>
+      <p:sp>
+        <p:nvSpPr>
+          <p:cNvPr id="5" name="Notizenplatzhalter 4"/>
+          <p:cNvSpPr>
+            <a:spLocks noGrp="1"/>
+          </p:cNvSpPr>
+          <p:nvPr>
+            <p:ph type="body" sz="quarter" idx="3"/>
+          </p:nvPr>
+        </p:nvSpPr>
+        <p:spPr>
+          <a:xfrm>
+            <a:off x="685800" y="4400550"/>
+            <a:ext cx="5486400" cy="3600450"/>
+          </a:xfrm>
+          <a:prstGeom prst="rect">
+            <a:avLst/>
+          </a:prstGeom>
+        </p:spPr>
+        <p:txBody>
+          <a:bodyPr vert="horz" lIns="91440" tIns="45720" rIns="91440" bIns="45720" rtlCol="0"/>
+          <a:lstStyle/>
+          <a:p>
+            <a:pPr lvl="0"/>
+            <a:r>
+              <a:rPr lang="de-DE"/>
+              <a:t>Mastertextformat bearbeiten</a:t>
+            </a:r>
+          </a:p>
+          <a:p>
+            <a:pPr lvl="1"/>
+            <a:r>
+              <a:rPr lang="de-DE"/>
+              <a:t>Zweite Ebene</a:t>
+            </a:r>
+          </a:p>
+          <a:p>
+            <a:pPr lvl="2"/>
+            <a:r>
+              <a:rPr lang="de-DE"/>
+              <a:t>Dritte Ebene</a:t>
+            </a:r>
+          </a:p>
+          <a:p>
+            <a:pPr lvl="3"/>
+            <a:r>
+              <a:rPr lang="de-DE"/>
+              <a:t>Vierte Ebene</a:t>
+            </a:r>
+          </a:p>
+          <a:p>
+            <a:pPr lvl="4"/>
+            <a:r>
+              <a:rPr lang="de-DE"/>
+              <a:t>Fünfte Ebene</a:t>
+            </a:r>
+          </a:p>
+        </p:txBody>
+      </p:sp>
+      <p:sp>
+        <p:nvSpPr>
+          <p:cNvPr id="6" name="Fußzeilenplatzhalter 5"/>
+          <p:cNvSpPr>
+            <a:spLocks noGrp="1"/>
+          </p:cNvSpPr>
+          <p:nvPr>
+            <p:ph type="ftr" sz="quarter" idx="4"/>
+          </p:nvPr>
+        </p:nvSpPr>
+        <p:spPr>
+          <a:xfrm>
+            <a:off x="0" y="8685213"/>
+            <a:ext cx="2971800" cy="458787"/>
+          </a:xfrm>
+          <a:prstGeom prst="rect">
+            <a:avLst/>
+          </a:prstGeom>
+        </p:spPr>
+        <p:txBody>
+          <a:bodyPr vert="horz" lIns="91440" tIns="45720" rIns="91440" bIns="45720" rtlCol="0" anchor="b"/>
+          <a:lstStyle>
+            <a:lvl1pPr algn="l">
+              <a:defRPr sz="1200"/>
+            </a:lvl1pPr>
+          </a:lstStyle>
+          <a:p>
+            <a:endParaRPr lang="de-DE"/>
+          </a:p>
+        </p:txBody>
+      </p:sp>
+      <p:sp>
+        <p:nvSpPr>
+          <p:cNvPr id="7" name="Foliennummernplatzhalter 6"/>
+          <p:cNvSpPr>
+            <a:spLocks noGrp="1"/>
+          </p:cNvSpPr>
+          <p:nvPr>
+            <p:ph type="sldNum" sz="quarter" idx="5"/>
+          </p:nvPr>
+        </p:nvSpPr>
+        <p:spPr>
+          <a:xfrm>
+            <a:off x="3884613" y="8685213"/>
+            <a:ext cx="2971800" cy="458787"/>
+          </a:xfrm>
+          <a:prstGeom prst="rect">
+            <a:avLst/>
+          </a:prstGeom>
+        </p:spPr>
+        <p:txBody>
+          <a:bodyPr vert="horz" lIns="91440" tIns="45720" rIns="91440" bIns="45720" rtlCol="0" anchor="b"/>
+          <a:lstStyle>
+            <a:lvl1pPr algn="r">
+              <a:defRPr sz="1200"/>
+            </a:lvl1pPr>
+          </a:lstStyle>
+          <a:p>
+            <a:fld id="{6ABF0EB9-CC47-4AD6-B26F-35737531DE2F}" type="slidenum">
+              <a:rPr lang="de-DE" smtClean="0"/>
+              <a:t>‹Nr.›</a:t>
+            </a:fld>
+            <a:endParaRPr lang="de-DE"/>
+          </a:p>
+        </p:txBody>
+      </p:sp>
+    </p:spTree>
+    <p:extLst>
+      <p:ext uri="{BB962C8B-B14F-4D97-AF65-F5344CB8AC3E}">
+        <p14:creationId xmlns:p14="http://schemas.microsoft.com/office/powerpoint/2010/main" val="944615165"/>
+      </p:ext>
+    </p:extLst>
+  </p:cSld>
+  <p:clrMap bg1="lt1" tx1="dk1" bg2="lt2" tx2="dk2" accent1="accent1" accent2="accent2" accent3="accent3" accent4="accent4" accent5="accent5" accent6="accent6" hlink="hlink" folHlink="folHlink"/>
+  <p:notesStyle>
+    <a:lvl1pPr marL="0" algn="l" defTabSz="914400" rtl="0" eaLnBrk="1" latinLnBrk="0" hangingPunct="1">
+      <a:defRPr sz="1200" kern="1200">
+        <a:solidFill>
+          <a:schemeClr val="tx1"/>
+        </a:solidFill>
+        <a:latin typeface="+mn-lt"/>
+        <a:ea typeface="+mn-ea"/>
+        <a:cs typeface="+mn-cs"/>
+      </a:defRPr>
+    </a:lvl1pPr>
+    <a:lvl2pPr marL="457200" algn="l" defTabSz="914400" rtl="0" eaLnBrk="1" latinLnBrk="0" hangingPunct="1">
+      <a:defRPr sz="1200" kern="1200">
+        <a:solidFill>
+          <a:schemeClr val="tx1"/>
+        </a:solidFill>
+        <a:latin typeface="+mn-lt"/>
+        <a:ea typeface="+mn-ea"/>
+        <a:cs typeface="+mn-cs"/>
+      </a:defRPr>
+    </a:lvl2pPr>
+    <a:lvl3pPr marL="914400" algn="l" defTabSz="914400" rtl="0" eaLnBrk="1" latinLnBrk="0" hangingPunct="1">
+      <a:defRPr sz="1200" kern="1200">
+        <a:solidFill>
+          <a:schemeClr val="tx1"/>
+        </a:solidFill>
+        <a:latin typeface="+mn-lt"/>
+        <a:ea typeface="+mn-ea"/>
+        <a:cs typeface="+mn-cs"/>
+      </a:defRPr>
+    </a:lvl3pPr>
+    <a:lvl4pPr marL="1371600" algn="l" defTabSz="914400" rtl="0" eaLnBrk="1" latinLnBrk="0" hangingPunct="1">
+      <a:defRPr sz="1200" kern="1200">
+        <a:solidFill>
+          <a:schemeClr val="tx1"/>
+        </a:solidFill>
+        <a:latin typeface="+mn-lt"/>
+        <a:ea typeface="+mn-ea"/>
+        <a:cs typeface="+mn-cs"/>
+      </a:defRPr>
+    </a:lvl4pPr>
+    <a:lvl5pPr marL="1828800" algn="l" defTabSz="914400" rtl="0" eaLnBrk="1" latinLnBrk="0" hangingPunct="1">
+      <a:defRPr sz="1200" kern="1200">
+        <a:solidFill>
+          <a:schemeClr val="tx1"/>
+        </a:solidFill>
+        <a:latin typeface="+mn-lt"/>
+        <a:ea typeface="+mn-ea"/>
+        <a:cs typeface="+mn-cs"/>
+      </a:defRPr>
+    </a:lvl5pPr>
+    <a:lvl6pPr marL="2286000" algn="l" defTabSz="914400" rtl="0" eaLnBrk="1" latinLnBrk="0" hangingPunct="1">
+      <a:defRPr sz="1200" kern="1200">
+        <a:solidFill>
+          <a:schemeClr val="tx1"/>
+        </a:solidFill>
+        <a:latin typeface="+mn-lt"/>
+        <a:ea typeface="+mn-ea"/>
+        <a:cs typeface="+mn-cs"/>
+      </a:defRPr>
+    </a:lvl6pPr>
+    <a:lvl7pPr marL="2743200" algn="l" defTabSz="914400" rtl="0" eaLnBrk="1" latinLnBrk="0" hangingPunct="1">
+      <a:defRPr sz="1200" kern="1200">
+        <a:solidFill>
+          <a:schemeClr val="tx1"/>
+        </a:solidFill>
+        <a:latin typeface="+mn-lt"/>
+        <a:ea typeface="+mn-ea"/>
+        <a:cs typeface="+mn-cs"/>
+      </a:defRPr>
+    </a:lvl7pPr>
+    <a:lvl8pPr marL="3200400" algn="l" defTabSz="914400" rtl="0" eaLnBrk="1" latinLnBrk="0" hangingPunct="1">
+      <a:defRPr sz="1200" kern="1200">
+        <a:solidFill>
+          <a:schemeClr val="tx1"/>
+        </a:solidFill>
+        <a:latin typeface="+mn-lt"/>
+        <a:ea typeface="+mn-ea"/>
+        <a:cs typeface="+mn-cs"/>
+      </a:defRPr>
+    </a:lvl8pPr>
+    <a:lvl9pPr marL="3657600" algn="l" defTabSz="914400" rtl="0" eaLnBrk="1" latinLnBrk="0" hangingPunct="1">
+      <a:defRPr sz="1200" kern="1200">
+        <a:solidFill>
+          <a:schemeClr val="tx1"/>
+        </a:solidFill>
+        <a:latin typeface="+mn-lt"/>
+        <a:ea typeface="+mn-ea"/>
+        <a:cs typeface="+mn-cs"/>
+      </a:defRPr>
+    </a:lvl9pPr>
+  </p:notesStyle>
+</p:notesMaster>
+</file>
+
+<file path=ppt/notesSlides/notesSlide1.xml><?xml version="1.0" encoding="utf-8"?>
+<p:notes xmlns:a="http://schemas.openxmlformats.org/drawingml/2006/main" xmlns:r="http://schemas.openxmlformats.org/officeDocument/2006/relationships" xmlns:p="http://schemas.openxmlformats.org/presentationml/2006/main">
+  <p:cSld>
+    <p:spTree>
+      <p:nvGrpSpPr>
+        <p:cNvPr id="1" name=""/>
+        <p:cNvGrpSpPr/>
+        <p:nvPr/>
+      </p:nvGrpSpPr>
+      <p:grpSpPr>
+        <a:xfrm>
+          <a:off x="0" y="0"/>
+          <a:ext cx="0" cy="0"/>
+          <a:chOff x="0" y="0"/>
+          <a:chExt cx="0" cy="0"/>
+        </a:xfrm>
+      </p:grpSpPr>
+      <p:sp>
+        <p:nvSpPr>
+          <p:cNvPr id="2" name="Folienbildplatzhalter 1"/>
+          <p:cNvSpPr>
+            <a:spLocks noGrp="1" noRot="1" noChangeAspect="1"/>
+          </p:cNvSpPr>
+          <p:nvPr>
+            <p:ph type="sldImg"/>
+          </p:nvPr>
+        </p:nvSpPr>
+        <p:spPr/>
+      </p:sp>
+      <p:sp>
+        <p:nvSpPr>
+          <p:cNvPr id="3" name="Notizenplatzhalter 2"/>
+          <p:cNvSpPr>
+            <a:spLocks noGrp="1"/>
+          </p:cNvSpPr>
+          <p:nvPr>
+            <p:ph type="body" idx="1"/>
+          </p:nvPr>
+        </p:nvSpPr>
+        <p:spPr/>
+        <p:txBody>
+          <a:bodyPr/>
+          <a:lstStyle/>
+          <a:p>
+            <a:r>
+              <a:rPr lang="de-DE" dirty="0"/>
+              <a:t>Wofür ist die Folie? Bzw. was soll </a:t>
+            </a:r>
+            <a:r>
+              <a:rPr lang="de-DE"/>
+              <a:t>sie aussagen?</a:t>
+            </a:r>
+          </a:p>
+        </p:txBody>
+      </p:sp>
+      <p:sp>
+        <p:nvSpPr>
+          <p:cNvPr id="4" name="Foliennummernplatzhalter 3"/>
+          <p:cNvSpPr>
+            <a:spLocks noGrp="1"/>
+          </p:cNvSpPr>
+          <p:nvPr>
+            <p:ph type="sldNum" sz="quarter" idx="5"/>
+          </p:nvPr>
+        </p:nvSpPr>
+        <p:spPr/>
+        <p:txBody>
+          <a:bodyPr/>
+          <a:lstStyle/>
+          <a:p>
+            <a:fld id="{6ABF0EB9-CC47-4AD6-B26F-35737531DE2F}" type="slidenum">
+              <a:rPr lang="de-DE" smtClean="0"/>
+              <a:t>9</a:t>
+            </a:fld>
+            <a:endParaRPr lang="de-DE"/>
+          </a:p>
+        </p:txBody>
+      </p:sp>
+    </p:spTree>
+    <p:extLst>
+      <p:ext uri="{BB962C8B-B14F-4D97-AF65-F5344CB8AC3E}">
+        <p14:creationId xmlns:p14="http://schemas.microsoft.com/office/powerpoint/2010/main" val="1062172145"/>
+      </p:ext>
+    </p:extLst>
+  </p:cSld>
+  <p:clrMapOvr>
+    <a:masterClrMapping/>
+  </p:clrMapOvr>
+</p:notes>
 </file>
 
 <file path=ppt/slideLayouts/slideLayout1.xml><?xml version="1.0" encoding="utf-8"?>
@@ -852,7 +1295,7 @@
           <a:p>
             <a:fld id="{25603A24-7872-46E1-9181-D252AF9AEB68}" type="datetimeFigureOut">
               <a:rPr lang="de-DE" smtClean="0"/>
-              <a:t>25.01.2019</a:t>
+              <a:t>26.01.2019</a:t>
             </a:fld>
             <a:endParaRPr lang="de-DE"/>
           </a:p>
@@ -1103,7 +1546,7 @@
           <a:p>
             <a:fld id="{25603A24-7872-46E1-9181-D252AF9AEB68}" type="datetimeFigureOut">
               <a:rPr lang="de-DE" smtClean="0"/>
-              <a:t>25.01.2019</a:t>
+              <a:t>26.01.2019</a:t>
             </a:fld>
             <a:endParaRPr lang="de-DE"/>
           </a:p>
@@ -1417,7 +1860,7 @@
           <a:p>
             <a:fld id="{25603A24-7872-46E1-9181-D252AF9AEB68}" type="datetimeFigureOut">
               <a:rPr lang="de-DE" smtClean="0"/>
-              <a:t>25.01.2019</a:t>
+              <a:t>26.01.2019</a:t>
             </a:fld>
             <a:endParaRPr lang="de-DE"/>
           </a:p>
@@ -1758,7 +2201,7 @@
           <a:p>
             <a:fld id="{25603A24-7872-46E1-9181-D252AF9AEB68}" type="datetimeFigureOut">
               <a:rPr lang="de-DE" smtClean="0"/>
-              <a:t>25.01.2019</a:t>
+              <a:t>26.01.2019</a:t>
             </a:fld>
             <a:endParaRPr lang="de-DE"/>
           </a:p>
@@ -2072,7 +2515,7 @@
           <a:p>
             <a:fld id="{25603A24-7872-46E1-9181-D252AF9AEB68}" type="datetimeFigureOut">
               <a:rPr lang="de-DE" smtClean="0"/>
-              <a:t>25.01.2019</a:t>
+              <a:t>26.01.2019</a:t>
             </a:fld>
             <a:endParaRPr lang="de-DE"/>
           </a:p>
@@ -2465,7 +2908,7 @@
           <a:p>
             <a:fld id="{25603A24-7872-46E1-9181-D252AF9AEB68}" type="datetimeFigureOut">
               <a:rPr lang="de-DE" smtClean="0"/>
-              <a:t>25.01.2019</a:t>
+              <a:t>26.01.2019</a:t>
             </a:fld>
             <a:endParaRPr lang="de-DE"/>
           </a:p>
@@ -2635,7 +3078,7 @@
           <a:p>
             <a:fld id="{25603A24-7872-46E1-9181-D252AF9AEB68}" type="datetimeFigureOut">
               <a:rPr lang="de-DE" smtClean="0"/>
-              <a:t>25.01.2019</a:t>
+              <a:t>26.01.2019</a:t>
             </a:fld>
             <a:endParaRPr lang="de-DE"/>
           </a:p>
@@ -2815,7 +3258,7 @@
           <a:p>
             <a:fld id="{25603A24-7872-46E1-9181-D252AF9AEB68}" type="datetimeFigureOut">
               <a:rPr lang="de-DE" smtClean="0"/>
-              <a:t>25.01.2019</a:t>
+              <a:t>26.01.2019</a:t>
             </a:fld>
             <a:endParaRPr lang="de-DE"/>
           </a:p>
@@ -2991,7 +3434,7 @@
           <a:p>
             <a:fld id="{25603A24-7872-46E1-9181-D252AF9AEB68}" type="datetimeFigureOut">
               <a:rPr lang="de-DE" smtClean="0"/>
-              <a:t>25.01.2019</a:t>
+              <a:t>26.01.2019</a:t>
             </a:fld>
             <a:endParaRPr lang="de-DE"/>
           </a:p>
@@ -3238,7 +3681,7 @@
           <a:p>
             <a:fld id="{25603A24-7872-46E1-9181-D252AF9AEB68}" type="datetimeFigureOut">
               <a:rPr lang="de-DE" smtClean="0"/>
-              <a:t>25.01.2019</a:t>
+              <a:t>26.01.2019</a:t>
             </a:fld>
             <a:endParaRPr lang="de-DE"/>
           </a:p>
@@ -3470,7 +3913,7 @@
           <a:p>
             <a:fld id="{25603A24-7872-46E1-9181-D252AF9AEB68}" type="datetimeFigureOut">
               <a:rPr lang="de-DE" smtClean="0"/>
-              <a:t>25.01.2019</a:t>
+              <a:t>26.01.2019</a:t>
             </a:fld>
             <a:endParaRPr lang="de-DE"/>
           </a:p>
@@ -3844,7 +4287,7 @@
           <a:p>
             <a:fld id="{25603A24-7872-46E1-9181-D252AF9AEB68}" type="datetimeFigureOut">
               <a:rPr lang="de-DE" smtClean="0"/>
-              <a:t>25.01.2019</a:t>
+              <a:t>26.01.2019</a:t>
             </a:fld>
             <a:endParaRPr lang="de-DE"/>
           </a:p>
@@ -3967,7 +4410,7 @@
           <a:p>
             <a:fld id="{25603A24-7872-46E1-9181-D252AF9AEB68}" type="datetimeFigureOut">
               <a:rPr lang="de-DE" smtClean="0"/>
-              <a:t>25.01.2019</a:t>
+              <a:t>26.01.2019</a:t>
             </a:fld>
             <a:endParaRPr lang="de-DE"/>
           </a:p>
@@ -4062,7 +4505,7 @@
           <a:p>
             <a:fld id="{25603A24-7872-46E1-9181-D252AF9AEB68}" type="datetimeFigureOut">
               <a:rPr lang="de-DE" smtClean="0"/>
-              <a:t>25.01.2019</a:t>
+              <a:t>26.01.2019</a:t>
             </a:fld>
             <a:endParaRPr lang="de-DE"/>
           </a:p>
@@ -4317,7 +4760,7 @@
           <a:p>
             <a:fld id="{25603A24-7872-46E1-9181-D252AF9AEB68}" type="datetimeFigureOut">
               <a:rPr lang="de-DE" smtClean="0"/>
-              <a:t>25.01.2019</a:t>
+              <a:t>26.01.2019</a:t>
             </a:fld>
             <a:endParaRPr lang="de-DE"/>
           </a:p>
@@ -4580,7 +5023,7 @@
           <a:p>
             <a:fld id="{25603A24-7872-46E1-9181-D252AF9AEB68}" type="datetimeFigureOut">
               <a:rPr lang="de-DE" smtClean="0"/>
-              <a:t>25.01.2019</a:t>
+              <a:t>26.01.2019</a:t>
             </a:fld>
             <a:endParaRPr lang="de-DE"/>
           </a:p>
@@ -5323,7 +5766,7 @@
           <a:p>
             <a:fld id="{25603A24-7872-46E1-9181-D252AF9AEB68}" type="datetimeFigureOut">
               <a:rPr lang="de-DE" smtClean="0"/>
-              <a:t>25.01.2019</a:t>
+              <a:t>26.01.2019</a:t>
             </a:fld>
             <a:endParaRPr lang="de-DE"/>
           </a:p>
@@ -6669,7 +7112,15 @@
           <a:p>
             <a:r>
               <a:rPr lang="de-DE" dirty="0"/>
-              <a:t>Systembild – Designentscheidung: Was es tut.</a:t>
+              <a:t>Anforderungen – </a:t>
+            </a:r>
+            <a:r>
+              <a:rPr lang="de-DE" dirty="0" err="1"/>
+              <a:t>Leap</a:t>
+            </a:r>
+            <a:r>
+              <a:rPr lang="de-DE" dirty="0"/>
+              <a:t> Motion: Was es tun soll.</a:t>
             </a:r>
           </a:p>
           <a:p>
@@ -6862,7 +7313,7 @@
           <a:p>
             <a:r>
               <a:rPr lang="de-DE" dirty="0"/>
-              <a:t>texturieren</a:t>
+              <a:t>Texturieren</a:t>
             </a:r>
           </a:p>
         </p:txBody>
@@ -7916,31 +8367,6 @@
               <a:rPr lang="de-DE" dirty="0"/>
               <a:t>Systembild</a:t>
             </a:r>
-          </a:p>
-        </p:txBody>
-      </p:sp>
-      <p:sp>
-        <p:nvSpPr>
-          <p:cNvPr id="3" name="Inhaltsplatzhalter 2">
-            <a:extLst>
-              <a:ext uri="{FF2B5EF4-FFF2-40B4-BE49-F238E27FC236}">
-                <a16:creationId xmlns:a16="http://schemas.microsoft.com/office/drawing/2014/main" id="{23E308A7-68EF-49A5-8049-6734091F4301}"/>
-              </a:ext>
-            </a:extLst>
-          </p:cNvPr>
-          <p:cNvSpPr>
-            <a:spLocks noGrp="1"/>
-          </p:cNvSpPr>
-          <p:nvPr>
-            <p:ph idx="1"/>
-          </p:nvPr>
-        </p:nvSpPr>
-        <p:spPr/>
-        <p:txBody>
-          <a:bodyPr/>
-          <a:lstStyle/>
-          <a:p>
-            <a:endParaRPr lang="de-DE"/>
           </a:p>
         </p:txBody>
       </p:sp>
@@ -8574,14 +9000,7 @@
           <a:p>
             <a:r>
               <a:rPr lang="de-DE" dirty="0"/>
-              <a:t>Systembild – Designentscheidung</a:t>
-            </a:r>
-            <a:br>
-              <a:rPr lang="de-DE" dirty="0"/>
-            </a:br>
-            <a:r>
-              <a:rPr lang="de-DE" dirty="0"/>
-              <a:t>- Arduino</a:t>
+              <a:t>Anforderungen - Arduino</a:t>
             </a:r>
           </a:p>
         </p:txBody>
@@ -8784,14 +9203,7 @@
           <a:p>
             <a:r>
               <a:rPr lang="de-DE" dirty="0"/>
-              <a:t>Systembild – Designentscheidung</a:t>
-            </a:r>
-            <a:br>
-              <a:rPr lang="de-DE" dirty="0"/>
-            </a:br>
-            <a:r>
-              <a:rPr lang="de-DE" dirty="0"/>
-              <a:t>- </a:t>
+              <a:t>Anforderungen- </a:t>
             </a:r>
             <a:r>
               <a:rPr lang="de-DE" dirty="0" err="1"/>
@@ -9537,4 +9949,299 @@
     </a:ext>
   </a:extLst>
 </a:theme>
+</file>
+
+<file path=ppt/theme/theme2.xml><?xml version="1.0" encoding="utf-8"?>
+<a:theme xmlns:a="http://schemas.openxmlformats.org/drawingml/2006/main" name="Office">
+  <a:themeElements>
+    <a:clrScheme name="Office">
+      <a:dk1>
+        <a:sysClr val="windowText" lastClr="000000"/>
+      </a:dk1>
+      <a:lt1>
+        <a:sysClr val="window" lastClr="FFFFFF"/>
+      </a:lt1>
+      <a:dk2>
+        <a:srgbClr val="44546A"/>
+      </a:dk2>
+      <a:lt2>
+        <a:srgbClr val="E7E6E6"/>
+      </a:lt2>
+      <a:accent1>
+        <a:srgbClr val="4472C4"/>
+      </a:accent1>
+      <a:accent2>
+        <a:srgbClr val="ED7D31"/>
+      </a:accent2>
+      <a:accent3>
+        <a:srgbClr val="A5A5A5"/>
+      </a:accent3>
+      <a:accent4>
+        <a:srgbClr val="FFC000"/>
+      </a:accent4>
+      <a:accent5>
+        <a:srgbClr val="5B9BD5"/>
+      </a:accent5>
+      <a:accent6>
+        <a:srgbClr val="70AD47"/>
+      </a:accent6>
+      <a:hlink>
+        <a:srgbClr val="0563C1"/>
+      </a:hlink>
+      <a:folHlink>
+        <a:srgbClr val="954F72"/>
+      </a:folHlink>
+    </a:clrScheme>
+    <a:fontScheme name="Office">
+      <a:majorFont>
+        <a:latin typeface="Calibri Light" panose="020F0302020204030204"/>
+        <a:ea typeface=""/>
+        <a:cs typeface=""/>
+        <a:font script="Jpan" typeface="游ゴシック Light"/>
+        <a:font script="Hang" typeface="맑은 고딕"/>
+        <a:font script="Hans" typeface="等线 Light"/>
+        <a:font script="Hant" typeface="新細明體"/>
+        <a:font script="Arab" typeface="Times New Roman"/>
+        <a:font script="Hebr" typeface="Times New Roman"/>
+        <a:font script="Thai" typeface="Angsana New"/>
+        <a:font script="Ethi" typeface="Nyala"/>
+        <a:font script="Beng" typeface="Vrinda"/>
+        <a:font script="Gujr" typeface="Shruti"/>
+        <a:font script="Khmr" typeface="MoolBoran"/>
+        <a:font script="Knda" typeface="Tunga"/>
+        <a:font script="Guru" typeface="Raavi"/>
+        <a:font script="Cans" typeface="Euphemia"/>
+        <a:font script="Cher" typeface="Plantagenet Cherokee"/>
+        <a:font script="Yiii" typeface="Microsoft Yi Baiti"/>
+        <a:font script="Tibt" typeface="Microsoft Himalaya"/>
+        <a:font script="Thaa" typeface="MV Boli"/>
+        <a:font script="Deva" typeface="Mangal"/>
+        <a:font script="Telu" typeface="Gautami"/>
+        <a:font script="Taml" typeface="Latha"/>
+        <a:font script="Syrc" typeface="Estrangelo Edessa"/>
+        <a:font script="Orya" typeface="Kalinga"/>
+        <a:font script="Mlym" typeface="Kartika"/>
+        <a:font script="Laoo" typeface="DokChampa"/>
+        <a:font script="Sinh" typeface="Iskoola Pota"/>
+        <a:font script="Mong" typeface="Mongolian Baiti"/>
+        <a:font script="Viet" typeface="Times New Roman"/>
+        <a:font script="Uigh" typeface="Microsoft Uighur"/>
+        <a:font script="Geor" typeface="Sylfaen"/>
+        <a:font script="Armn" typeface="Arial"/>
+        <a:font script="Bugi" typeface="Leelawadee UI"/>
+        <a:font script="Bopo" typeface="Microsoft JhengHei"/>
+        <a:font script="Java" typeface="Javanese Text"/>
+        <a:font script="Lisu" typeface="Segoe UI"/>
+        <a:font script="Mymr" typeface="Myanmar Text"/>
+        <a:font script="Nkoo" typeface="Ebrima"/>
+        <a:font script="Olck" typeface="Nirmala UI"/>
+        <a:font script="Osma" typeface="Ebrima"/>
+        <a:font script="Phag" typeface="Phagspa"/>
+        <a:font script="Syrn" typeface="Estrangelo Edessa"/>
+        <a:font script="Syrj" typeface="Estrangelo Edessa"/>
+        <a:font script="Syre" typeface="Estrangelo Edessa"/>
+        <a:font script="Sora" typeface="Nirmala UI"/>
+        <a:font script="Tale" typeface="Microsoft Tai Le"/>
+        <a:font script="Talu" typeface="Microsoft New Tai Lue"/>
+        <a:font script="Tfng" typeface="Ebrima"/>
+      </a:majorFont>
+      <a:minorFont>
+        <a:latin typeface="Calibri" panose="020F0502020204030204"/>
+        <a:ea typeface=""/>
+        <a:cs typeface=""/>
+        <a:font script="Jpan" typeface="游ゴシック"/>
+        <a:font script="Hang" typeface="맑은 고딕"/>
+        <a:font script="Hans" typeface="等线"/>
+        <a:font script="Hant" typeface="新細明體"/>
+        <a:font script="Arab" typeface="Arial"/>
+        <a:font script="Hebr" typeface="Arial"/>
+        <a:font script="Thai" typeface="Cordia New"/>
+        <a:font script="Ethi" typeface="Nyala"/>
+        <a:font script="Beng" typeface="Vrinda"/>
+        <a:font script="Gujr" typeface="Shruti"/>
+        <a:font script="Khmr" typeface="DaunPenh"/>
+        <a:font script="Knda" typeface="Tunga"/>
+        <a:font script="Guru" typeface="Raavi"/>
+        <a:font script="Cans" typeface="Euphemia"/>
+        <a:font script="Cher" typeface="Plantagenet Cherokee"/>
+        <a:font script="Yiii" typeface="Microsoft Yi Baiti"/>
+        <a:font script="Tibt" typeface="Microsoft Himalaya"/>
+        <a:font script="Thaa" typeface="MV Boli"/>
+        <a:font script="Deva" typeface="Mangal"/>
+        <a:font script="Telu" typeface="Gautami"/>
+        <a:font script="Taml" typeface="Latha"/>
+        <a:font script="Syrc" typeface="Estrangelo Edessa"/>
+        <a:font script="Orya" typeface="Kalinga"/>
+        <a:font script="Mlym" typeface="Kartika"/>
+        <a:font script="Laoo" typeface="DokChampa"/>
+        <a:font script="Sinh" typeface="Iskoola Pota"/>
+        <a:font script="Mong" typeface="Mongolian Baiti"/>
+        <a:font script="Viet" typeface="Arial"/>
+        <a:font script="Uigh" typeface="Microsoft Uighur"/>
+        <a:font script="Geor" typeface="Sylfaen"/>
+        <a:font script="Armn" typeface="Arial"/>
+        <a:font script="Bugi" typeface="Leelawadee UI"/>
+        <a:font script="Bopo" typeface="Microsoft JhengHei"/>
+        <a:font script="Java" typeface="Javanese Text"/>
+        <a:font script="Lisu" typeface="Segoe UI"/>
+        <a:font script="Mymr" typeface="Myanmar Text"/>
+        <a:font script="Nkoo" typeface="Ebrima"/>
+        <a:font script="Olck" typeface="Nirmala UI"/>
+        <a:font script="Osma" typeface="Ebrima"/>
+        <a:font script="Phag" typeface="Phagspa"/>
+        <a:font script="Syrn" typeface="Estrangelo Edessa"/>
+        <a:font script="Syrj" typeface="Estrangelo Edessa"/>
+        <a:font script="Syre" typeface="Estrangelo Edessa"/>
+        <a:font script="Sora" typeface="Nirmala UI"/>
+        <a:font script="Tale" typeface="Microsoft Tai Le"/>
+        <a:font script="Talu" typeface="Microsoft New Tai Lue"/>
+        <a:font script="Tfng" typeface="Ebrima"/>
+      </a:minorFont>
+    </a:fontScheme>
+    <a:fmtScheme name="Office">
+      <a:fillStyleLst>
+        <a:solidFill>
+          <a:schemeClr val="phClr"/>
+        </a:solidFill>
+        <a:gradFill rotWithShape="1">
+          <a:gsLst>
+            <a:gs pos="0">
+              <a:schemeClr val="phClr">
+                <a:lumMod val="110000"/>
+                <a:satMod val="105000"/>
+                <a:tint val="67000"/>
+              </a:schemeClr>
+            </a:gs>
+            <a:gs pos="50000">
+              <a:schemeClr val="phClr">
+                <a:lumMod val="105000"/>
+                <a:satMod val="103000"/>
+                <a:tint val="73000"/>
+              </a:schemeClr>
+            </a:gs>
+            <a:gs pos="100000">
+              <a:schemeClr val="phClr">
+                <a:lumMod val="105000"/>
+                <a:satMod val="109000"/>
+                <a:tint val="81000"/>
+              </a:schemeClr>
+            </a:gs>
+          </a:gsLst>
+          <a:lin ang="5400000" scaled="0"/>
+        </a:gradFill>
+        <a:gradFill rotWithShape="1">
+          <a:gsLst>
+            <a:gs pos="0">
+              <a:schemeClr val="phClr">
+                <a:satMod val="103000"/>
+                <a:lumMod val="102000"/>
+                <a:tint val="94000"/>
+              </a:schemeClr>
+            </a:gs>
+            <a:gs pos="50000">
+              <a:schemeClr val="phClr">
+                <a:satMod val="110000"/>
+                <a:lumMod val="100000"/>
+                <a:shade val="100000"/>
+              </a:schemeClr>
+            </a:gs>
+            <a:gs pos="100000">
+              <a:schemeClr val="phClr">
+                <a:lumMod val="99000"/>
+                <a:satMod val="120000"/>
+                <a:shade val="78000"/>
+              </a:schemeClr>
+            </a:gs>
+          </a:gsLst>
+          <a:lin ang="5400000" scaled="0"/>
+        </a:gradFill>
+      </a:fillStyleLst>
+      <a:lnStyleLst>
+        <a:ln w="6350" cap="flat" cmpd="sng" algn="ctr">
+          <a:solidFill>
+            <a:schemeClr val="phClr"/>
+          </a:solidFill>
+          <a:prstDash val="solid"/>
+          <a:miter lim="800000"/>
+        </a:ln>
+        <a:ln w="12700" cap="flat" cmpd="sng" algn="ctr">
+          <a:solidFill>
+            <a:schemeClr val="phClr"/>
+          </a:solidFill>
+          <a:prstDash val="solid"/>
+          <a:miter lim="800000"/>
+        </a:ln>
+        <a:ln w="19050" cap="flat" cmpd="sng" algn="ctr">
+          <a:solidFill>
+            <a:schemeClr val="phClr"/>
+          </a:solidFill>
+          <a:prstDash val="solid"/>
+          <a:miter lim="800000"/>
+        </a:ln>
+      </a:lnStyleLst>
+      <a:effectStyleLst>
+        <a:effectStyle>
+          <a:effectLst/>
+        </a:effectStyle>
+        <a:effectStyle>
+          <a:effectLst/>
+        </a:effectStyle>
+        <a:effectStyle>
+          <a:effectLst>
+            <a:outerShdw blurRad="57150" dist="19050" dir="5400000" algn="ctr" rotWithShape="0">
+              <a:srgbClr val="000000">
+                <a:alpha val="63000"/>
+              </a:srgbClr>
+            </a:outerShdw>
+          </a:effectLst>
+        </a:effectStyle>
+      </a:effectStyleLst>
+      <a:bgFillStyleLst>
+        <a:solidFill>
+          <a:schemeClr val="phClr"/>
+        </a:solidFill>
+        <a:solidFill>
+          <a:schemeClr val="phClr">
+            <a:tint val="95000"/>
+            <a:satMod val="170000"/>
+          </a:schemeClr>
+        </a:solidFill>
+        <a:gradFill rotWithShape="1">
+          <a:gsLst>
+            <a:gs pos="0">
+              <a:schemeClr val="phClr">
+                <a:tint val="93000"/>
+                <a:satMod val="150000"/>
+                <a:shade val="98000"/>
+                <a:lumMod val="102000"/>
+              </a:schemeClr>
+            </a:gs>
+            <a:gs pos="50000">
+              <a:schemeClr val="phClr">
+                <a:tint val="98000"/>
+                <a:satMod val="130000"/>
+                <a:shade val="90000"/>
+                <a:lumMod val="103000"/>
+              </a:schemeClr>
+            </a:gs>
+            <a:gs pos="100000">
+              <a:schemeClr val="phClr">
+                <a:shade val="63000"/>
+                <a:satMod val="120000"/>
+              </a:schemeClr>
+            </a:gs>
+          </a:gsLst>
+          <a:lin ang="5400000" scaled="0"/>
+        </a:gradFill>
+      </a:bgFillStyleLst>
+    </a:fmtScheme>
+  </a:themeElements>
+  <a:objectDefaults/>
+  <a:extraClrSchemeLst/>
+  <a:extLst>
+    <a:ext uri="{05A4C25C-085E-4340-85A3-A5531E510DB2}">
+      <thm15:themeFamily xmlns:thm15="http://schemas.microsoft.com/office/thememl/2012/main" name="Office Theme" id="{62F939B6-93AF-4DB8-9C6B-D6C7DFDC589F}" vid="{4A3C46E8-61CC-4603-A589-7422A47A8E4A}"/>
+    </a:ext>
+  </a:extLst>
+</a:theme>
 </file>
--- a/Praesi.pptx
+++ b/Praesi.pptx
@@ -9000,7 +9000,14 @@
           <a:p>
             <a:r>
               <a:rPr lang="de-DE" dirty="0"/>
-              <a:t>Anforderungen - Arduino</a:t>
+              <a:t>Systembild – Designentscheidung</a:t>
+            </a:r>
+            <a:br>
+              <a:rPr lang="de-DE" dirty="0"/>
+            </a:br>
+            <a:r>
+              <a:rPr lang="de-DE" dirty="0"/>
+              <a:t>- Arduino</a:t>
             </a:r>
           </a:p>
         </p:txBody>
@@ -9203,16 +9210,24 @@
           <a:p>
             <a:r>
               <a:rPr lang="de-DE" dirty="0"/>
-              <a:t>Anforderungen- </a:t>
+              <a:t>Systembild – Designentscheidung</a:t>
+            </a:r>
+            <a:br>
+              <a:rPr lang="de-DE" dirty="0"/>
+            </a:br>
+            <a:r>
+              <a:rPr lang="de-DE" dirty="0"/>
+              <a:t>- </a:t>
             </a:r>
             <a:r>
               <a:rPr lang="de-DE" dirty="0" err="1"/>
               <a:t>Leap</a:t>
             </a:r>
             <a:r>
-              <a:rPr lang="de-DE" dirty="0"/>
+              <a:rPr lang="de-DE"/>
               <a:t> Motion</a:t>
             </a:r>
+            <a:endParaRPr lang="de-DE" dirty="0"/>
           </a:p>
         </p:txBody>
       </p:sp>

--- a/Praesi.pptx
+++ b/Praesi.pptx
@@ -4,29 +4,27 @@
   <p:sldMasterIdLst>
     <p:sldMasterId id="2147483677" r:id="rId1"/>
   </p:sldMasterIdLst>
-  <p:notesMasterIdLst>
-    <p:notesMasterId r:id="rId21"/>
-  </p:notesMasterIdLst>
   <p:sldIdLst>
     <p:sldId id="256" r:id="rId2"/>
     <p:sldId id="257" r:id="rId3"/>
-    <p:sldId id="258" r:id="rId4"/>
-    <p:sldId id="268" r:id="rId5"/>
-    <p:sldId id="262" r:id="rId6"/>
-    <p:sldId id="269" r:id="rId7"/>
-    <p:sldId id="259" r:id="rId8"/>
+    <p:sldId id="277" r:id="rId4"/>
+    <p:sldId id="258" r:id="rId5"/>
+    <p:sldId id="268" r:id="rId6"/>
+    <p:sldId id="262" r:id="rId7"/>
+    <p:sldId id="269" r:id="rId8"/>
     <p:sldId id="260" r:id="rId9"/>
     <p:sldId id="270" r:id="rId10"/>
     <p:sldId id="271" r:id="rId11"/>
-    <p:sldId id="265" r:id="rId12"/>
-    <p:sldId id="266" r:id="rId13"/>
-    <p:sldId id="272" r:id="rId14"/>
-    <p:sldId id="273" r:id="rId15"/>
-    <p:sldId id="276" r:id="rId16"/>
-    <p:sldId id="274" r:id="rId17"/>
-    <p:sldId id="275" r:id="rId18"/>
-    <p:sldId id="267" r:id="rId19"/>
-    <p:sldId id="263" r:id="rId20"/>
+    <p:sldId id="278" r:id="rId12"/>
+    <p:sldId id="265" r:id="rId13"/>
+    <p:sldId id="266" r:id="rId14"/>
+    <p:sldId id="272" r:id="rId15"/>
+    <p:sldId id="273" r:id="rId16"/>
+    <p:sldId id="276" r:id="rId17"/>
+    <p:sldId id="274" r:id="rId18"/>
+    <p:sldId id="275" r:id="rId19"/>
+    <p:sldId id="267" r:id="rId20"/>
+    <p:sldId id="263" r:id="rId21"/>
   </p:sldIdLst>
   <p:sldSz cx="12192000" cy="6858000"/>
   <p:notesSz cx="6858000" cy="9144000"/>
@@ -131,446 +129,6 @@
     </p:ext>
   </p:extLst>
 </p:presentation>
-</file>
-
-<file path=ppt/notesMasters/notesMaster1.xml><?xml version="1.0" encoding="utf-8"?>
-<p:notesMaster xmlns:a="http://schemas.openxmlformats.org/drawingml/2006/main" xmlns:r="http://schemas.openxmlformats.org/officeDocument/2006/relationships" xmlns:p="http://schemas.openxmlformats.org/presentationml/2006/main">
-  <p:cSld>
-    <p:bg>
-      <p:bgRef idx="1001">
-        <a:schemeClr val="bg1"/>
-      </p:bgRef>
-    </p:bg>
-    <p:spTree>
-      <p:nvGrpSpPr>
-        <p:cNvPr id="1" name=""/>
-        <p:cNvGrpSpPr/>
-        <p:nvPr/>
-      </p:nvGrpSpPr>
-      <p:grpSpPr>
-        <a:xfrm>
-          <a:off x="0" y="0"/>
-          <a:ext cx="0" cy="0"/>
-          <a:chOff x="0" y="0"/>
-          <a:chExt cx="0" cy="0"/>
-        </a:xfrm>
-      </p:grpSpPr>
-      <p:sp>
-        <p:nvSpPr>
-          <p:cNvPr id="2" name="Kopfzeilenplatzhalter 1"/>
-          <p:cNvSpPr>
-            <a:spLocks noGrp="1"/>
-          </p:cNvSpPr>
-          <p:nvPr>
-            <p:ph type="hdr" sz="quarter"/>
-          </p:nvPr>
-        </p:nvSpPr>
-        <p:spPr>
-          <a:xfrm>
-            <a:off x="0" y="0"/>
-            <a:ext cx="2971800" cy="458788"/>
-          </a:xfrm>
-          <a:prstGeom prst="rect">
-            <a:avLst/>
-          </a:prstGeom>
-        </p:spPr>
-        <p:txBody>
-          <a:bodyPr vert="horz" lIns="91440" tIns="45720" rIns="91440" bIns="45720" rtlCol="0"/>
-          <a:lstStyle>
-            <a:lvl1pPr algn="l">
-              <a:defRPr sz="1200"/>
-            </a:lvl1pPr>
-          </a:lstStyle>
-          <a:p>
-            <a:endParaRPr lang="de-DE"/>
-          </a:p>
-        </p:txBody>
-      </p:sp>
-      <p:sp>
-        <p:nvSpPr>
-          <p:cNvPr id="3" name="Datumsplatzhalter 2"/>
-          <p:cNvSpPr>
-            <a:spLocks noGrp="1"/>
-          </p:cNvSpPr>
-          <p:nvPr>
-            <p:ph type="dt" idx="1"/>
-          </p:nvPr>
-        </p:nvSpPr>
-        <p:spPr>
-          <a:xfrm>
-            <a:off x="3884613" y="0"/>
-            <a:ext cx="2971800" cy="458788"/>
-          </a:xfrm>
-          <a:prstGeom prst="rect">
-            <a:avLst/>
-          </a:prstGeom>
-        </p:spPr>
-        <p:txBody>
-          <a:bodyPr vert="horz" lIns="91440" tIns="45720" rIns="91440" bIns="45720" rtlCol="0"/>
-          <a:lstStyle>
-            <a:lvl1pPr algn="r">
-              <a:defRPr sz="1200"/>
-            </a:lvl1pPr>
-          </a:lstStyle>
-          <a:p>
-            <a:fld id="{CECECCF7-24F5-4954-9206-0F27343A7004}" type="datetimeFigureOut">
-              <a:rPr lang="de-DE" smtClean="0"/>
-              <a:t>26.01.2019</a:t>
-            </a:fld>
-            <a:endParaRPr lang="de-DE"/>
-          </a:p>
-        </p:txBody>
-      </p:sp>
-      <p:sp>
-        <p:nvSpPr>
-          <p:cNvPr id="4" name="Folienbildplatzhalter 3"/>
-          <p:cNvSpPr>
-            <a:spLocks noGrp="1" noRot="1" noChangeAspect="1"/>
-          </p:cNvSpPr>
-          <p:nvPr>
-            <p:ph type="sldImg" idx="2"/>
-          </p:nvPr>
-        </p:nvSpPr>
-        <p:spPr>
-          <a:xfrm>
-            <a:off x="685800" y="1143000"/>
-            <a:ext cx="5486400" cy="3086100"/>
-          </a:xfrm>
-          <a:prstGeom prst="rect">
-            <a:avLst/>
-          </a:prstGeom>
-          <a:noFill/>
-          <a:ln w="12700">
-            <a:solidFill>
-              <a:prstClr val="black"/>
-            </a:solidFill>
-          </a:ln>
-        </p:spPr>
-        <p:txBody>
-          <a:bodyPr vert="horz" lIns="91440" tIns="45720" rIns="91440" bIns="45720" rtlCol="0" anchor="ctr"/>
-          <a:lstStyle/>
-          <a:p>
-            <a:endParaRPr lang="de-DE"/>
-          </a:p>
-        </p:txBody>
-      </p:sp>
-      <p:sp>
-        <p:nvSpPr>
-          <p:cNvPr id="5" name="Notizenplatzhalter 4"/>
-          <p:cNvSpPr>
-            <a:spLocks noGrp="1"/>
-          </p:cNvSpPr>
-          <p:nvPr>
-            <p:ph type="body" sz="quarter" idx="3"/>
-          </p:nvPr>
-        </p:nvSpPr>
-        <p:spPr>
-          <a:xfrm>
-            <a:off x="685800" y="4400550"/>
-            <a:ext cx="5486400" cy="3600450"/>
-          </a:xfrm>
-          <a:prstGeom prst="rect">
-            <a:avLst/>
-          </a:prstGeom>
-        </p:spPr>
-        <p:txBody>
-          <a:bodyPr vert="horz" lIns="91440" tIns="45720" rIns="91440" bIns="45720" rtlCol="0"/>
-          <a:lstStyle/>
-          <a:p>
-            <a:pPr lvl="0"/>
-            <a:r>
-              <a:rPr lang="de-DE"/>
-              <a:t>Mastertextformat bearbeiten</a:t>
-            </a:r>
-          </a:p>
-          <a:p>
-            <a:pPr lvl="1"/>
-            <a:r>
-              <a:rPr lang="de-DE"/>
-              <a:t>Zweite Ebene</a:t>
-            </a:r>
-          </a:p>
-          <a:p>
-            <a:pPr lvl="2"/>
-            <a:r>
-              <a:rPr lang="de-DE"/>
-              <a:t>Dritte Ebene</a:t>
-            </a:r>
-          </a:p>
-          <a:p>
-            <a:pPr lvl="3"/>
-            <a:r>
-              <a:rPr lang="de-DE"/>
-              <a:t>Vierte Ebene</a:t>
-            </a:r>
-          </a:p>
-          <a:p>
-            <a:pPr lvl="4"/>
-            <a:r>
-              <a:rPr lang="de-DE"/>
-              <a:t>Fünfte Ebene</a:t>
-            </a:r>
-          </a:p>
-        </p:txBody>
-      </p:sp>
-      <p:sp>
-        <p:nvSpPr>
-          <p:cNvPr id="6" name="Fußzeilenplatzhalter 5"/>
-          <p:cNvSpPr>
-            <a:spLocks noGrp="1"/>
-          </p:cNvSpPr>
-          <p:nvPr>
-            <p:ph type="ftr" sz="quarter" idx="4"/>
-          </p:nvPr>
-        </p:nvSpPr>
-        <p:spPr>
-          <a:xfrm>
-            <a:off x="0" y="8685213"/>
-            <a:ext cx="2971800" cy="458787"/>
-          </a:xfrm>
-          <a:prstGeom prst="rect">
-            <a:avLst/>
-          </a:prstGeom>
-        </p:spPr>
-        <p:txBody>
-          <a:bodyPr vert="horz" lIns="91440" tIns="45720" rIns="91440" bIns="45720" rtlCol="0" anchor="b"/>
-          <a:lstStyle>
-            <a:lvl1pPr algn="l">
-              <a:defRPr sz="1200"/>
-            </a:lvl1pPr>
-          </a:lstStyle>
-          <a:p>
-            <a:endParaRPr lang="de-DE"/>
-          </a:p>
-        </p:txBody>
-      </p:sp>
-      <p:sp>
-        <p:nvSpPr>
-          <p:cNvPr id="7" name="Foliennummernplatzhalter 6"/>
-          <p:cNvSpPr>
-            <a:spLocks noGrp="1"/>
-          </p:cNvSpPr>
-          <p:nvPr>
-            <p:ph type="sldNum" sz="quarter" idx="5"/>
-          </p:nvPr>
-        </p:nvSpPr>
-        <p:spPr>
-          <a:xfrm>
-            <a:off x="3884613" y="8685213"/>
-            <a:ext cx="2971800" cy="458787"/>
-          </a:xfrm>
-          <a:prstGeom prst="rect">
-            <a:avLst/>
-          </a:prstGeom>
-        </p:spPr>
-        <p:txBody>
-          <a:bodyPr vert="horz" lIns="91440" tIns="45720" rIns="91440" bIns="45720" rtlCol="0" anchor="b"/>
-          <a:lstStyle>
-            <a:lvl1pPr algn="r">
-              <a:defRPr sz="1200"/>
-            </a:lvl1pPr>
-          </a:lstStyle>
-          <a:p>
-            <a:fld id="{6ABF0EB9-CC47-4AD6-B26F-35737531DE2F}" type="slidenum">
-              <a:rPr lang="de-DE" smtClean="0"/>
-              <a:t>‹Nr.›</a:t>
-            </a:fld>
-            <a:endParaRPr lang="de-DE"/>
-          </a:p>
-        </p:txBody>
-      </p:sp>
-    </p:spTree>
-    <p:extLst>
-      <p:ext uri="{BB962C8B-B14F-4D97-AF65-F5344CB8AC3E}">
-        <p14:creationId xmlns:p14="http://schemas.microsoft.com/office/powerpoint/2010/main" val="944615165"/>
-      </p:ext>
-    </p:extLst>
-  </p:cSld>
-  <p:clrMap bg1="lt1" tx1="dk1" bg2="lt2" tx2="dk2" accent1="accent1" accent2="accent2" accent3="accent3" accent4="accent4" accent5="accent5" accent6="accent6" hlink="hlink" folHlink="folHlink"/>
-  <p:notesStyle>
-    <a:lvl1pPr marL="0" algn="l" defTabSz="914400" rtl="0" eaLnBrk="1" latinLnBrk="0" hangingPunct="1">
-      <a:defRPr sz="1200" kern="1200">
-        <a:solidFill>
-          <a:schemeClr val="tx1"/>
-        </a:solidFill>
-        <a:latin typeface="+mn-lt"/>
-        <a:ea typeface="+mn-ea"/>
-        <a:cs typeface="+mn-cs"/>
-      </a:defRPr>
-    </a:lvl1pPr>
-    <a:lvl2pPr marL="457200" algn="l" defTabSz="914400" rtl="0" eaLnBrk="1" latinLnBrk="0" hangingPunct="1">
-      <a:defRPr sz="1200" kern="1200">
-        <a:solidFill>
-          <a:schemeClr val="tx1"/>
-        </a:solidFill>
-        <a:latin typeface="+mn-lt"/>
-        <a:ea typeface="+mn-ea"/>
-        <a:cs typeface="+mn-cs"/>
-      </a:defRPr>
-    </a:lvl2pPr>
-    <a:lvl3pPr marL="914400" algn="l" defTabSz="914400" rtl="0" eaLnBrk="1" latinLnBrk="0" hangingPunct="1">
-      <a:defRPr sz="1200" kern="1200">
-        <a:solidFill>
-          <a:schemeClr val="tx1"/>
-        </a:solidFill>
-        <a:latin typeface="+mn-lt"/>
-        <a:ea typeface="+mn-ea"/>
-        <a:cs typeface="+mn-cs"/>
-      </a:defRPr>
-    </a:lvl3pPr>
-    <a:lvl4pPr marL="1371600" algn="l" defTabSz="914400" rtl="0" eaLnBrk="1" latinLnBrk="0" hangingPunct="1">
-      <a:defRPr sz="1200" kern="1200">
-        <a:solidFill>
-          <a:schemeClr val="tx1"/>
-        </a:solidFill>
-        <a:latin typeface="+mn-lt"/>
-        <a:ea typeface="+mn-ea"/>
-        <a:cs typeface="+mn-cs"/>
-      </a:defRPr>
-    </a:lvl4pPr>
-    <a:lvl5pPr marL="1828800" algn="l" defTabSz="914400" rtl="0" eaLnBrk="1" latinLnBrk="0" hangingPunct="1">
-      <a:defRPr sz="1200" kern="1200">
-        <a:solidFill>
-          <a:schemeClr val="tx1"/>
-        </a:solidFill>
-        <a:latin typeface="+mn-lt"/>
-        <a:ea typeface="+mn-ea"/>
-        <a:cs typeface="+mn-cs"/>
-      </a:defRPr>
-    </a:lvl5pPr>
-    <a:lvl6pPr marL="2286000" algn="l" defTabSz="914400" rtl="0" eaLnBrk="1" latinLnBrk="0" hangingPunct="1">
-      <a:defRPr sz="1200" kern="1200">
-        <a:solidFill>
-          <a:schemeClr val="tx1"/>
-        </a:solidFill>
-        <a:latin typeface="+mn-lt"/>
-        <a:ea typeface="+mn-ea"/>
-        <a:cs typeface="+mn-cs"/>
-      </a:defRPr>
-    </a:lvl6pPr>
-    <a:lvl7pPr marL="2743200" algn="l" defTabSz="914400" rtl="0" eaLnBrk="1" latinLnBrk="0" hangingPunct="1">
-      <a:defRPr sz="1200" kern="1200">
-        <a:solidFill>
-          <a:schemeClr val="tx1"/>
-        </a:solidFill>
-        <a:latin typeface="+mn-lt"/>
-        <a:ea typeface="+mn-ea"/>
-        <a:cs typeface="+mn-cs"/>
-      </a:defRPr>
-    </a:lvl7pPr>
-    <a:lvl8pPr marL="3200400" algn="l" defTabSz="914400" rtl="0" eaLnBrk="1" latinLnBrk="0" hangingPunct="1">
-      <a:defRPr sz="1200" kern="1200">
-        <a:solidFill>
-          <a:schemeClr val="tx1"/>
-        </a:solidFill>
-        <a:latin typeface="+mn-lt"/>
-        <a:ea typeface="+mn-ea"/>
-        <a:cs typeface="+mn-cs"/>
-      </a:defRPr>
-    </a:lvl8pPr>
-    <a:lvl9pPr marL="3657600" algn="l" defTabSz="914400" rtl="0" eaLnBrk="1" latinLnBrk="0" hangingPunct="1">
-      <a:defRPr sz="1200" kern="1200">
-        <a:solidFill>
-          <a:schemeClr val="tx1"/>
-        </a:solidFill>
-        <a:latin typeface="+mn-lt"/>
-        <a:ea typeface="+mn-ea"/>
-        <a:cs typeface="+mn-cs"/>
-      </a:defRPr>
-    </a:lvl9pPr>
-  </p:notesStyle>
-</p:notesMaster>
-</file>
-
-<file path=ppt/notesSlides/notesSlide1.xml><?xml version="1.0" encoding="utf-8"?>
-<p:notes xmlns:a="http://schemas.openxmlformats.org/drawingml/2006/main" xmlns:r="http://schemas.openxmlformats.org/officeDocument/2006/relationships" xmlns:p="http://schemas.openxmlformats.org/presentationml/2006/main">
-  <p:cSld>
-    <p:spTree>
-      <p:nvGrpSpPr>
-        <p:cNvPr id="1" name=""/>
-        <p:cNvGrpSpPr/>
-        <p:nvPr/>
-      </p:nvGrpSpPr>
-      <p:grpSpPr>
-        <a:xfrm>
-          <a:off x="0" y="0"/>
-          <a:ext cx="0" cy="0"/>
-          <a:chOff x="0" y="0"/>
-          <a:chExt cx="0" cy="0"/>
-        </a:xfrm>
-      </p:grpSpPr>
-      <p:sp>
-        <p:nvSpPr>
-          <p:cNvPr id="2" name="Folienbildplatzhalter 1"/>
-          <p:cNvSpPr>
-            <a:spLocks noGrp="1" noRot="1" noChangeAspect="1"/>
-          </p:cNvSpPr>
-          <p:nvPr>
-            <p:ph type="sldImg"/>
-          </p:nvPr>
-        </p:nvSpPr>
-        <p:spPr/>
-      </p:sp>
-      <p:sp>
-        <p:nvSpPr>
-          <p:cNvPr id="3" name="Notizenplatzhalter 2"/>
-          <p:cNvSpPr>
-            <a:spLocks noGrp="1"/>
-          </p:cNvSpPr>
-          <p:nvPr>
-            <p:ph type="body" idx="1"/>
-          </p:nvPr>
-        </p:nvSpPr>
-        <p:spPr/>
-        <p:txBody>
-          <a:bodyPr/>
-          <a:lstStyle/>
-          <a:p>
-            <a:r>
-              <a:rPr lang="de-DE" dirty="0"/>
-              <a:t>Wofür ist die Folie? Bzw. was soll </a:t>
-            </a:r>
-            <a:r>
-              <a:rPr lang="de-DE"/>
-              <a:t>sie aussagen?</a:t>
-            </a:r>
-          </a:p>
-        </p:txBody>
-      </p:sp>
-      <p:sp>
-        <p:nvSpPr>
-          <p:cNvPr id="4" name="Foliennummernplatzhalter 3"/>
-          <p:cNvSpPr>
-            <a:spLocks noGrp="1"/>
-          </p:cNvSpPr>
-          <p:nvPr>
-            <p:ph type="sldNum" sz="quarter" idx="5"/>
-          </p:nvPr>
-        </p:nvSpPr>
-        <p:spPr/>
-        <p:txBody>
-          <a:bodyPr/>
-          <a:lstStyle/>
-          <a:p>
-            <a:fld id="{6ABF0EB9-CC47-4AD6-B26F-35737531DE2F}" type="slidenum">
-              <a:rPr lang="de-DE" smtClean="0"/>
-              <a:t>9</a:t>
-            </a:fld>
-            <a:endParaRPr lang="de-DE"/>
-          </a:p>
-        </p:txBody>
-      </p:sp>
-    </p:spTree>
-    <p:extLst>
-      <p:ext uri="{BB962C8B-B14F-4D97-AF65-F5344CB8AC3E}">
-        <p14:creationId xmlns:p14="http://schemas.microsoft.com/office/powerpoint/2010/main" val="1062172145"/>
-      </p:ext>
-    </p:extLst>
-  </p:cSld>
-  <p:clrMapOvr>
-    <a:masterClrMapping/>
-  </p:clrMapOvr>
-</p:notes>
 </file>
 
 <file path=ppt/slideLayouts/slideLayout1.xml><?xml version="1.0" encoding="utf-8"?>
@@ -6893,7 +6451,7 @@
             </a:br>
             <a:r>
               <a:rPr lang="de-DE" dirty="0"/>
-              <a:t>Lego-Haus gebaut</a:t>
+              <a:t>Lego-Haus-Bau</a:t>
             </a:r>
           </a:p>
         </p:txBody>
@@ -6925,41 +6483,34 @@
             </a:pPr>
             <a:r>
               <a:rPr lang="de-DE" dirty="0"/>
-              <a:t>Mit Sensoren und Arduino versehen</a:t>
+              <a:t>Bau des Hauses aus Lego</a:t>
             </a:r>
           </a:p>
           <a:p>
             <a:pPr lvl="1"/>
             <a:r>
               <a:rPr lang="de-DE" dirty="0"/>
-              <a:t>Schwierigkeiten Lego mit Sensoren zu verbinden, dass es stabil bleibt</a:t>
-            </a:r>
+              <a:t>Für Schrägdach nicht genügend Steine</a:t>
+            </a:r>
+          </a:p>
+          <a:p>
+            <a:pPr lvl="1"/>
+            <a:r>
+              <a:rPr lang="de-DE" dirty="0"/>
+              <a:t>Flachdach aus normalen </a:t>
+            </a:r>
+            <a:r>
+              <a:rPr lang="de-DE" dirty="0" err="1"/>
+              <a:t>Steien</a:t>
+            </a:r>
+            <a:endParaRPr lang="de-DE" dirty="0"/>
           </a:p>
           <a:p>
             <a:pPr lvl="2"/>
             <a:r>
               <a:rPr lang="de-DE" dirty="0"/>
-              <a:t>Insbesondere der </a:t>
-            </a:r>
-            <a:r>
-              <a:rPr lang="de-DE" dirty="0" err="1"/>
-              <a:t>Servo</a:t>
-            </a:r>
-            <a:r>
-              <a:rPr lang="de-DE" dirty="0"/>
-              <a:t>, der Komponenten aktiv bewegen muss</a:t>
-            </a:r>
-          </a:p>
-          <a:p>
-            <a:pPr lvl="2"/>
-            <a:r>
-              <a:rPr lang="de-DE" dirty="0"/>
-              <a:t>Lösung: Kleber</a:t>
-            </a:r>
-          </a:p>
-          <a:p>
-            <a:pPr lvl="1"/>
-            <a:endParaRPr lang="de-DE" dirty="0"/>
+              <a:t>Dafür ist das Dach auch abnehmbar</a:t>
+            </a:r>
           </a:p>
           <a:p>
             <a:pPr>
@@ -6968,19 +6519,37 @@
             </a:pPr>
             <a:r>
               <a:rPr lang="de-DE" dirty="0"/>
-              <a:t>Arduino: Werte einlesen und Seriell ausgeben</a:t>
+              <a:t>Mit Sensoren und Arduino versehen</a:t>
             </a:r>
           </a:p>
           <a:p>
             <a:pPr lvl="1"/>
             <a:r>
               <a:rPr lang="de-DE" dirty="0"/>
-              <a:t>Systembild: Serielle Schnittstelle</a:t>
-            </a:r>
-          </a:p>
-          <a:p>
-            <a:pPr lvl="1"/>
-            <a:endParaRPr lang="de-DE" dirty="0"/>
+              <a:t>Schwierigkeiten Lego mit Sensoren zu verbinden, dass es stabil bleibt</a:t>
+            </a:r>
+          </a:p>
+          <a:p>
+            <a:pPr lvl="2"/>
+            <a:r>
+              <a:rPr lang="de-DE" dirty="0"/>
+              <a:t>Insbesondere der </a:t>
+            </a:r>
+            <a:r>
+              <a:rPr lang="de-DE" dirty="0" err="1"/>
+              <a:t>Servo</a:t>
+            </a:r>
+            <a:r>
+              <a:rPr lang="de-DE" dirty="0"/>
+              <a:t>, der Komponenten aktiv bewegen muss</a:t>
+            </a:r>
+          </a:p>
+          <a:p>
+            <a:pPr lvl="2"/>
+            <a:r>
+              <a:rPr lang="de-DE" dirty="0"/>
+              <a:t>Lösung: Kleber</a:t>
+            </a:r>
           </a:p>
           <a:p>
             <a:pPr>
@@ -6988,27 +6557,16 @@
               <a:buAutoNum type="arabicPeriod"/>
             </a:pPr>
             <a:r>
-              <a:rPr lang="de-DE" dirty="0"/>
-              <a:t>Arduino: Seriell werte einlesen und </a:t>
-            </a:r>
-            <a:r>
               <a:rPr lang="de-DE" dirty="0" err="1"/>
-              <a:t>Servo</a:t>
-            </a:r>
-            <a:r>
-              <a:rPr lang="de-DE" dirty="0"/>
-              <a:t> bewegen</a:t>
-            </a:r>
-          </a:p>
-          <a:p>
-            <a:pPr lvl="1"/>
-            <a:r>
-              <a:rPr lang="de-DE" dirty="0"/>
-              <a:t>Systembild: Serielle Schnittstelle</a:t>
-            </a:r>
-          </a:p>
-          <a:p>
-            <a:pPr lvl="1"/>
+              <a:t>Leap</a:t>
+            </a:r>
+            <a:r>
+              <a:rPr lang="de-DE" dirty="0"/>
+              <a:t> auf dem Dach anbringen</a:t>
+            </a:r>
+          </a:p>
+          <a:p>
+            <a:pPr lvl="2"/>
             <a:endParaRPr lang="de-DE" dirty="0"/>
           </a:p>
           <a:p>
@@ -7051,7 +6609,7 @@
           <p:cNvPr id="2" name="Titel 1">
             <a:extLst>
               <a:ext uri="{FF2B5EF4-FFF2-40B4-BE49-F238E27FC236}">
-                <a16:creationId xmlns:a16="http://schemas.microsoft.com/office/drawing/2014/main" id="{254D5AC3-9F6E-41F9-9AB5-E407798DF673}"/>
+                <a16:creationId xmlns:a16="http://schemas.microsoft.com/office/drawing/2014/main" id="{5C8913E0-3F24-4EDE-A058-675A5B01FCF3}"/>
               </a:ext>
             </a:extLst>
           </p:cNvPr>
@@ -7064,7 +6622,9 @@
         </p:nvSpPr>
         <p:spPr/>
         <p:txBody>
-          <a:bodyPr/>
+          <a:bodyPr>
+            <a:normAutofit/>
+          </a:bodyPr>
           <a:lstStyle/>
           <a:p>
             <a:r>
@@ -7076,15 +6636,7 @@
             </a:br>
             <a:r>
               <a:rPr lang="de-DE" dirty="0"/>
-              <a:t>Interaktionsmöglichkeiten: </a:t>
-            </a:r>
-            <a:r>
-              <a:rPr lang="de-DE" dirty="0" err="1"/>
-              <a:t>Leap</a:t>
-            </a:r>
-            <a:r>
-              <a:rPr lang="de-DE" dirty="0"/>
-              <a:t> Motion</a:t>
+              <a:t>Interaktionsmöglichkeiten: Arduino</a:t>
             </a:r>
           </a:p>
         </p:txBody>
@@ -7094,7 +6646,7 @@
           <p:cNvPr id="3" name="Inhaltsplatzhalter 2">
             <a:extLst>
               <a:ext uri="{FF2B5EF4-FFF2-40B4-BE49-F238E27FC236}">
-                <a16:creationId xmlns:a16="http://schemas.microsoft.com/office/drawing/2014/main" id="{5F705D2B-6E4A-4E57-881A-F3DF6B4FC741}"/>
+                <a16:creationId xmlns:a16="http://schemas.microsoft.com/office/drawing/2014/main" id="{67AB9390-D47E-4F64-B415-7E53C3A8D084}"/>
               </a:ext>
             </a:extLst>
           </p:cNvPr>
@@ -7110,67 +6662,20 @@
           <a:bodyPr/>
           <a:lstStyle/>
           <a:p>
-            <a:r>
-              <a:rPr lang="de-DE" dirty="0"/>
-              <a:t>Anforderungen – </a:t>
-            </a:r>
-            <a:r>
-              <a:rPr lang="de-DE" dirty="0" err="1"/>
-              <a:t>Leap</a:t>
-            </a:r>
-            <a:r>
-              <a:rPr lang="de-DE" dirty="0"/>
-              <a:t> Motion: Was es tun soll.</a:t>
-            </a:r>
-          </a:p>
-          <a:p>
-            <a:endParaRPr lang="de-DE" dirty="0"/>
-          </a:p>
-          <a:p>
-            <a:r>
-              <a:rPr lang="de-DE" dirty="0"/>
-              <a:t>Funktion um ausgestreckte Finger zu erkenn</a:t>
+            <a:pPr>
+              <a:buFont typeface="+mj-lt"/>
+              <a:buAutoNum type="arabicPeriod"/>
+            </a:pPr>
+            <a:r>
+              <a:rPr lang="de-DE" dirty="0"/>
+              <a:t>Werte einlesen und Seriell ausgeben</a:t>
             </a:r>
           </a:p>
           <a:p>
             <a:pPr lvl="1"/>
             <a:r>
-              <a:rPr lang="de-DE" dirty="0">
-                <a:sym typeface="Wingdings" panose="05000000000000000000" pitchFamily="2" charset="2"/>
-              </a:rPr>
-              <a:t> Kamerawechsel</a:t>
-            </a:r>
-          </a:p>
-          <a:p>
-            <a:pPr lvl="1"/>
-            <a:r>
-              <a:rPr lang="de-DE" dirty="0">
-                <a:sym typeface="Wingdings" panose="05000000000000000000" pitchFamily="2" charset="2"/>
-              </a:rPr>
-              <a:t>API</a:t>
-            </a:r>
-            <a:endParaRPr lang="de-DE" dirty="0"/>
-          </a:p>
-          <a:p>
-            <a:r>
-              <a:rPr lang="de-DE" dirty="0"/>
-              <a:t>Funktion um Regengeste zu erkennen</a:t>
-            </a:r>
-          </a:p>
-          <a:p>
-            <a:pPr lvl="1"/>
-            <a:r>
-              <a:rPr lang="de-DE" dirty="0">
-                <a:sym typeface="Wingdings" panose="05000000000000000000" pitchFamily="2" charset="2"/>
-              </a:rPr>
-              <a:t> De-/Aktivieren von Wetter und öffnen/schließen Dachfenster</a:t>
-            </a:r>
-          </a:p>
-          <a:p>
-            <a:pPr lvl="1"/>
-            <a:r>
-              <a:rPr lang="de-DE" dirty="0"/>
-              <a:t>Frameweises Abspeichern und vergleichen</a:t>
+              <a:rPr lang="de-DE" dirty="0"/>
+              <a:t>Systembild: Serielle Schnittstelle</a:t>
             </a:r>
           </a:p>
           <a:p>
@@ -7178,17 +6683,56 @@
             <a:endParaRPr lang="de-DE" dirty="0"/>
           </a:p>
           <a:p>
-            <a:r>
-              <a:rPr lang="de-DE" dirty="0"/>
-              <a:t>Beide geben „</a:t>
+            <a:pPr>
+              <a:buFont typeface="+mj-lt"/>
+              <a:buAutoNum type="arabicPeriod"/>
+            </a:pPr>
+            <a:r>
+              <a:rPr lang="de-DE" dirty="0"/>
+              <a:t>Seriell werte einlesen und </a:t>
             </a:r>
             <a:r>
               <a:rPr lang="de-DE" dirty="0" err="1"/>
-              <a:t>true</a:t>
-            </a:r>
-            <a:r>
-              <a:rPr lang="de-DE" dirty="0"/>
-              <a:t>“ zurück, wenn die Gesten gemacht werden</a:t>
+              <a:t>Servo</a:t>
+            </a:r>
+            <a:r>
+              <a:rPr lang="de-DE" dirty="0"/>
+              <a:t> bewegen</a:t>
+            </a:r>
+          </a:p>
+          <a:p>
+            <a:pPr lvl="1"/>
+            <a:r>
+              <a:rPr lang="de-DE" dirty="0"/>
+              <a:t>Systembild: Serielle Schnittstelle</a:t>
+            </a:r>
+          </a:p>
+          <a:p>
+            <a:pPr lvl="1"/>
+            <a:endParaRPr lang="de-DE" dirty="0"/>
+          </a:p>
+          <a:p>
+            <a:pPr>
+              <a:buFont typeface="+mj-lt"/>
+              <a:buAutoNum type="arabicPeriod"/>
+            </a:pPr>
+            <a:r>
+              <a:rPr lang="de-DE" dirty="0"/>
+              <a:t>Auswertung der Kellertür (Ultraschallsensor)</a:t>
+            </a:r>
+          </a:p>
+          <a:p>
+            <a:pPr lvl="1"/>
+            <a:r>
+              <a:rPr lang="de-DE" dirty="0"/>
+              <a:t>Falls Kellertür offen ist, wird ein Alarm mit Ton und LED-Blinken ausgelöst</a:t>
+            </a:r>
+          </a:p>
+          <a:p>
+            <a:pPr lvl="2"/>
+            <a:r>
+              <a:rPr lang="de-DE" dirty="0"/>
+              <a:t>Wird auch über die serielle Schnittstelle mitgeteilt</a:t>
             </a:r>
           </a:p>
           <a:p>
@@ -7199,7 +6743,7 @@
     </p:spTree>
     <p:extLst>
       <p:ext uri="{BB962C8B-B14F-4D97-AF65-F5344CB8AC3E}">
-        <p14:creationId xmlns:p14="http://schemas.microsoft.com/office/powerpoint/2010/main" val="426068748"/>
+        <p14:creationId xmlns:p14="http://schemas.microsoft.com/office/powerpoint/2010/main" val="1002253726"/>
       </p:ext>
     </p:extLst>
   </p:cSld>
@@ -7231,7 +6775,7 @@
           <p:cNvPr id="2" name="Titel 1">
             <a:extLst>
               <a:ext uri="{FF2B5EF4-FFF2-40B4-BE49-F238E27FC236}">
-                <a16:creationId xmlns:a16="http://schemas.microsoft.com/office/drawing/2014/main" id="{943F238A-4A0E-4A96-8AB8-EB98ADB5515D}"/>
+                <a16:creationId xmlns:a16="http://schemas.microsoft.com/office/drawing/2014/main" id="{254D5AC3-9F6E-41F9-9AB5-E407798DF673}"/>
               </a:ext>
             </a:extLst>
           </p:cNvPr>
@@ -7244,6 +6788,49 @@
         </p:nvSpPr>
         <p:spPr/>
         <p:txBody>
+          <a:bodyPr/>
+          <a:lstStyle/>
+          <a:p>
+            <a:r>
+              <a:rPr lang="de-DE" dirty="0"/>
+              <a:t>Umsetzung</a:t>
+            </a:r>
+            <a:br>
+              <a:rPr lang="de-DE" dirty="0"/>
+            </a:br>
+            <a:r>
+              <a:rPr lang="de-DE" dirty="0"/>
+              <a:t>Interaktionsmöglichkeiten: </a:t>
+            </a:r>
+            <a:r>
+              <a:rPr lang="de-DE" dirty="0" err="1"/>
+              <a:t>Leap</a:t>
+            </a:r>
+            <a:r>
+              <a:rPr lang="de-DE" dirty="0"/>
+              <a:t> Motion</a:t>
+            </a:r>
+          </a:p>
+        </p:txBody>
+      </p:sp>
+      <p:sp>
+        <p:nvSpPr>
+          <p:cNvPr id="3" name="Inhaltsplatzhalter 2">
+            <a:extLst>
+              <a:ext uri="{FF2B5EF4-FFF2-40B4-BE49-F238E27FC236}">
+                <a16:creationId xmlns:a16="http://schemas.microsoft.com/office/drawing/2014/main" id="{5F705D2B-6E4A-4E57-881A-F3DF6B4FC741}"/>
+              </a:ext>
+            </a:extLst>
+          </p:cNvPr>
+          <p:cNvSpPr>
+            <a:spLocks noGrp="1"/>
+          </p:cNvSpPr>
+          <p:nvPr>
+            <p:ph idx="1"/>
+          </p:nvPr>
+        </p:nvSpPr>
+        <p:spPr/>
+        <p:txBody>
           <a:bodyPr>
             <a:normAutofit/>
           </a:bodyPr>
@@ -7251,69 +6838,51 @@
           <a:p>
             <a:r>
               <a:rPr lang="de-DE" dirty="0"/>
-              <a:t>Umsetzung</a:t>
-            </a:r>
-            <a:br>
-              <a:rPr lang="de-DE" dirty="0"/>
-            </a:br>
-            <a:r>
-              <a:rPr lang="de-DE" dirty="0"/>
-              <a:t>3D </a:t>
-            </a:r>
-            <a:r>
-              <a:rPr lang="de-DE" sz="4000" dirty="0"/>
-              <a:t>Haus</a:t>
-            </a:r>
-            <a:r>
-              <a:rPr lang="de-DE" dirty="0"/>
-              <a:t> in Cinema4D erstellt</a:t>
-            </a:r>
-          </a:p>
-        </p:txBody>
-      </p:sp>
-      <p:sp>
-        <p:nvSpPr>
-          <p:cNvPr id="3" name="Inhaltsplatzhalter 2">
-            <a:extLst>
-              <a:ext uri="{FF2B5EF4-FFF2-40B4-BE49-F238E27FC236}">
-                <a16:creationId xmlns:a16="http://schemas.microsoft.com/office/drawing/2014/main" id="{A23C6B82-F30D-404E-A1E8-920454461046}"/>
-              </a:ext>
-            </a:extLst>
-          </p:cNvPr>
-          <p:cNvSpPr>
-            <a:spLocks noGrp="1"/>
-          </p:cNvSpPr>
-          <p:nvPr>
-            <p:ph idx="1"/>
-          </p:nvPr>
-        </p:nvSpPr>
-        <p:spPr/>
-        <p:txBody>
-          <a:bodyPr/>
-          <a:lstStyle/>
-          <a:p>
-            <a:r>
-              <a:rPr lang="de-DE" dirty="0"/>
-              <a:t>2x4 und 2x2 Blöcke erstellt</a:t>
+              <a:t>Funktion um ausgestreckte Finger zu erkenn</a:t>
             </a:r>
           </a:p>
           <a:p>
             <a:pPr lvl="1"/>
             <a:r>
-              <a:rPr lang="de-DE" dirty="0"/>
-              <a:t>Daraus das Haus nachgebaut</a:t>
-            </a:r>
-          </a:p>
-          <a:p>
-            <a:r>
-              <a:rPr lang="de-DE" dirty="0"/>
-              <a:t>Alle Anderen Bausteine auch nachgebaut und eigesetzt</a:t>
-            </a:r>
-          </a:p>
-          <a:p>
-            <a:r>
-              <a:rPr lang="de-DE" dirty="0"/>
-              <a:t>Texturieren</a:t>
+              <a:rPr lang="de-DE" dirty="0">
+                <a:sym typeface="Wingdings" panose="05000000000000000000" pitchFamily="2" charset="2"/>
+              </a:rPr>
+              <a:t> Kamerawechsel</a:t>
+            </a:r>
+          </a:p>
+          <a:p>
+            <a:pPr lvl="1"/>
+            <a:r>
+              <a:rPr lang="de-DE" dirty="0">
+                <a:sym typeface="Wingdings" panose="05000000000000000000" pitchFamily="2" charset="2"/>
+              </a:rPr>
+              <a:t>API</a:t>
+            </a:r>
+          </a:p>
+          <a:p>
+            <a:pPr lvl="1"/>
+            <a:endParaRPr lang="de-DE" dirty="0"/>
+          </a:p>
+          <a:p>
+            <a:r>
+              <a:rPr lang="de-DE" dirty="0"/>
+              <a:t>Funktion um Regengeste zu erkennen</a:t>
+            </a:r>
+          </a:p>
+          <a:p>
+            <a:pPr lvl="1"/>
+            <a:r>
+              <a:rPr lang="de-DE" dirty="0">
+                <a:sym typeface="Wingdings" panose="05000000000000000000" pitchFamily="2" charset="2"/>
+              </a:rPr>
+              <a:t> De-/Aktivieren von Wetter und öffnen/schließen Dachfenster</a:t>
+            </a:r>
+          </a:p>
+          <a:p>
+            <a:pPr lvl="1"/>
+            <a:r>
+              <a:rPr lang="de-DE" dirty="0"/>
+              <a:t>Frameweises Abspeichern und vergleichen der Fingerpositionen</a:t>
             </a:r>
           </a:p>
         </p:txBody>
@@ -7321,7 +6890,7 @@
     </p:spTree>
     <p:extLst>
       <p:ext uri="{BB962C8B-B14F-4D97-AF65-F5344CB8AC3E}">
-        <p14:creationId xmlns:p14="http://schemas.microsoft.com/office/powerpoint/2010/main" val="2135014794"/>
+        <p14:creationId xmlns:p14="http://schemas.microsoft.com/office/powerpoint/2010/main" val="426068748"/>
       </p:ext>
     </p:extLst>
   </p:cSld>
@@ -7353,7 +6922,7 @@
           <p:cNvPr id="2" name="Titel 1">
             <a:extLst>
               <a:ext uri="{FF2B5EF4-FFF2-40B4-BE49-F238E27FC236}">
-                <a16:creationId xmlns:a16="http://schemas.microsoft.com/office/drawing/2014/main" id="{2FB7E98D-DA34-4FCB-B0AB-32438FCB2E25}"/>
+                <a16:creationId xmlns:a16="http://schemas.microsoft.com/office/drawing/2014/main" id="{943F238A-4A0E-4A96-8AB8-EB98ADB5515D}"/>
               </a:ext>
             </a:extLst>
           </p:cNvPr>
@@ -7367,7 +6936,7 @@
         <p:spPr/>
         <p:txBody>
           <a:bodyPr>
-            <a:noAutofit/>
+            <a:normAutofit/>
           </a:bodyPr>
           <a:lstStyle/>
           <a:p>
@@ -7380,7 +6949,15 @@
             </a:br>
             <a:r>
               <a:rPr lang="de-DE" dirty="0"/>
-              <a:t>3D Haus in Unity eingefügt</a:t>
+              <a:t>3D </a:t>
+            </a:r>
+            <a:r>
+              <a:rPr lang="de-DE" sz="4000" dirty="0"/>
+              <a:t>Haus</a:t>
+            </a:r>
+            <a:r>
+              <a:rPr lang="de-DE" dirty="0"/>
+              <a:t> in Cinema4D erstellt</a:t>
             </a:r>
           </a:p>
         </p:txBody>
@@ -7390,7 +6967,7 @@
           <p:cNvPr id="3" name="Inhaltsplatzhalter 2">
             <a:extLst>
               <a:ext uri="{FF2B5EF4-FFF2-40B4-BE49-F238E27FC236}">
-                <a16:creationId xmlns:a16="http://schemas.microsoft.com/office/drawing/2014/main" id="{D96E08AB-7329-4C5D-9E92-CA963E5BEDC8}"/>
+                <a16:creationId xmlns:a16="http://schemas.microsoft.com/office/drawing/2014/main" id="{A23C6B82-F30D-404E-A1E8-920454461046}"/>
               </a:ext>
             </a:extLst>
           </p:cNvPr>
@@ -7408,78 +6985,40 @@
           <a:p>
             <a:r>
               <a:rPr lang="de-DE" dirty="0"/>
-              <a:t>Import vom Haus im FBX-Dateiformat</a:t>
-            </a:r>
-          </a:p>
-          <a:p>
-            <a:r>
-              <a:rPr lang="de-DE" dirty="0"/>
-              <a:t>Auswirkungen auf das Haus</a:t>
+              <a:t>2x4 und 2x2 Blöcke erstellt</a:t>
             </a:r>
           </a:p>
           <a:p>
             <a:pPr lvl="1"/>
             <a:r>
               <a:rPr lang="de-DE" dirty="0"/>
-              <a:t>Verändern des Wetters</a:t>
-            </a:r>
-          </a:p>
-          <a:p>
-            <a:pPr lvl="2"/>
-            <a:r>
-              <a:rPr lang="de-DE" dirty="0" err="1"/>
-              <a:t>Particle</a:t>
-            </a:r>
-            <a:r>
-              <a:rPr lang="de-DE" dirty="0"/>
-              <a:t>-System</a:t>
-            </a:r>
-          </a:p>
-          <a:p>
-            <a:pPr lvl="2"/>
-            <a:r>
-              <a:rPr lang="de-DE" dirty="0"/>
-              <a:t>Photoshop: Grafiken für Wolken, Nebel und Regentropfen</a:t>
-            </a:r>
-          </a:p>
-          <a:p>
-            <a:pPr lvl="1"/>
-            <a:r>
-              <a:rPr lang="de-DE" dirty="0"/>
-              <a:t>Fallender Magnet aus dem Schornstein</a:t>
-            </a:r>
-          </a:p>
-          <a:p>
-            <a:pPr lvl="1"/>
-            <a:r>
-              <a:rPr lang="de-DE" dirty="0"/>
-              <a:t>Veränderndes Licht / Ton</a:t>
-            </a:r>
-          </a:p>
-          <a:p>
-            <a:pPr lvl="1"/>
-            <a:r>
-              <a:rPr lang="de-DE" dirty="0"/>
-              <a:t>Öffnen von Türen</a:t>
-            </a:r>
-          </a:p>
-          <a:p>
-            <a:pPr lvl="1"/>
-            <a:r>
-              <a:rPr lang="de-DE" dirty="0"/>
-              <a:t>Reagieren auf veränderte Lage im Raum</a:t>
-            </a:r>
-          </a:p>
-          <a:p>
-            <a:pPr lvl="1"/>
-            <a:endParaRPr lang="de-DE" dirty="0"/>
+              <a:t>Daraus das Haus nachgebaut</a:t>
+            </a:r>
+          </a:p>
+          <a:p>
+            <a:r>
+              <a:rPr lang="de-DE" dirty="0"/>
+              <a:t>Alle Anderen Bausteine auch nachgebaut und eigesetzt</a:t>
+            </a:r>
+          </a:p>
+          <a:p>
+            <a:r>
+              <a:rPr lang="de-DE" dirty="0"/>
+              <a:t>Texturieren</a:t>
+            </a:r>
+          </a:p>
+          <a:p>
+            <a:r>
+              <a:rPr lang="de-DE" dirty="0"/>
+              <a:t>Exportieren</a:t>
+            </a:r>
           </a:p>
         </p:txBody>
       </p:sp>
     </p:spTree>
     <p:extLst>
       <p:ext uri="{BB962C8B-B14F-4D97-AF65-F5344CB8AC3E}">
-        <p14:creationId xmlns:p14="http://schemas.microsoft.com/office/powerpoint/2010/main" val="3794529219"/>
+        <p14:creationId xmlns:p14="http://schemas.microsoft.com/office/powerpoint/2010/main" val="2135014794"/>
       </p:ext>
     </p:extLst>
   </p:cSld>
@@ -7511,7 +7050,7 @@
           <p:cNvPr id="2" name="Titel 1">
             <a:extLst>
               <a:ext uri="{FF2B5EF4-FFF2-40B4-BE49-F238E27FC236}">
-                <a16:creationId xmlns:a16="http://schemas.microsoft.com/office/drawing/2014/main" id="{53144B2F-0948-41F3-B1CC-5FD9C6216023}"/>
+                <a16:creationId xmlns:a16="http://schemas.microsoft.com/office/drawing/2014/main" id="{2FB7E98D-DA34-4FCB-B0AB-32438FCB2E25}"/>
               </a:ext>
             </a:extLst>
           </p:cNvPr>
@@ -7525,7 +7064,7 @@
         <p:spPr/>
         <p:txBody>
           <a:bodyPr>
-            <a:normAutofit fontScale="90000"/>
+            <a:noAutofit/>
           </a:bodyPr>
           <a:lstStyle/>
           <a:p>
@@ -7538,15 +7077,7 @@
             </a:br>
             <a:r>
               <a:rPr lang="de-DE" dirty="0"/>
-              <a:t>Interaktionen zwischen </a:t>
-            </a:r>
-            <a:r>
-              <a:rPr lang="de-DE" dirty="0" err="1"/>
-              <a:t>Leap</a:t>
-            </a:r>
-            <a:r>
-              <a:rPr lang="de-DE" dirty="0"/>
-              <a:t> Motion, Unity und Arduino eingerichtet</a:t>
+              <a:t>3D Haus in Unity eingefügt</a:t>
             </a:r>
           </a:p>
         </p:txBody>
@@ -7556,7 +7087,7 @@
           <p:cNvPr id="3" name="Inhaltsplatzhalter 2">
             <a:extLst>
               <a:ext uri="{FF2B5EF4-FFF2-40B4-BE49-F238E27FC236}">
-                <a16:creationId xmlns:a16="http://schemas.microsoft.com/office/drawing/2014/main" id="{14B5D6A3-5DED-4DA6-8996-F106D638FAC0}"/>
+                <a16:creationId xmlns:a16="http://schemas.microsoft.com/office/drawing/2014/main" id="{D96E08AB-7329-4C5D-9E92-CA963E5BEDC8}"/>
               </a:ext>
             </a:extLst>
           </p:cNvPr>
@@ -7574,37 +7105,78 @@
           <a:p>
             <a:r>
               <a:rPr lang="de-DE" dirty="0"/>
-              <a:t>Die meisten Sachen lassen sich mit „</a:t>
-            </a:r>
+              <a:t>Import vom Haus im FBX-Dateiformat</a:t>
+            </a:r>
+          </a:p>
+          <a:p>
+            <a:r>
+              <a:rPr lang="de-DE" dirty="0"/>
+              <a:t>Auswirkungen auf das Haus</a:t>
+            </a:r>
+          </a:p>
+          <a:p>
+            <a:pPr lvl="1"/>
+            <a:r>
+              <a:rPr lang="de-DE" dirty="0"/>
+              <a:t>Verändern des Wetters</a:t>
+            </a:r>
+          </a:p>
+          <a:p>
+            <a:pPr lvl="2"/>
             <a:r>
               <a:rPr lang="de-DE" dirty="0" err="1"/>
-              <a:t>true</a:t>
-            </a:r>
-            <a:r>
-              <a:rPr lang="de-DE" dirty="0"/>
-              <a:t>“ und „</a:t>
-            </a:r>
-            <a:r>
-              <a:rPr lang="de-DE" dirty="0" err="1"/>
-              <a:t>false</a:t>
-            </a:r>
-            <a:r>
-              <a:rPr lang="de-DE" dirty="0"/>
-              <a:t>“ aktivieren und deaktivieren</a:t>
-            </a:r>
-          </a:p>
-          <a:p>
-            <a:r>
-              <a:rPr lang="de-DE" dirty="0"/>
-              <a:t>Alles logisch miteinander Verbunden</a:t>
-            </a:r>
+              <a:t>Particle</a:t>
+            </a:r>
+            <a:r>
+              <a:rPr lang="de-DE" dirty="0"/>
+              <a:t>-System</a:t>
+            </a:r>
+          </a:p>
+          <a:p>
+            <a:pPr lvl="2"/>
+            <a:r>
+              <a:rPr lang="de-DE" dirty="0"/>
+              <a:t>Photoshop: Grafiken für Wolken, Nebel und Regentropfen</a:t>
+            </a:r>
+          </a:p>
+          <a:p>
+            <a:pPr lvl="1"/>
+            <a:r>
+              <a:rPr lang="de-DE" dirty="0"/>
+              <a:t>Fallender Magnet aus dem Schornstein</a:t>
+            </a:r>
+          </a:p>
+          <a:p>
+            <a:pPr lvl="1"/>
+            <a:r>
+              <a:rPr lang="de-DE" dirty="0"/>
+              <a:t>Veränderndes Licht / Ton</a:t>
+            </a:r>
+          </a:p>
+          <a:p>
+            <a:pPr lvl="1"/>
+            <a:r>
+              <a:rPr lang="de-DE" dirty="0"/>
+              <a:t>Öffnen von Türen</a:t>
+            </a:r>
+          </a:p>
+          <a:p>
+            <a:pPr lvl="1"/>
+            <a:r>
+              <a:rPr lang="de-DE" dirty="0"/>
+              <a:t>Reagieren auf veränderte Lage im Raum</a:t>
+            </a:r>
+          </a:p>
+          <a:p>
+            <a:pPr lvl="1"/>
+            <a:endParaRPr lang="de-DE" dirty="0"/>
           </a:p>
         </p:txBody>
       </p:sp>
     </p:spTree>
     <p:extLst>
       <p:ext uri="{BB962C8B-B14F-4D97-AF65-F5344CB8AC3E}">
-        <p14:creationId xmlns:p14="http://schemas.microsoft.com/office/powerpoint/2010/main" val="1259031583"/>
+        <p14:creationId xmlns:p14="http://schemas.microsoft.com/office/powerpoint/2010/main" val="3794529219"/>
       </p:ext>
     </p:extLst>
   </p:cSld>
@@ -7636,7 +7208,7 @@
           <p:cNvPr id="2" name="Titel 1">
             <a:extLst>
               <a:ext uri="{FF2B5EF4-FFF2-40B4-BE49-F238E27FC236}">
-                <a16:creationId xmlns:a16="http://schemas.microsoft.com/office/drawing/2014/main" id="{2AFE4D76-4DD3-4272-BDCD-31D3E4129964}"/>
+                <a16:creationId xmlns:a16="http://schemas.microsoft.com/office/drawing/2014/main" id="{53144B2F-0948-41F3-B1CC-5FD9C6216023}"/>
               </a:ext>
             </a:extLst>
           </p:cNvPr>
@@ -7649,12 +7221,29 @@
         </p:nvSpPr>
         <p:spPr/>
         <p:txBody>
-          <a:bodyPr/>
-          <a:lstStyle/>
-          <a:p>
-            <a:r>
-              <a:rPr lang="de-DE" dirty="0"/>
-              <a:t>Praxisvorführung ??? Oder erst beim Rundlauf?</a:t>
+          <a:bodyPr>
+            <a:normAutofit fontScale="90000"/>
+          </a:bodyPr>
+          <a:lstStyle/>
+          <a:p>
+            <a:r>
+              <a:rPr lang="de-DE" dirty="0"/>
+              <a:t>Umsetzung</a:t>
+            </a:r>
+            <a:br>
+              <a:rPr lang="de-DE" dirty="0"/>
+            </a:br>
+            <a:r>
+              <a:rPr lang="de-DE" dirty="0"/>
+              <a:t>Interaktionen zwischen </a:t>
+            </a:r>
+            <a:r>
+              <a:rPr lang="de-DE" dirty="0" err="1"/>
+              <a:t>Leap</a:t>
+            </a:r>
+            <a:r>
+              <a:rPr lang="de-DE" dirty="0"/>
+              <a:t> Motion, Unity und Arduino eingerichtet</a:t>
             </a:r>
           </a:p>
         </p:txBody>
@@ -7664,7 +7253,7 @@
           <p:cNvPr id="3" name="Inhaltsplatzhalter 2">
             <a:extLst>
               <a:ext uri="{FF2B5EF4-FFF2-40B4-BE49-F238E27FC236}">
-                <a16:creationId xmlns:a16="http://schemas.microsoft.com/office/drawing/2014/main" id="{365DB64B-18CB-4F2D-932B-930D4A60B2C7}"/>
+                <a16:creationId xmlns:a16="http://schemas.microsoft.com/office/drawing/2014/main" id="{14B5D6A3-5DED-4DA6-8996-F106D638FAC0}"/>
               </a:ext>
             </a:extLst>
           </p:cNvPr>
@@ -7680,14 +7269,96 @@
           <a:bodyPr/>
           <a:lstStyle/>
           <a:p>
-            <a:endParaRPr lang="de-DE"/>
+            <a:r>
+              <a:rPr lang="de-DE" dirty="0" err="1"/>
+              <a:t>Leap</a:t>
+            </a:r>
+            <a:r>
+              <a:rPr lang="de-DE" dirty="0"/>
+              <a:t> Motion und Arduino kommunizieren mit/über Unity</a:t>
+            </a:r>
+          </a:p>
+          <a:p>
+            <a:pPr marL="800100" lvl="1" indent="-342900">
+              <a:buFont typeface="+mj-lt"/>
+              <a:buAutoNum type="arabicPeriod"/>
+            </a:pPr>
+            <a:r>
+              <a:rPr lang="de-DE" dirty="0" err="1"/>
+              <a:t>Leap</a:t>
+            </a:r>
+            <a:r>
+              <a:rPr lang="de-DE" dirty="0"/>
+              <a:t>/Arduino schicken ihre Werte zu Unity</a:t>
+            </a:r>
+          </a:p>
+          <a:p>
+            <a:pPr marL="800100" lvl="1" indent="-342900">
+              <a:buFont typeface="+mj-lt"/>
+              <a:buAutoNum type="arabicPeriod"/>
+            </a:pPr>
+            <a:r>
+              <a:rPr lang="de-DE" dirty="0"/>
+              <a:t>In Unity werden Gesten/Sensordaten verarbeitet</a:t>
+            </a:r>
+          </a:p>
+          <a:p>
+            <a:pPr marL="800100" lvl="1" indent="-342900">
+              <a:buFont typeface="+mj-lt"/>
+              <a:buAutoNum type="arabicPeriod"/>
+            </a:pPr>
+            <a:r>
+              <a:rPr lang="de-DE" dirty="0"/>
+              <a:t>Ursache und Wirkung werden logisch miteinander verbunden</a:t>
+            </a:r>
+          </a:p>
+          <a:p>
+            <a:pPr lvl="2" indent="-285750"/>
+            <a:r>
+              <a:rPr lang="de-DE" dirty="0"/>
+              <a:t>Beispiel:</a:t>
+            </a:r>
+          </a:p>
+          <a:p>
+            <a:pPr lvl="3" indent="-285750"/>
+            <a:r>
+              <a:rPr lang="de-DE" dirty="0"/>
+              <a:t>Regengeste </a:t>
+            </a:r>
+            <a:r>
+              <a:rPr lang="de-DE" dirty="0" err="1"/>
+              <a:t>Leap</a:t>
+            </a:r>
+            <a:r>
+              <a:rPr lang="de-DE" dirty="0"/>
+              <a:t> Motion</a:t>
+            </a:r>
+          </a:p>
+          <a:p>
+            <a:pPr lvl="3" indent="-285750"/>
+            <a:r>
+              <a:rPr lang="de-DE" dirty="0">
+                <a:sym typeface="Wingdings" panose="05000000000000000000" pitchFamily="2" charset="2"/>
+              </a:rPr>
+              <a:t>In Unity erkannt</a:t>
+            </a:r>
+          </a:p>
+          <a:p>
+            <a:pPr lvl="3" indent="-285750"/>
+            <a:r>
+              <a:rPr lang="de-DE" dirty="0">
+                <a:sym typeface="Wingdings" panose="05000000000000000000" pitchFamily="2" charset="2"/>
+              </a:rPr>
+              <a:t>In Unity fängt es an zu regnen und am Modell schließt sich das Dachfenster </a:t>
+            </a:r>
+            <a:endParaRPr lang="de-DE" dirty="0"/>
           </a:p>
         </p:txBody>
       </p:sp>
     </p:spTree>
     <p:extLst>
       <p:ext uri="{BB962C8B-B14F-4D97-AF65-F5344CB8AC3E}">
-        <p14:creationId xmlns:p14="http://schemas.microsoft.com/office/powerpoint/2010/main" val="2356678492"/>
+        <p14:creationId xmlns:p14="http://schemas.microsoft.com/office/powerpoint/2010/main" val="1259031583"/>
       </p:ext>
     </p:extLst>
   </p:cSld>
@@ -7719,7 +7390,7 @@
           <p:cNvPr id="2" name="Titel 1">
             <a:extLst>
               <a:ext uri="{FF2B5EF4-FFF2-40B4-BE49-F238E27FC236}">
-                <a16:creationId xmlns:a16="http://schemas.microsoft.com/office/drawing/2014/main" id="{94B370DC-0DBD-460C-A9A5-7F90F29FCBA1}"/>
+                <a16:creationId xmlns:a16="http://schemas.microsoft.com/office/drawing/2014/main" id="{2AFE4D76-4DD3-4272-BDCD-31D3E4129964}"/>
               </a:ext>
             </a:extLst>
           </p:cNvPr>
@@ -7737,7 +7408,7 @@
           <a:p>
             <a:r>
               <a:rPr lang="de-DE" dirty="0"/>
-              <a:t>Danke für eure Aufmerksamkeit</a:t>
+              <a:t>Praxisvorführung ??? Oder erst beim Rundlauf?</a:t>
             </a:r>
           </a:p>
         </p:txBody>
@@ -7747,7 +7418,7 @@
           <p:cNvPr id="3" name="Inhaltsplatzhalter 2">
             <a:extLst>
               <a:ext uri="{FF2B5EF4-FFF2-40B4-BE49-F238E27FC236}">
-                <a16:creationId xmlns:a16="http://schemas.microsoft.com/office/drawing/2014/main" id="{F3FF5607-2F68-4952-A817-60231D1E70C0}"/>
+                <a16:creationId xmlns:a16="http://schemas.microsoft.com/office/drawing/2014/main" id="{365DB64B-18CB-4F2D-932B-930D4A60B2C7}"/>
               </a:ext>
             </a:extLst>
           </p:cNvPr>
@@ -7763,14 +7434,23 @@
           <a:bodyPr/>
           <a:lstStyle/>
           <a:p>
-            <a:endParaRPr lang="de-DE"/>
+            <a:r>
+              <a:rPr lang="de-DE" dirty="0"/>
+              <a:t>Falls genug Zeit noch ist: während der Präsi</a:t>
+            </a:r>
+          </a:p>
+          <a:p>
+            <a:r>
+              <a:rPr lang="de-DE" dirty="0"/>
+              <a:t>Falls nicht: Im Rundlauf </a:t>
+            </a:r>
           </a:p>
         </p:txBody>
       </p:sp>
     </p:spTree>
     <p:extLst>
       <p:ext uri="{BB962C8B-B14F-4D97-AF65-F5344CB8AC3E}">
-        <p14:creationId xmlns:p14="http://schemas.microsoft.com/office/powerpoint/2010/main" val="3540254874"/>
+        <p14:creationId xmlns:p14="http://schemas.microsoft.com/office/powerpoint/2010/main" val="2356678492"/>
       </p:ext>
     </p:extLst>
   </p:cSld>
@@ -7802,7 +7482,7 @@
           <p:cNvPr id="2" name="Titel 1">
             <a:extLst>
               <a:ext uri="{FF2B5EF4-FFF2-40B4-BE49-F238E27FC236}">
-                <a16:creationId xmlns:a16="http://schemas.microsoft.com/office/drawing/2014/main" id="{05230602-F9F3-435F-931E-B19268151D0E}"/>
+                <a16:creationId xmlns:a16="http://schemas.microsoft.com/office/drawing/2014/main" id="{94B370DC-0DBD-460C-A9A5-7F90F29FCBA1}"/>
               </a:ext>
             </a:extLst>
           </p:cNvPr>
@@ -7818,7 +7498,10 @@
           <a:bodyPr/>
           <a:lstStyle/>
           <a:p>
-            <a:endParaRPr lang="de-DE"/>
+            <a:r>
+              <a:rPr lang="de-DE" dirty="0"/>
+              <a:t>Danke für eure Aufmerksamkeit</a:t>
+            </a:r>
           </a:p>
         </p:txBody>
       </p:sp>
@@ -7827,7 +7510,7 @@
           <p:cNvPr id="3" name="Inhaltsplatzhalter 2">
             <a:extLst>
               <a:ext uri="{FF2B5EF4-FFF2-40B4-BE49-F238E27FC236}">
-                <a16:creationId xmlns:a16="http://schemas.microsoft.com/office/drawing/2014/main" id="{D0172BEE-0B58-4F2D-9324-1B26BFE41ACA}"/>
+                <a16:creationId xmlns:a16="http://schemas.microsoft.com/office/drawing/2014/main" id="{F3FF5607-2F68-4952-A817-60231D1E70C0}"/>
               </a:ext>
             </a:extLst>
           </p:cNvPr>
@@ -7850,7 +7533,7 @@
     </p:spTree>
     <p:extLst>
       <p:ext uri="{BB962C8B-B14F-4D97-AF65-F5344CB8AC3E}">
-        <p14:creationId xmlns:p14="http://schemas.microsoft.com/office/powerpoint/2010/main" val="3903698768"/>
+        <p14:creationId xmlns:p14="http://schemas.microsoft.com/office/powerpoint/2010/main" val="3540254874"/>
       </p:ext>
     </p:extLst>
   </p:cSld>
@@ -7882,7 +7565,7 @@
           <p:cNvPr id="2" name="Titel 1">
             <a:extLst>
               <a:ext uri="{FF2B5EF4-FFF2-40B4-BE49-F238E27FC236}">
-                <a16:creationId xmlns:a16="http://schemas.microsoft.com/office/drawing/2014/main" id="{0C46D5FB-D6E8-4188-901C-B6DCA9CE668F}"/>
+                <a16:creationId xmlns:a16="http://schemas.microsoft.com/office/drawing/2014/main" id="{05230602-F9F3-435F-931E-B19268151D0E}"/>
               </a:ext>
             </a:extLst>
           </p:cNvPr>
@@ -7907,7 +7590,7 @@
           <p:cNvPr id="3" name="Inhaltsplatzhalter 2">
             <a:extLst>
               <a:ext uri="{FF2B5EF4-FFF2-40B4-BE49-F238E27FC236}">
-                <a16:creationId xmlns:a16="http://schemas.microsoft.com/office/drawing/2014/main" id="{C60EACC6-6300-4F35-8F64-BE62F1B1A92B}"/>
+                <a16:creationId xmlns:a16="http://schemas.microsoft.com/office/drawing/2014/main" id="{D0172BEE-0B58-4F2D-9324-1B26BFE41ACA}"/>
               </a:ext>
             </a:extLst>
           </p:cNvPr>
@@ -7930,7 +7613,7 @@
     </p:spTree>
     <p:extLst>
       <p:ext uri="{BB962C8B-B14F-4D97-AF65-F5344CB8AC3E}">
-        <p14:creationId xmlns:p14="http://schemas.microsoft.com/office/powerpoint/2010/main" val="3394684518"/>
+        <p14:creationId xmlns:p14="http://schemas.microsoft.com/office/powerpoint/2010/main" val="3903698768"/>
       </p:ext>
     </p:extLst>
   </p:cSld>
@@ -7959,10 +7642,35 @@
       </p:grpSpPr>
       <p:sp>
         <p:nvSpPr>
+          <p:cNvPr id="2" name="Titel 1">
+            <a:extLst>
+              <a:ext uri="{FF2B5EF4-FFF2-40B4-BE49-F238E27FC236}">
+                <a16:creationId xmlns:a16="http://schemas.microsoft.com/office/drawing/2014/main" id="{0C46D5FB-D6E8-4188-901C-B6DCA9CE668F}"/>
+              </a:ext>
+            </a:extLst>
+          </p:cNvPr>
+          <p:cNvSpPr>
+            <a:spLocks noGrp="1"/>
+          </p:cNvSpPr>
+          <p:nvPr>
+            <p:ph type="title"/>
+          </p:nvPr>
+        </p:nvSpPr>
+        <p:spPr/>
+        <p:txBody>
+          <a:bodyPr/>
+          <a:lstStyle/>
+          <a:p>
+            <a:endParaRPr lang="de-DE"/>
+          </a:p>
+        </p:txBody>
+      </p:sp>
+      <p:sp>
+        <p:nvSpPr>
           <p:cNvPr id="3" name="Inhaltsplatzhalter 2">
             <a:extLst>
               <a:ext uri="{FF2B5EF4-FFF2-40B4-BE49-F238E27FC236}">
-                <a16:creationId xmlns:a16="http://schemas.microsoft.com/office/drawing/2014/main" id="{BD53D746-EE28-419D-9D20-9EF4024B9F8B}"/>
+                <a16:creationId xmlns:a16="http://schemas.microsoft.com/office/drawing/2014/main" id="{C60EACC6-6300-4F35-8F64-BE62F1B1A92B}"/>
               </a:ext>
             </a:extLst>
           </p:cNvPr>
@@ -7973,236 +7681,19 @@
             <p:ph idx="1"/>
           </p:nvPr>
         </p:nvSpPr>
-        <p:spPr>
-          <a:xfrm>
-            <a:off x="677334" y="367005"/>
-            <a:ext cx="8596668" cy="5674358"/>
-          </a:xfrm>
-        </p:spPr>
-        <p:txBody>
-          <a:bodyPr>
-            <a:normAutofit fontScale="55000" lnSpcReduction="20000"/>
-          </a:bodyPr>
-          <a:lstStyle/>
-          <a:p>
-            <a:r>
-              <a:rPr lang="de-DE" dirty="0"/>
-              <a:t>TODO</a:t>
-            </a:r>
-          </a:p>
-          <a:p>
-            <a:r>
-              <a:rPr lang="de-DE" dirty="0"/>
-              <a:t>Tony</a:t>
-            </a:r>
-          </a:p>
-          <a:p>
-            <a:pPr lvl="1"/>
-            <a:r>
-              <a:rPr lang="de-DE" dirty="0" err="1"/>
-              <a:t>Leap</a:t>
-            </a:r>
-            <a:endParaRPr lang="de-DE" dirty="0"/>
-          </a:p>
-          <a:p>
-            <a:pPr lvl="2"/>
-            <a:r>
-              <a:rPr lang="de-DE" dirty="0"/>
-              <a:t>Start </a:t>
-            </a:r>
-            <a:r>
-              <a:rPr lang="de-DE" dirty="0" err="1"/>
-              <a:t>Stop</a:t>
-            </a:r>
-            <a:endParaRPr lang="de-DE" dirty="0"/>
-          </a:p>
-          <a:p>
-            <a:pPr lvl="2"/>
-            <a:r>
-              <a:rPr lang="de-DE" dirty="0"/>
-              <a:t>Kamera</a:t>
-            </a:r>
-          </a:p>
-          <a:p>
-            <a:pPr lvl="1"/>
-            <a:r>
-              <a:rPr lang="de-DE" dirty="0" err="1"/>
-              <a:t>Servo</a:t>
-            </a:r>
-            <a:r>
-              <a:rPr lang="de-DE" dirty="0"/>
-              <a:t> </a:t>
-            </a:r>
-            <a:r>
-              <a:rPr lang="de-DE" dirty="0" err="1"/>
-              <a:t>bool</a:t>
-            </a:r>
-            <a:r>
-              <a:rPr lang="de-DE" dirty="0"/>
-              <a:t> </a:t>
-            </a:r>
-            <a:r>
-              <a:rPr lang="de-DE" dirty="0" err="1"/>
-              <a:t>false</a:t>
-            </a:r>
-            <a:r>
-              <a:rPr lang="de-DE" dirty="0"/>
-              <a:t> Dachluke</a:t>
-            </a:r>
-          </a:p>
-          <a:p>
-            <a:pPr lvl="1"/>
-            <a:r>
-              <a:rPr lang="de-DE" dirty="0"/>
-              <a:t>Licht 15 Grenzwert </a:t>
-            </a:r>
-          </a:p>
-          <a:p>
-            <a:pPr lvl="1"/>
-            <a:r>
-              <a:rPr lang="de-DE" dirty="0"/>
-              <a:t>Alarm Ton</a:t>
-            </a:r>
-          </a:p>
-          <a:p>
-            <a:pPr lvl="1"/>
-            <a:r>
-              <a:rPr lang="de-DE" dirty="0"/>
-              <a:t>Klingel Ton</a:t>
-            </a:r>
-          </a:p>
-          <a:p>
-            <a:pPr lvl="1"/>
-            <a:r>
-              <a:rPr lang="de-DE" dirty="0" err="1"/>
-              <a:t>Leap</a:t>
-            </a:r>
-            <a:r>
-              <a:rPr lang="de-DE" dirty="0"/>
-              <a:t> Doku</a:t>
-            </a:r>
-          </a:p>
-          <a:p>
-            <a:r>
-              <a:rPr lang="de-DE" dirty="0"/>
-              <a:t>Rico</a:t>
-            </a:r>
-          </a:p>
-          <a:p>
-            <a:pPr lvl="1"/>
-            <a:r>
-              <a:rPr lang="de-DE" dirty="0"/>
-              <a:t>3D LED Blinken bei Alarm</a:t>
-            </a:r>
-          </a:p>
-          <a:p>
-            <a:pPr lvl="1"/>
-            <a:r>
-              <a:rPr lang="de-DE" dirty="0"/>
-              <a:t>Magnet fällt Animation + aktivieren</a:t>
-            </a:r>
-          </a:p>
-          <a:p>
-            <a:pPr lvl="1"/>
-            <a:r>
-              <a:rPr lang="de-DE" dirty="0"/>
-              <a:t>Haus bewegende Gegenstände</a:t>
-            </a:r>
-          </a:p>
-          <a:p>
-            <a:pPr lvl="1"/>
-            <a:r>
-              <a:rPr lang="de-DE" dirty="0" err="1"/>
-              <a:t>Duko</a:t>
-            </a:r>
-            <a:r>
-              <a:rPr lang="de-DE" dirty="0"/>
-              <a:t> deinen Teil</a:t>
-            </a:r>
-          </a:p>
-          <a:p>
-            <a:pPr lvl="1"/>
-            <a:r>
-              <a:rPr lang="de-DE" dirty="0"/>
-              <a:t>Wetter</a:t>
-            </a:r>
-          </a:p>
-          <a:p>
-            <a:r>
-              <a:rPr lang="de-DE" dirty="0"/>
-              <a:t>Johann</a:t>
-            </a:r>
-          </a:p>
-          <a:p>
-            <a:pPr lvl="1"/>
-            <a:r>
-              <a:rPr lang="de-DE" dirty="0" err="1"/>
-              <a:t>Gyro</a:t>
-            </a:r>
-            <a:endParaRPr lang="de-DE" dirty="0"/>
-          </a:p>
-          <a:p>
-            <a:pPr lvl="2"/>
-            <a:r>
-              <a:rPr lang="de-DE" dirty="0"/>
-              <a:t>Schwellwert oder </a:t>
-            </a:r>
-            <a:r>
-              <a:rPr lang="de-DE" dirty="0" err="1"/>
-              <a:t>Slerp</a:t>
-            </a:r>
-            <a:endParaRPr lang="de-DE" dirty="0"/>
-          </a:p>
-          <a:p>
-            <a:pPr lvl="2"/>
-            <a:r>
-              <a:rPr lang="de-DE" dirty="0"/>
-              <a:t>Bilderrahmen1 (x Rotationsachse!)</a:t>
-            </a:r>
-          </a:p>
-          <a:p>
-            <a:r>
-              <a:rPr lang="de-DE" dirty="0"/>
-              <a:t>Moritz</a:t>
-            </a:r>
-          </a:p>
-          <a:p>
-            <a:pPr lvl="1"/>
-            <a:r>
-              <a:rPr lang="de-DE" dirty="0"/>
-              <a:t>Präsi fertig Machen</a:t>
-            </a:r>
-          </a:p>
-          <a:p>
-            <a:pPr lvl="1"/>
-            <a:r>
-              <a:rPr lang="de-DE" dirty="0" err="1"/>
-              <a:t>Duko</a:t>
-            </a:r>
-            <a:r>
-              <a:rPr lang="de-DE" dirty="0"/>
-              <a:t> fertig formatieren und drüber lesen lassen</a:t>
-            </a:r>
-          </a:p>
-          <a:p>
-            <a:pPr lvl="1"/>
-            <a:endParaRPr lang="de-DE" dirty="0"/>
-          </a:p>
-          <a:p>
-            <a:endParaRPr lang="de-DE" dirty="0"/>
-          </a:p>
-          <a:p>
-            <a:endParaRPr lang="de-DE" dirty="0"/>
-          </a:p>
-          <a:p>
-            <a:endParaRPr lang="de-DE" dirty="0"/>
+        <p:spPr/>
+        <p:txBody>
+          <a:bodyPr/>
+          <a:lstStyle/>
+          <a:p>
+            <a:endParaRPr lang="de-DE"/>
           </a:p>
         </p:txBody>
       </p:sp>
     </p:spTree>
     <p:extLst>
       <p:ext uri="{BB962C8B-B14F-4D97-AF65-F5344CB8AC3E}">
-        <p14:creationId xmlns:p14="http://schemas.microsoft.com/office/powerpoint/2010/main" val="3655778737"/>
+        <p14:creationId xmlns:p14="http://schemas.microsoft.com/office/powerpoint/2010/main" val="3394684518"/>
       </p:ext>
     </p:extLst>
   </p:cSld>
@@ -8325,7 +7816,392 @@
 </p:sld>
 </file>
 
+<file path=ppt/slides/slide20.xml><?xml version="1.0" encoding="utf-8"?>
+<p:sld xmlns:a="http://schemas.openxmlformats.org/drawingml/2006/main" xmlns:r="http://schemas.openxmlformats.org/officeDocument/2006/relationships" xmlns:p="http://schemas.openxmlformats.org/presentationml/2006/main">
+  <p:cSld>
+    <p:spTree>
+      <p:nvGrpSpPr>
+        <p:cNvPr id="1" name=""/>
+        <p:cNvGrpSpPr/>
+        <p:nvPr/>
+      </p:nvGrpSpPr>
+      <p:grpSpPr>
+        <a:xfrm>
+          <a:off x="0" y="0"/>
+          <a:ext cx="0" cy="0"/>
+          <a:chOff x="0" y="0"/>
+          <a:chExt cx="0" cy="0"/>
+        </a:xfrm>
+      </p:grpSpPr>
+      <p:sp>
+        <p:nvSpPr>
+          <p:cNvPr id="3" name="Inhaltsplatzhalter 2">
+            <a:extLst>
+              <a:ext uri="{FF2B5EF4-FFF2-40B4-BE49-F238E27FC236}">
+                <a16:creationId xmlns:a16="http://schemas.microsoft.com/office/drawing/2014/main" id="{BD53D746-EE28-419D-9D20-9EF4024B9F8B}"/>
+              </a:ext>
+            </a:extLst>
+          </p:cNvPr>
+          <p:cNvSpPr>
+            <a:spLocks noGrp="1"/>
+          </p:cNvSpPr>
+          <p:nvPr>
+            <p:ph idx="1"/>
+          </p:nvPr>
+        </p:nvSpPr>
+        <p:spPr>
+          <a:xfrm>
+            <a:off x="677334" y="367005"/>
+            <a:ext cx="8596668" cy="5674358"/>
+          </a:xfrm>
+        </p:spPr>
+        <p:txBody>
+          <a:bodyPr>
+            <a:normAutofit fontScale="55000" lnSpcReduction="20000"/>
+          </a:bodyPr>
+          <a:lstStyle/>
+          <a:p>
+            <a:r>
+              <a:rPr lang="de-DE" dirty="0"/>
+              <a:t>TODO</a:t>
+            </a:r>
+          </a:p>
+          <a:p>
+            <a:r>
+              <a:rPr lang="de-DE" dirty="0"/>
+              <a:t>Tony</a:t>
+            </a:r>
+          </a:p>
+          <a:p>
+            <a:pPr lvl="1"/>
+            <a:r>
+              <a:rPr lang="de-DE" dirty="0" err="1"/>
+              <a:t>Leap</a:t>
+            </a:r>
+            <a:endParaRPr lang="de-DE" dirty="0"/>
+          </a:p>
+          <a:p>
+            <a:pPr lvl="2"/>
+            <a:r>
+              <a:rPr lang="de-DE" dirty="0"/>
+              <a:t>Start </a:t>
+            </a:r>
+            <a:r>
+              <a:rPr lang="de-DE" dirty="0" err="1"/>
+              <a:t>Stop</a:t>
+            </a:r>
+            <a:endParaRPr lang="de-DE" dirty="0"/>
+          </a:p>
+          <a:p>
+            <a:pPr lvl="2"/>
+            <a:r>
+              <a:rPr lang="de-DE" dirty="0"/>
+              <a:t>Kamera</a:t>
+            </a:r>
+          </a:p>
+          <a:p>
+            <a:pPr lvl="1"/>
+            <a:r>
+              <a:rPr lang="de-DE" dirty="0" err="1"/>
+              <a:t>Servo</a:t>
+            </a:r>
+            <a:r>
+              <a:rPr lang="de-DE" dirty="0"/>
+              <a:t> </a:t>
+            </a:r>
+            <a:r>
+              <a:rPr lang="de-DE" dirty="0" err="1"/>
+              <a:t>bool</a:t>
+            </a:r>
+            <a:r>
+              <a:rPr lang="de-DE" dirty="0"/>
+              <a:t> </a:t>
+            </a:r>
+            <a:r>
+              <a:rPr lang="de-DE" dirty="0" err="1"/>
+              <a:t>false</a:t>
+            </a:r>
+            <a:r>
+              <a:rPr lang="de-DE" dirty="0"/>
+              <a:t> Dachluke</a:t>
+            </a:r>
+          </a:p>
+          <a:p>
+            <a:pPr lvl="1"/>
+            <a:r>
+              <a:rPr lang="de-DE" dirty="0"/>
+              <a:t>Licht 15 Grenzwert </a:t>
+            </a:r>
+          </a:p>
+          <a:p>
+            <a:pPr lvl="1"/>
+            <a:r>
+              <a:rPr lang="de-DE" dirty="0"/>
+              <a:t>Alarm Ton</a:t>
+            </a:r>
+          </a:p>
+          <a:p>
+            <a:pPr lvl="1"/>
+            <a:r>
+              <a:rPr lang="de-DE" dirty="0"/>
+              <a:t>Klingel Ton</a:t>
+            </a:r>
+          </a:p>
+          <a:p>
+            <a:pPr lvl="1"/>
+            <a:r>
+              <a:rPr lang="de-DE" dirty="0" err="1"/>
+              <a:t>Leap</a:t>
+            </a:r>
+            <a:r>
+              <a:rPr lang="de-DE" dirty="0"/>
+              <a:t> Doku</a:t>
+            </a:r>
+          </a:p>
+          <a:p>
+            <a:r>
+              <a:rPr lang="de-DE" dirty="0"/>
+              <a:t>Rico</a:t>
+            </a:r>
+          </a:p>
+          <a:p>
+            <a:pPr lvl="1"/>
+            <a:r>
+              <a:rPr lang="de-DE" dirty="0"/>
+              <a:t>3D LED Blinken bei Alarm</a:t>
+            </a:r>
+          </a:p>
+          <a:p>
+            <a:pPr lvl="1"/>
+            <a:r>
+              <a:rPr lang="de-DE" dirty="0"/>
+              <a:t>Magnet fällt Animation + aktivieren</a:t>
+            </a:r>
+          </a:p>
+          <a:p>
+            <a:pPr lvl="1"/>
+            <a:r>
+              <a:rPr lang="de-DE" dirty="0"/>
+              <a:t>Haus bewegende Gegenstände</a:t>
+            </a:r>
+          </a:p>
+          <a:p>
+            <a:pPr lvl="1"/>
+            <a:r>
+              <a:rPr lang="de-DE" dirty="0" err="1"/>
+              <a:t>Duko</a:t>
+            </a:r>
+            <a:r>
+              <a:rPr lang="de-DE" dirty="0"/>
+              <a:t> deinen Teil</a:t>
+            </a:r>
+          </a:p>
+          <a:p>
+            <a:pPr lvl="1"/>
+            <a:r>
+              <a:rPr lang="de-DE" dirty="0"/>
+              <a:t>Wetter</a:t>
+            </a:r>
+          </a:p>
+          <a:p>
+            <a:r>
+              <a:rPr lang="de-DE" dirty="0"/>
+              <a:t>Johann</a:t>
+            </a:r>
+          </a:p>
+          <a:p>
+            <a:pPr lvl="1"/>
+            <a:r>
+              <a:rPr lang="de-DE" dirty="0" err="1"/>
+              <a:t>Gyro</a:t>
+            </a:r>
+            <a:endParaRPr lang="de-DE" dirty="0"/>
+          </a:p>
+          <a:p>
+            <a:pPr lvl="2"/>
+            <a:r>
+              <a:rPr lang="de-DE" dirty="0"/>
+              <a:t>Schwellwert oder </a:t>
+            </a:r>
+            <a:r>
+              <a:rPr lang="de-DE" dirty="0" err="1"/>
+              <a:t>Slerp</a:t>
+            </a:r>
+            <a:endParaRPr lang="de-DE" dirty="0"/>
+          </a:p>
+          <a:p>
+            <a:pPr lvl="2"/>
+            <a:r>
+              <a:rPr lang="de-DE" dirty="0"/>
+              <a:t>Bilderrahmen1 (x Rotationsachse!)</a:t>
+            </a:r>
+          </a:p>
+          <a:p>
+            <a:r>
+              <a:rPr lang="de-DE" dirty="0"/>
+              <a:t>Moritz</a:t>
+            </a:r>
+          </a:p>
+          <a:p>
+            <a:pPr lvl="1"/>
+            <a:r>
+              <a:rPr lang="de-DE" dirty="0"/>
+              <a:t>Präsi fertig Machen</a:t>
+            </a:r>
+          </a:p>
+          <a:p>
+            <a:pPr lvl="1"/>
+            <a:r>
+              <a:rPr lang="de-DE" dirty="0" err="1"/>
+              <a:t>Duko</a:t>
+            </a:r>
+            <a:r>
+              <a:rPr lang="de-DE" dirty="0"/>
+              <a:t> fertig formatieren und drüber lesen lassen</a:t>
+            </a:r>
+          </a:p>
+          <a:p>
+            <a:pPr lvl="1"/>
+            <a:endParaRPr lang="de-DE" dirty="0"/>
+          </a:p>
+          <a:p>
+            <a:endParaRPr lang="de-DE" dirty="0"/>
+          </a:p>
+          <a:p>
+            <a:endParaRPr lang="de-DE" dirty="0"/>
+          </a:p>
+          <a:p>
+            <a:endParaRPr lang="de-DE" dirty="0"/>
+          </a:p>
+        </p:txBody>
+      </p:sp>
+    </p:spTree>
+    <p:extLst>
+      <p:ext uri="{BB962C8B-B14F-4D97-AF65-F5344CB8AC3E}">
+        <p14:creationId xmlns:p14="http://schemas.microsoft.com/office/powerpoint/2010/main" val="3655778737"/>
+      </p:ext>
+    </p:extLst>
+  </p:cSld>
+  <p:clrMapOvr>
+    <a:masterClrMapping/>
+  </p:clrMapOvr>
+</p:sld>
+</file>
+
 <file path=ppt/slides/slide3.xml><?xml version="1.0" encoding="utf-8"?>
+<p:sld xmlns:a="http://schemas.openxmlformats.org/drawingml/2006/main" xmlns:r="http://schemas.openxmlformats.org/officeDocument/2006/relationships" xmlns:p="http://schemas.openxmlformats.org/presentationml/2006/main">
+  <p:cSld>
+    <p:spTree>
+      <p:nvGrpSpPr>
+        <p:cNvPr id="1" name=""/>
+        <p:cNvGrpSpPr/>
+        <p:nvPr/>
+      </p:nvGrpSpPr>
+      <p:grpSpPr>
+        <a:xfrm>
+          <a:off x="0" y="0"/>
+          <a:ext cx="0" cy="0"/>
+          <a:chOff x="0" y="0"/>
+          <a:chExt cx="0" cy="0"/>
+        </a:xfrm>
+      </p:grpSpPr>
+      <p:sp>
+        <p:nvSpPr>
+          <p:cNvPr id="2" name="Titel 1">
+            <a:extLst>
+              <a:ext uri="{FF2B5EF4-FFF2-40B4-BE49-F238E27FC236}">
+                <a16:creationId xmlns:a16="http://schemas.microsoft.com/office/drawing/2014/main" id="{538A6726-CFBF-466B-980A-C32FF0E5D560}"/>
+              </a:ext>
+            </a:extLst>
+          </p:cNvPr>
+          <p:cNvSpPr>
+            <a:spLocks noGrp="1"/>
+          </p:cNvSpPr>
+          <p:nvPr>
+            <p:ph type="title"/>
+          </p:nvPr>
+        </p:nvSpPr>
+        <p:spPr/>
+        <p:txBody>
+          <a:bodyPr/>
+          <a:lstStyle/>
+          <a:p>
+            <a:r>
+              <a:rPr lang="de-DE" dirty="0" err="1"/>
+              <a:t>Sytsembild</a:t>
+            </a:r>
+            <a:endParaRPr lang="de-DE" dirty="0"/>
+          </a:p>
+        </p:txBody>
+      </p:sp>
+      <p:sp>
+        <p:nvSpPr>
+          <p:cNvPr id="3" name="Inhaltsplatzhalter 2">
+            <a:extLst>
+              <a:ext uri="{FF2B5EF4-FFF2-40B4-BE49-F238E27FC236}">
+                <a16:creationId xmlns:a16="http://schemas.microsoft.com/office/drawing/2014/main" id="{9F868782-7CEE-4B44-9E6C-4D289855C632}"/>
+              </a:ext>
+            </a:extLst>
+          </p:cNvPr>
+          <p:cNvSpPr>
+            <a:spLocks noGrp="1"/>
+          </p:cNvSpPr>
+          <p:nvPr>
+            <p:ph idx="1"/>
+          </p:nvPr>
+        </p:nvSpPr>
+        <p:spPr/>
+        <p:txBody>
+          <a:bodyPr/>
+          <a:lstStyle/>
+          <a:p>
+            <a:r>
+              <a:rPr lang="de-DE" dirty="0" err="1"/>
+              <a:t>Systembidl</a:t>
+            </a:r>
+            <a:endParaRPr lang="de-DE" dirty="0"/>
+          </a:p>
+          <a:p>
+            <a:pPr lvl="1"/>
+            <a:r>
+              <a:rPr lang="de-DE" dirty="0"/>
+              <a:t>Designentscheidungen</a:t>
+            </a:r>
+          </a:p>
+          <a:p>
+            <a:pPr lvl="2"/>
+            <a:r>
+              <a:rPr lang="de-DE" dirty="0"/>
+              <a:t>Arduino</a:t>
+            </a:r>
+          </a:p>
+          <a:p>
+            <a:pPr lvl="2"/>
+            <a:r>
+              <a:rPr lang="de-DE" dirty="0" err="1"/>
+              <a:t>Leap</a:t>
+            </a:r>
+            <a:r>
+              <a:rPr lang="de-DE" dirty="0"/>
+              <a:t> Motion</a:t>
+            </a:r>
+          </a:p>
+        </p:txBody>
+      </p:sp>
+    </p:spTree>
+    <p:extLst>
+      <p:ext uri="{BB962C8B-B14F-4D97-AF65-F5344CB8AC3E}">
+        <p14:creationId xmlns:p14="http://schemas.microsoft.com/office/powerpoint/2010/main" val="767294038"/>
+      </p:ext>
+    </p:extLst>
+  </p:cSld>
+  <p:clrMapOvr>
+    <a:masterClrMapping/>
+  </p:clrMapOvr>
+</p:sld>
+</file>
+
+<file path=ppt/slides/slide4.xml><?xml version="1.0" encoding="utf-8"?>
 <p:sld xmlns:a="http://schemas.openxmlformats.org/drawingml/2006/main" xmlns:r="http://schemas.openxmlformats.org/officeDocument/2006/relationships" xmlns:p="http://schemas.openxmlformats.org/presentationml/2006/main">
   <p:cSld>
     <p:spTree>
@@ -8791,175 +8667,6 @@
 </p:sld>
 </file>
 
-<file path=ppt/slides/slide4.xml><?xml version="1.0" encoding="utf-8"?>
-<p:sld xmlns:a="http://schemas.openxmlformats.org/drawingml/2006/main" xmlns:r="http://schemas.openxmlformats.org/officeDocument/2006/relationships" xmlns:p="http://schemas.openxmlformats.org/presentationml/2006/main">
-  <p:cSld>
-    <p:spTree>
-      <p:nvGrpSpPr>
-        <p:cNvPr id="1" name=""/>
-        <p:cNvGrpSpPr/>
-        <p:nvPr/>
-      </p:nvGrpSpPr>
-      <p:grpSpPr>
-        <a:xfrm>
-          <a:off x="0" y="0"/>
-          <a:ext cx="0" cy="0"/>
-          <a:chOff x="0" y="0"/>
-          <a:chExt cx="0" cy="0"/>
-        </a:xfrm>
-      </p:grpSpPr>
-      <p:sp>
-        <p:nvSpPr>
-          <p:cNvPr id="2" name="Titel 1">
-            <a:extLst>
-              <a:ext uri="{FF2B5EF4-FFF2-40B4-BE49-F238E27FC236}">
-                <a16:creationId xmlns:a16="http://schemas.microsoft.com/office/drawing/2014/main" id="{F8B9FA9C-9DE0-40EF-8FDA-5E80FC0990A1}"/>
-              </a:ext>
-            </a:extLst>
-          </p:cNvPr>
-          <p:cNvSpPr>
-            <a:spLocks noGrp="1"/>
-          </p:cNvSpPr>
-          <p:nvPr>
-            <p:ph type="title"/>
-          </p:nvPr>
-        </p:nvSpPr>
-        <p:spPr/>
-        <p:txBody>
-          <a:bodyPr/>
-          <a:lstStyle/>
-          <a:p>
-            <a:r>
-              <a:rPr lang="de-DE" dirty="0"/>
-              <a:t>Systembild - Designentscheidung</a:t>
-            </a:r>
-          </a:p>
-        </p:txBody>
-      </p:sp>
-      <p:sp>
-        <p:nvSpPr>
-          <p:cNvPr id="3" name="Inhaltsplatzhalter 2">
-            <a:extLst>
-              <a:ext uri="{FF2B5EF4-FFF2-40B4-BE49-F238E27FC236}">
-                <a16:creationId xmlns:a16="http://schemas.microsoft.com/office/drawing/2014/main" id="{AA365DD7-D369-49FB-A072-DCC009497E56}"/>
-              </a:ext>
-            </a:extLst>
-          </p:cNvPr>
-          <p:cNvSpPr>
-            <a:spLocks noGrp="1"/>
-          </p:cNvSpPr>
-          <p:nvPr>
-            <p:ph idx="1"/>
-          </p:nvPr>
-        </p:nvSpPr>
-        <p:spPr/>
-        <p:txBody>
-          <a:bodyPr/>
-          <a:lstStyle/>
-          <a:p>
-            <a:r>
-              <a:rPr lang="de-DE" dirty="0"/>
-              <a:t>Baumaterial</a:t>
-            </a:r>
-          </a:p>
-          <a:p>
-            <a:pPr lvl="1"/>
-            <a:r>
-              <a:rPr lang="de-DE" dirty="0"/>
-              <a:t>Lego</a:t>
-            </a:r>
-          </a:p>
-          <a:p>
-            <a:pPr lvl="1"/>
-            <a:r>
-              <a:rPr lang="de-DE" dirty="0"/>
-              <a:t>Leicht </a:t>
-            </a:r>
-            <a:r>
-              <a:rPr lang="de-DE" dirty="0" err="1"/>
-              <a:t>verbaubar</a:t>
-            </a:r>
-            <a:r>
-              <a:rPr lang="de-DE" dirty="0"/>
-              <a:t> und Änderungen leicht umsetzbar</a:t>
-            </a:r>
-          </a:p>
-          <a:p>
-            <a:pPr lvl="1"/>
-            <a:r>
-              <a:rPr lang="de-DE" dirty="0"/>
-              <a:t>Anzahl der Dachsteine begrenzt </a:t>
-            </a:r>
-            <a:r>
-              <a:rPr lang="de-DE" dirty="0">
-                <a:sym typeface="Wingdings" panose="05000000000000000000" pitchFamily="2" charset="2"/>
-              </a:rPr>
-              <a:t> Flachdach</a:t>
-            </a:r>
-            <a:r>
-              <a:rPr lang="de-DE" dirty="0"/>
-              <a:t> </a:t>
-            </a:r>
-          </a:p>
-          <a:p>
-            <a:endParaRPr lang="de-DE" dirty="0"/>
-          </a:p>
-          <a:p>
-            <a:r>
-              <a:rPr lang="de-DE" dirty="0"/>
-              <a:t>Vielfältige Bedienung ermöglichen</a:t>
-            </a:r>
-          </a:p>
-          <a:p>
-            <a:pPr lvl="1"/>
-            <a:r>
-              <a:rPr lang="de-DE" dirty="0"/>
-              <a:t>Arduino</a:t>
-            </a:r>
-          </a:p>
-          <a:p>
-            <a:pPr lvl="2"/>
-            <a:r>
-              <a:rPr lang="de-DE" dirty="0"/>
-              <a:t>Vielfältig durch Sensoren</a:t>
-            </a:r>
-          </a:p>
-          <a:p>
-            <a:pPr lvl="1"/>
-            <a:r>
-              <a:rPr lang="de-DE" dirty="0" err="1"/>
-              <a:t>Leap</a:t>
-            </a:r>
-            <a:r>
-              <a:rPr lang="de-DE" dirty="0"/>
-              <a:t> Motion</a:t>
-            </a:r>
-          </a:p>
-          <a:p>
-            <a:pPr lvl="2"/>
-            <a:r>
-              <a:rPr lang="de-DE" dirty="0"/>
-              <a:t>Verschiedenste Handgesten ermöglichen</a:t>
-            </a:r>
-          </a:p>
-          <a:p>
-            <a:endParaRPr lang="de-DE" dirty="0"/>
-          </a:p>
-        </p:txBody>
-      </p:sp>
-    </p:spTree>
-    <p:extLst>
-      <p:ext uri="{BB962C8B-B14F-4D97-AF65-F5344CB8AC3E}">
-        <p14:creationId xmlns:p14="http://schemas.microsoft.com/office/powerpoint/2010/main" val="3801640197"/>
-      </p:ext>
-    </p:extLst>
-  </p:cSld>
-  <p:clrMapOvr>
-    <a:masterClrMapping/>
-  </p:clrMapOvr>
-</p:sld>
-</file>
-
 <file path=ppt/slides/slide5.xml><?xml version="1.0" encoding="utf-8"?>
 <p:sld xmlns:a="http://schemas.openxmlformats.org/drawingml/2006/main" xmlns:r="http://schemas.openxmlformats.org/officeDocument/2006/relationships" xmlns:p="http://schemas.openxmlformats.org/presentationml/2006/main">
   <p:cSld>
@@ -9000,14 +8707,7 @@
           <a:p>
             <a:r>
               <a:rPr lang="de-DE" dirty="0"/>
-              <a:t>Systembild – Designentscheidung</a:t>
-            </a:r>
-            <a:br>
-              <a:rPr lang="de-DE" dirty="0"/>
-            </a:br>
-            <a:r>
-              <a:rPr lang="de-DE" dirty="0"/>
-              <a:t>- Arduino</a:t>
+              <a:t>Systembild - Designentscheidung</a:t>
             </a:r>
           </a:p>
         </p:txBody>
@@ -9035,120 +8735,88 @@
           <a:p>
             <a:r>
               <a:rPr lang="de-DE" dirty="0"/>
-              <a:t>Sensoren</a:t>
+              <a:t>Baumaterial</a:t>
             </a:r>
           </a:p>
           <a:p>
             <a:pPr lvl="1"/>
             <a:r>
               <a:rPr lang="de-DE" dirty="0"/>
-              <a:t>Potenziometer		</a:t>
+              <a:t>Lego</a:t>
+            </a:r>
+          </a:p>
+          <a:p>
+            <a:pPr lvl="1"/>
+            <a:r>
+              <a:rPr lang="de-DE" dirty="0"/>
+              <a:t>Leicht </a:t>
+            </a:r>
+            <a:r>
+              <a:rPr lang="de-DE" dirty="0" err="1"/>
+              <a:t>verbaubar</a:t>
+            </a:r>
+            <a:r>
+              <a:rPr lang="de-DE" dirty="0"/>
+              <a:t> und Änderungen leicht umsetzbar</a:t>
+            </a:r>
+          </a:p>
+          <a:p>
+            <a:pPr lvl="1"/>
+            <a:r>
+              <a:rPr lang="de-DE" dirty="0"/>
+              <a:t>Anzahl der Dachsteine begrenzt </a:t>
             </a:r>
             <a:r>
               <a:rPr lang="de-DE" dirty="0">
                 <a:sym typeface="Wingdings" panose="05000000000000000000" pitchFamily="2" charset="2"/>
               </a:rPr>
-              <a:t>	Tor</a:t>
-            </a:r>
+              <a:t> Flachdach</a:t>
+            </a:r>
+            <a:r>
+              <a:rPr lang="de-DE" dirty="0"/>
+              <a:t> </a:t>
+            </a:r>
+          </a:p>
+          <a:p>
             <a:endParaRPr lang="de-DE" dirty="0"/>
           </a:p>
           <a:p>
+            <a:r>
+              <a:rPr lang="de-DE" dirty="0"/>
+              <a:t>Vielfältige Bedienung ermöglichen</a:t>
+            </a:r>
+          </a:p>
+          <a:p>
             <a:pPr lvl="1"/>
             <a:r>
               <a:rPr lang="de-DE" dirty="0"/>
-              <a:t>Drucksensor		</a:t>
-            </a:r>
-            <a:r>
-              <a:rPr lang="de-DE" dirty="0">
-                <a:sym typeface="Wingdings" panose="05000000000000000000" pitchFamily="2" charset="2"/>
-              </a:rPr>
-              <a:t>	Klingel</a:t>
-            </a:r>
-            <a:endParaRPr lang="de-DE" dirty="0"/>
+              <a:t>Arduino</a:t>
+            </a:r>
+          </a:p>
+          <a:p>
+            <a:pPr lvl="2"/>
+            <a:r>
+              <a:rPr lang="de-DE" dirty="0"/>
+              <a:t>Vielfältig durch Sensoren</a:t>
+            </a:r>
           </a:p>
           <a:p>
             <a:pPr lvl="1"/>
             <a:r>
-              <a:rPr lang="de-DE" dirty="0"/>
-              <a:t>Lichtsensor			</a:t>
-            </a:r>
-            <a:r>
-              <a:rPr lang="de-DE" dirty="0">
-                <a:sym typeface="Wingdings" panose="05000000000000000000" pitchFamily="2" charset="2"/>
-              </a:rPr>
-              <a:t>	Helligkeit im Innenraum</a:t>
-            </a:r>
-          </a:p>
-          <a:p>
-            <a:pPr lvl="1"/>
-            <a:r>
-              <a:rPr lang="de-DE" dirty="0">
-                <a:sym typeface="Wingdings" panose="05000000000000000000" pitchFamily="2" charset="2"/>
-              </a:rPr>
-              <a:t>Magnetsensor			Fällt ein Magnet in den Schornstein</a:t>
-            </a:r>
-          </a:p>
-          <a:p>
-            <a:pPr lvl="1"/>
-            <a:r>
-              <a:rPr lang="de-DE" dirty="0">
-                <a:sym typeface="Wingdings" panose="05000000000000000000" pitchFamily="2" charset="2"/>
-              </a:rPr>
-              <a:t>Ultraschallsensor		Kellertür offen / geschlossen</a:t>
-            </a:r>
-            <a:endParaRPr lang="de-DE" dirty="0"/>
-          </a:p>
-          <a:p>
-            <a:pPr lvl="1"/>
-            <a:r>
-              <a:rPr lang="de-DE" dirty="0"/>
-              <a:t>Gyroskop			</a:t>
-            </a:r>
-            <a:r>
-              <a:rPr lang="de-DE" dirty="0">
-                <a:sym typeface="Wingdings" panose="05000000000000000000" pitchFamily="2" charset="2"/>
-              </a:rPr>
-              <a:t>	Neigung des Hauses / Bilderrahmen</a:t>
-            </a:r>
-            <a:endParaRPr lang="de-DE" dirty="0"/>
-          </a:p>
-          <a:p>
-            <a:r>
-              <a:rPr lang="de-DE" dirty="0"/>
-              <a:t>Ausgabe</a:t>
-            </a:r>
-          </a:p>
-          <a:p>
-            <a:pPr lvl="1"/>
-            <a:r>
-              <a:rPr lang="de-DE" dirty="0"/>
-              <a:t>LED				</a:t>
-            </a:r>
-            <a:r>
-              <a:rPr lang="de-DE" dirty="0">
-                <a:sym typeface="Wingdings" panose="05000000000000000000" pitchFamily="2" charset="2"/>
-              </a:rPr>
-              <a:t>	Alarmlicht</a:t>
-            </a:r>
-            <a:endParaRPr lang="de-DE" dirty="0"/>
-          </a:p>
-          <a:p>
-            <a:pPr lvl="1"/>
-            <a:r>
               <a:rPr lang="de-DE" dirty="0" err="1"/>
-              <a:t>Servo</a:t>
-            </a:r>
-            <a:r>
-              <a:rPr lang="de-DE" dirty="0"/>
-              <a:t>				</a:t>
-            </a:r>
-            <a:r>
-              <a:rPr lang="de-DE" dirty="0">
-                <a:sym typeface="Wingdings" panose="05000000000000000000" pitchFamily="2" charset="2"/>
-              </a:rPr>
-              <a:t>	Dachluke öffnen / schließen</a:t>
-            </a:r>
-            <a:endParaRPr lang="de-DE" dirty="0"/>
+              <a:t>Leap</a:t>
+            </a:r>
+            <a:r>
+              <a:rPr lang="de-DE" dirty="0"/>
+              <a:t> Motion</a:t>
+            </a:r>
+          </a:p>
+          <a:p>
+            <a:pPr lvl="2"/>
+            <a:r>
+              <a:rPr lang="de-DE" dirty="0"/>
+              <a:t>Verschiedenste Handgesten ermöglichen</a:t>
+            </a:r>
           </a:p>
           <a:p>
             <a:endParaRPr lang="de-DE" dirty="0"/>
@@ -9158,7 +8826,7 @@
     </p:spTree>
     <p:extLst>
       <p:ext uri="{BB962C8B-B14F-4D97-AF65-F5344CB8AC3E}">
-        <p14:creationId xmlns:p14="http://schemas.microsoft.com/office/powerpoint/2010/main" val="3583880697"/>
+        <p14:creationId xmlns:p14="http://schemas.microsoft.com/office/powerpoint/2010/main" val="3801640197"/>
       </p:ext>
     </p:extLst>
   </p:cSld>
@@ -9203,9 +8871,7 @@
         </p:nvSpPr>
         <p:spPr/>
         <p:txBody>
-          <a:bodyPr>
-            <a:normAutofit/>
-          </a:bodyPr>
+          <a:bodyPr/>
           <a:lstStyle/>
           <a:p>
             <a:r>
@@ -9217,17 +8883,8 @@
             </a:br>
             <a:r>
               <a:rPr lang="de-DE" dirty="0"/>
-              <a:t>- </a:t>
-            </a:r>
-            <a:r>
-              <a:rPr lang="de-DE" dirty="0" err="1"/>
-              <a:t>Leap</a:t>
-            </a:r>
-            <a:r>
-              <a:rPr lang="de-DE"/>
-              <a:t> Motion</a:t>
-            </a:r>
-            <a:endParaRPr lang="de-DE" dirty="0"/>
+              <a:t>- Arduino</a:t>
+            </a:r>
           </a:p>
         </p:txBody>
       </p:sp>
@@ -9249,40 +8906,146 @@
         </p:nvSpPr>
         <p:spPr/>
         <p:txBody>
-          <a:bodyPr/>
-          <a:lstStyle/>
-          <a:p>
-            <a:r>
-              <a:rPr lang="de-DE" dirty="0"/>
-              <a:t>Regengeste</a:t>
+          <a:bodyPr>
+            <a:normAutofit lnSpcReduction="10000"/>
+          </a:bodyPr>
+          <a:lstStyle/>
+          <a:p>
+            <a:r>
+              <a:rPr lang="de-DE" dirty="0"/>
+              <a:t>Sensoren</a:t>
             </a:r>
           </a:p>
           <a:p>
             <a:pPr lvl="1"/>
             <a:r>
               <a:rPr lang="de-DE" dirty="0"/>
-              <a:t>Regen starten / anhalten</a:t>
-            </a:r>
+              <a:t>Potenziometer		</a:t>
+            </a:r>
+            <a:r>
+              <a:rPr lang="de-DE" dirty="0">
+                <a:sym typeface="Wingdings" panose="05000000000000000000" pitchFamily="2" charset="2"/>
+              </a:rPr>
+              <a:t>	Tor</a:t>
+            </a:r>
+            <a:endParaRPr lang="de-DE" dirty="0"/>
           </a:p>
           <a:p>
             <a:pPr lvl="1"/>
             <a:r>
               <a:rPr lang="de-DE" dirty="0"/>
-              <a:t>Dachluke automatisch mitschließen / öffnen</a:t>
-            </a:r>
-          </a:p>
-          <a:p>
-            <a:r>
-              <a:rPr lang="de-DE" dirty="0"/>
-              <a:t>Zahl zeigen</a:t>
-            </a:r>
+              <a:t>Drucksensor		</a:t>
+            </a:r>
+            <a:r>
+              <a:rPr lang="de-DE" dirty="0">
+                <a:sym typeface="Wingdings" panose="05000000000000000000" pitchFamily="2" charset="2"/>
+              </a:rPr>
+              <a:t>	Klingel</a:t>
+            </a:r>
+            <a:endParaRPr lang="de-DE" dirty="0"/>
           </a:p>
           <a:p>
             <a:pPr lvl="1"/>
             <a:r>
               <a:rPr lang="de-DE" dirty="0"/>
-              <a:t>Wechseln zwischen 3 Kamerapositionen</a:t>
-            </a:r>
+              <a:t>Lichtsensor			</a:t>
+            </a:r>
+            <a:r>
+              <a:rPr lang="de-DE" dirty="0">
+                <a:sym typeface="Wingdings" panose="05000000000000000000" pitchFamily="2" charset="2"/>
+              </a:rPr>
+              <a:t>	Helligkeit im Innenraum</a:t>
+            </a:r>
+          </a:p>
+          <a:p>
+            <a:pPr lvl="1"/>
+            <a:r>
+              <a:rPr lang="de-DE" dirty="0">
+                <a:sym typeface="Wingdings" panose="05000000000000000000" pitchFamily="2" charset="2"/>
+              </a:rPr>
+              <a:t>Magnetsensor			Fällt ein Magnet in den Schornstein</a:t>
+            </a:r>
+          </a:p>
+          <a:p>
+            <a:pPr lvl="1"/>
+            <a:r>
+              <a:rPr lang="de-DE" dirty="0">
+                <a:sym typeface="Wingdings" panose="05000000000000000000" pitchFamily="2" charset="2"/>
+              </a:rPr>
+              <a:t>Ultraschallsensor		Kellertür offen / geschlossen</a:t>
+            </a:r>
+            <a:endParaRPr lang="de-DE" dirty="0"/>
+          </a:p>
+          <a:p>
+            <a:pPr lvl="1"/>
+            <a:r>
+              <a:rPr lang="de-DE" dirty="0"/>
+              <a:t>Gyroskop			</a:t>
+            </a:r>
+            <a:r>
+              <a:rPr lang="de-DE" dirty="0">
+                <a:sym typeface="Wingdings" panose="05000000000000000000" pitchFamily="2" charset="2"/>
+              </a:rPr>
+              <a:t>	Neigung des Hauses / Bilderrahmen</a:t>
+            </a:r>
+            <a:endParaRPr lang="de-DE" dirty="0"/>
+          </a:p>
+          <a:p>
+            <a:r>
+              <a:rPr lang="de-DE" dirty="0"/>
+              <a:t>Ausgabe</a:t>
+            </a:r>
+          </a:p>
+          <a:p>
+            <a:pPr lvl="1"/>
+            <a:r>
+              <a:rPr lang="de-DE" dirty="0"/>
+              <a:t>LED				</a:t>
+            </a:r>
+            <a:r>
+              <a:rPr lang="de-DE" dirty="0">
+                <a:sym typeface="Wingdings" panose="05000000000000000000" pitchFamily="2" charset="2"/>
+              </a:rPr>
+              <a:t>	Alarmlicht</a:t>
+            </a:r>
+          </a:p>
+          <a:p>
+            <a:pPr lvl="1"/>
+            <a:r>
+              <a:rPr lang="de-DE" dirty="0"/>
+              <a:t>Buzzer				</a:t>
+            </a:r>
+            <a:r>
+              <a:rPr lang="de-DE" dirty="0">
+                <a:sym typeface="Wingdings" panose="05000000000000000000" pitchFamily="2" charset="2"/>
+              </a:rPr>
+              <a:t>	</a:t>
+            </a:r>
+            <a:r>
+              <a:rPr lang="de-DE" dirty="0" err="1">
+                <a:sym typeface="Wingdings" panose="05000000000000000000" pitchFamily="2" charset="2"/>
+              </a:rPr>
+              <a:t>Alarmton</a:t>
+            </a:r>
+            <a:endParaRPr lang="de-DE" dirty="0"/>
+          </a:p>
+          <a:p>
+            <a:pPr lvl="1"/>
+            <a:r>
+              <a:rPr lang="de-DE" dirty="0" err="1"/>
+              <a:t>Servo</a:t>
+            </a:r>
+            <a:r>
+              <a:rPr lang="de-DE" dirty="0"/>
+              <a:t>				</a:t>
+            </a:r>
+            <a:r>
+              <a:rPr lang="de-DE" dirty="0">
+                <a:sym typeface="Wingdings" panose="05000000000000000000" pitchFamily="2" charset="2"/>
+              </a:rPr>
+              <a:t>	Dachluke öffnen / schließen</a:t>
+            </a:r>
+            <a:endParaRPr lang="de-DE" dirty="0"/>
           </a:p>
           <a:p>
             <a:endParaRPr lang="de-DE" dirty="0"/>
@@ -9292,7 +9055,7 @@
     </p:spTree>
     <p:extLst>
       <p:ext uri="{BB962C8B-B14F-4D97-AF65-F5344CB8AC3E}">
-        <p14:creationId xmlns:p14="http://schemas.microsoft.com/office/powerpoint/2010/main" val="1081297095"/>
+        <p14:creationId xmlns:p14="http://schemas.microsoft.com/office/powerpoint/2010/main" val="3583880697"/>
       </p:ext>
     </p:extLst>
   </p:cSld>
@@ -9303,7 +9066,7 @@
 </file>
 
 <file path=ppt/slides/slide7.xml><?xml version="1.0" encoding="utf-8"?>
-<p:sld xmlns:a="http://schemas.openxmlformats.org/drawingml/2006/main" xmlns:r="http://schemas.openxmlformats.org/officeDocument/2006/relationships" xmlns:p="http://schemas.openxmlformats.org/presentationml/2006/main" show="0">
+<p:sld xmlns:a="http://schemas.openxmlformats.org/drawingml/2006/main" xmlns:r="http://schemas.openxmlformats.org/officeDocument/2006/relationships" xmlns:p="http://schemas.openxmlformats.org/presentationml/2006/main">
   <p:cSld>
     <p:spTree>
       <p:nvGrpSpPr>
@@ -9324,7 +9087,7 @@
           <p:cNvPr id="2" name="Titel 1">
             <a:extLst>
               <a:ext uri="{FF2B5EF4-FFF2-40B4-BE49-F238E27FC236}">
-                <a16:creationId xmlns:a16="http://schemas.microsoft.com/office/drawing/2014/main" id="{0C03340B-A927-4408-810A-3B9CC5A97B31}"/>
+                <a16:creationId xmlns:a16="http://schemas.microsoft.com/office/drawing/2014/main" id="{F8B9FA9C-9DE0-40EF-8FDA-5E80FC0990A1}"/>
               </a:ext>
             </a:extLst>
           </p:cNvPr>
@@ -9337,12 +9100,29 @@
         </p:nvSpPr>
         <p:spPr/>
         <p:txBody>
-          <a:bodyPr/>
-          <a:lstStyle/>
-          <a:p>
-            <a:r>
-              <a:rPr lang="de-DE" dirty="0"/>
-              <a:t>Umsetzung</a:t>
+          <a:bodyPr>
+            <a:normAutofit/>
+          </a:bodyPr>
+          <a:lstStyle/>
+          <a:p>
+            <a:r>
+              <a:rPr lang="de-DE" dirty="0"/>
+              <a:t>Systembild – Designentscheidung</a:t>
+            </a:r>
+            <a:br>
+              <a:rPr lang="de-DE" dirty="0"/>
+            </a:br>
+            <a:r>
+              <a:rPr lang="de-DE" dirty="0"/>
+              <a:t>- </a:t>
+            </a:r>
+            <a:r>
+              <a:rPr lang="de-DE" dirty="0" err="1"/>
+              <a:t>Leap</a:t>
+            </a:r>
+            <a:r>
+              <a:rPr lang="de-DE" dirty="0"/>
+              <a:t> Motion</a:t>
             </a:r>
           </a:p>
         </p:txBody>
@@ -9352,7 +9132,7 @@
           <p:cNvPr id="3" name="Inhaltsplatzhalter 2">
             <a:extLst>
               <a:ext uri="{FF2B5EF4-FFF2-40B4-BE49-F238E27FC236}">
-                <a16:creationId xmlns:a16="http://schemas.microsoft.com/office/drawing/2014/main" id="{DAB9FC8F-AA07-48C9-A9C1-5A978C33D80A}"/>
+                <a16:creationId xmlns:a16="http://schemas.microsoft.com/office/drawing/2014/main" id="{AA365DD7-D369-49FB-A072-DCC009497E56}"/>
               </a:ext>
             </a:extLst>
           </p:cNvPr>
@@ -9370,13 +9150,34 @@
           <a:p>
             <a:r>
               <a:rPr lang="de-DE" dirty="0"/>
-              <a:t>Meilensteine</a:t>
-            </a:r>
-          </a:p>
-          <a:p>
-            <a:r>
-              <a:rPr lang="de-DE" dirty="0"/>
-              <a:t>Entwicklungsverlauf</a:t>
+              <a:t>Regengeste</a:t>
+            </a:r>
+          </a:p>
+          <a:p>
+            <a:pPr lvl="1"/>
+            <a:r>
+              <a:rPr lang="de-DE" dirty="0"/>
+              <a:t>Regen starten / anhalten</a:t>
+            </a:r>
+          </a:p>
+          <a:p>
+            <a:pPr lvl="1"/>
+            <a:r>
+              <a:rPr lang="de-DE" dirty="0"/>
+              <a:t>Dachluke automatisch mitschließen / öffnen</a:t>
+            </a:r>
+          </a:p>
+          <a:p>
+            <a:r>
+              <a:rPr lang="de-DE" dirty="0"/>
+              <a:t>Zahl zeigen</a:t>
+            </a:r>
+          </a:p>
+          <a:p>
+            <a:pPr lvl="1"/>
+            <a:r>
+              <a:rPr lang="de-DE" dirty="0"/>
+              <a:t>Wechseln zwischen 3 Kamerapositionen</a:t>
             </a:r>
           </a:p>
           <a:p>
@@ -9387,7 +9188,7 @@
     </p:spTree>
     <p:extLst>
       <p:ext uri="{BB962C8B-B14F-4D97-AF65-F5344CB8AC3E}">
-        <p14:creationId xmlns:p14="http://schemas.microsoft.com/office/powerpoint/2010/main" val="4252700709"/>
+        <p14:creationId xmlns:p14="http://schemas.microsoft.com/office/powerpoint/2010/main" val="1081297095"/>
       </p:ext>
     </p:extLst>
   </p:cSld>
@@ -9479,45 +9280,17 @@
             </a:pPr>
             <a:r>
               <a:rPr lang="de-DE" dirty="0"/>
-              <a:t>Lego-Haus gebaut</a:t>
-            </a:r>
-          </a:p>
-          <a:p>
-            <a:pPr lvl="1">
+              <a:t>Lego-Hau-Bau</a:t>
+            </a:r>
+          </a:p>
+          <a:p>
+            <a:pPr>
               <a:buFont typeface="+mj-lt"/>
               <a:buAutoNum type="arabicPeriod"/>
             </a:pPr>
             <a:r>
               <a:rPr lang="de-DE" dirty="0"/>
-              <a:t>Mit Sensoren und Arduino versehen</a:t>
-            </a:r>
-          </a:p>
-          <a:p>
-            <a:pPr lvl="1">
-              <a:buFont typeface="+mj-lt"/>
-              <a:buAutoNum type="arabicPeriod"/>
-            </a:pPr>
-            <a:r>
-              <a:rPr lang="de-DE" dirty="0"/>
-              <a:t>Arduino: Werte einlesen und Seriell ausgeben</a:t>
-            </a:r>
-          </a:p>
-          <a:p>
-            <a:pPr lvl="1">
-              <a:buFont typeface="+mj-lt"/>
-              <a:buAutoNum type="arabicPeriod"/>
-            </a:pPr>
-            <a:r>
-              <a:rPr lang="de-DE" dirty="0"/>
-              <a:t>Arduino: Seriell werte einlesen und </a:t>
-            </a:r>
-            <a:r>
-              <a:rPr lang="de-DE" dirty="0" err="1"/>
-              <a:t>Servo</a:t>
-            </a:r>
-            <a:r>
-              <a:rPr lang="de-DE" dirty="0"/>
-              <a:t> bewegen</a:t>
+              <a:t>Interaktionsmöglichkeiten: Arduino</a:t>
             </a:r>
           </a:p>
           <a:p>
@@ -9964,299 +9737,4 @@
     </a:ext>
   </a:extLst>
 </a:theme>
-</file>
-
-<file path=ppt/theme/theme2.xml><?xml version="1.0" encoding="utf-8"?>
-<a:theme xmlns:a="http://schemas.openxmlformats.org/drawingml/2006/main" name="Office">
-  <a:themeElements>
-    <a:clrScheme name="Office">
-      <a:dk1>
-        <a:sysClr val="windowText" lastClr="000000"/>
-      </a:dk1>
-      <a:lt1>
-        <a:sysClr val="window" lastClr="FFFFFF"/>
-      </a:lt1>
-      <a:dk2>
-        <a:srgbClr val="44546A"/>
-      </a:dk2>
-      <a:lt2>
-        <a:srgbClr val="E7E6E6"/>
-      </a:lt2>
-      <a:accent1>
-        <a:srgbClr val="4472C4"/>
-      </a:accent1>
-      <a:accent2>
-        <a:srgbClr val="ED7D31"/>
-      </a:accent2>
-      <a:accent3>
-        <a:srgbClr val="A5A5A5"/>
-      </a:accent3>
-      <a:accent4>
-        <a:srgbClr val="FFC000"/>
-      </a:accent4>
-      <a:accent5>
-        <a:srgbClr val="5B9BD5"/>
-      </a:accent5>
-      <a:accent6>
-        <a:srgbClr val="70AD47"/>
-      </a:accent6>
-      <a:hlink>
-        <a:srgbClr val="0563C1"/>
-      </a:hlink>
-      <a:folHlink>
-        <a:srgbClr val="954F72"/>
-      </a:folHlink>
-    </a:clrScheme>
-    <a:fontScheme name="Office">
-      <a:majorFont>
-        <a:latin typeface="Calibri Light" panose="020F0302020204030204"/>
-        <a:ea typeface=""/>
-        <a:cs typeface=""/>
-        <a:font script="Jpan" typeface="游ゴシック Light"/>
-        <a:font script="Hang" typeface="맑은 고딕"/>
-        <a:font script="Hans" typeface="等线 Light"/>
-        <a:font script="Hant" typeface="新細明體"/>
-        <a:font script="Arab" typeface="Times New Roman"/>
-        <a:font script="Hebr" typeface="Times New Roman"/>
-        <a:font script="Thai" typeface="Angsana New"/>
-        <a:font script="Ethi" typeface="Nyala"/>
-        <a:font script="Beng" typeface="Vrinda"/>
-        <a:font script="Gujr" typeface="Shruti"/>
-        <a:font script="Khmr" typeface="MoolBoran"/>
-        <a:font script="Knda" typeface="Tunga"/>
-        <a:font script="Guru" typeface="Raavi"/>
-        <a:font script="Cans" typeface="Euphemia"/>
-        <a:font script="Cher" typeface="Plantagenet Cherokee"/>
-        <a:font script="Yiii" typeface="Microsoft Yi Baiti"/>
-        <a:font script="Tibt" typeface="Microsoft Himalaya"/>
-        <a:font script="Thaa" typeface="MV Boli"/>
-        <a:font script="Deva" typeface="Mangal"/>
-        <a:font script="Telu" typeface="Gautami"/>
-        <a:font script="Taml" typeface="Latha"/>
-        <a:font script="Syrc" typeface="Estrangelo Edessa"/>
-        <a:font script="Orya" typeface="Kalinga"/>
-        <a:font script="Mlym" typeface="Kartika"/>
-        <a:font script="Laoo" typeface="DokChampa"/>
-        <a:font script="Sinh" typeface="Iskoola Pota"/>
-        <a:font script="Mong" typeface="Mongolian Baiti"/>
-        <a:font script="Viet" typeface="Times New Roman"/>
-        <a:font script="Uigh" typeface="Microsoft Uighur"/>
-        <a:font script="Geor" typeface="Sylfaen"/>
-        <a:font script="Armn" typeface="Arial"/>
-        <a:font script="Bugi" typeface="Leelawadee UI"/>
-        <a:font script="Bopo" typeface="Microsoft JhengHei"/>
-        <a:font script="Java" typeface="Javanese Text"/>
-        <a:font script="Lisu" typeface="Segoe UI"/>
-        <a:font script="Mymr" typeface="Myanmar Text"/>
-        <a:font script="Nkoo" typeface="Ebrima"/>
-        <a:font script="Olck" typeface="Nirmala UI"/>
-        <a:font script="Osma" typeface="Ebrima"/>
-        <a:font script="Phag" typeface="Phagspa"/>
-        <a:font script="Syrn" typeface="Estrangelo Edessa"/>
-        <a:font script="Syrj" typeface="Estrangelo Edessa"/>
-        <a:font script="Syre" typeface="Estrangelo Edessa"/>
-        <a:font script="Sora" typeface="Nirmala UI"/>
-        <a:font script="Tale" typeface="Microsoft Tai Le"/>
-        <a:font script="Talu" typeface="Microsoft New Tai Lue"/>
-        <a:font script="Tfng" typeface="Ebrima"/>
-      </a:majorFont>
-      <a:minorFont>
-        <a:latin typeface="Calibri" panose="020F0502020204030204"/>
-        <a:ea typeface=""/>
-        <a:cs typeface=""/>
-        <a:font script="Jpan" typeface="游ゴシック"/>
-        <a:font script="Hang" typeface="맑은 고딕"/>
-        <a:font script="Hans" typeface="等线"/>
-        <a:font script="Hant" typeface="新細明體"/>
-        <a:font script="Arab" typeface="Arial"/>
-        <a:font script="Hebr" typeface="Arial"/>
-        <a:font script="Thai" typeface="Cordia New"/>
-        <a:font script="Ethi" typeface="Nyala"/>
-        <a:font script="Beng" typeface="Vrinda"/>
-        <a:font script="Gujr" typeface="Shruti"/>
-        <a:font script="Khmr" typeface="DaunPenh"/>
-        <a:font script="Knda" typeface="Tunga"/>
-        <a:font script="Guru" typeface="Raavi"/>
-        <a:font script="Cans" typeface="Euphemia"/>
-        <a:font script="Cher" typeface="Plantagenet Cherokee"/>
-        <a:font script="Yiii" typeface="Microsoft Yi Baiti"/>
-        <a:font script="Tibt" typeface="Microsoft Himalaya"/>
-        <a:font script="Thaa" typeface="MV Boli"/>
-        <a:font script="Deva" typeface="Mangal"/>
-        <a:font script="Telu" typeface="Gautami"/>
-        <a:font script="Taml" typeface="Latha"/>
-        <a:font script="Syrc" typeface="Estrangelo Edessa"/>
-        <a:font script="Orya" typeface="Kalinga"/>
-        <a:font script="Mlym" typeface="Kartika"/>
-        <a:font script="Laoo" typeface="DokChampa"/>
-        <a:font script="Sinh" typeface="Iskoola Pota"/>
-        <a:font script="Mong" typeface="Mongolian Baiti"/>
-        <a:font script="Viet" typeface="Arial"/>
-        <a:font script="Uigh" typeface="Microsoft Uighur"/>
-        <a:font script="Geor" typeface="Sylfaen"/>
-        <a:font script="Armn" typeface="Arial"/>
-        <a:font script="Bugi" typeface="Leelawadee UI"/>
-        <a:font script="Bopo" typeface="Microsoft JhengHei"/>
-        <a:font script="Java" typeface="Javanese Text"/>
-        <a:font script="Lisu" typeface="Segoe UI"/>
-        <a:font script="Mymr" typeface="Myanmar Text"/>
-        <a:font script="Nkoo" typeface="Ebrima"/>
-        <a:font script="Olck" typeface="Nirmala UI"/>
-        <a:font script="Osma" typeface="Ebrima"/>
-        <a:font script="Phag" typeface="Phagspa"/>
-        <a:font script="Syrn" typeface="Estrangelo Edessa"/>
-        <a:font script="Syrj" typeface="Estrangelo Edessa"/>
-        <a:font script="Syre" typeface="Estrangelo Edessa"/>
-        <a:font script="Sora" typeface="Nirmala UI"/>
-        <a:font script="Tale" typeface="Microsoft Tai Le"/>
-        <a:font script="Talu" typeface="Microsoft New Tai Lue"/>
-        <a:font script="Tfng" typeface="Ebrima"/>
-      </a:minorFont>
-    </a:fontScheme>
-    <a:fmtScheme name="Office">
-      <a:fillStyleLst>
-        <a:solidFill>
-          <a:schemeClr val="phClr"/>
-        </a:solidFill>
-        <a:gradFill rotWithShape="1">
-          <a:gsLst>
-            <a:gs pos="0">
-              <a:schemeClr val="phClr">
-                <a:lumMod val="110000"/>
-                <a:satMod val="105000"/>
-                <a:tint val="67000"/>
-              </a:schemeClr>
-            </a:gs>
-            <a:gs pos="50000">
-              <a:schemeClr val="phClr">
-                <a:lumMod val="105000"/>
-                <a:satMod val="103000"/>
-                <a:tint val="73000"/>
-              </a:schemeClr>
-            </a:gs>
-            <a:gs pos="100000">
-              <a:schemeClr val="phClr">
-                <a:lumMod val="105000"/>
-                <a:satMod val="109000"/>
-                <a:tint val="81000"/>
-              </a:schemeClr>
-            </a:gs>
-          </a:gsLst>
-          <a:lin ang="5400000" scaled="0"/>
-        </a:gradFill>
-        <a:gradFill rotWithShape="1">
-          <a:gsLst>
-            <a:gs pos="0">
-              <a:schemeClr val="phClr">
-                <a:satMod val="103000"/>
-                <a:lumMod val="102000"/>
-                <a:tint val="94000"/>
-              </a:schemeClr>
-            </a:gs>
-            <a:gs pos="50000">
-              <a:schemeClr val="phClr">
-                <a:satMod val="110000"/>
-                <a:lumMod val="100000"/>
-                <a:shade val="100000"/>
-              </a:schemeClr>
-            </a:gs>
-            <a:gs pos="100000">
-              <a:schemeClr val="phClr">
-                <a:lumMod val="99000"/>
-                <a:satMod val="120000"/>
-                <a:shade val="78000"/>
-              </a:schemeClr>
-            </a:gs>
-          </a:gsLst>
-          <a:lin ang="5400000" scaled="0"/>
-        </a:gradFill>
-      </a:fillStyleLst>
-      <a:lnStyleLst>
-        <a:ln w="6350" cap="flat" cmpd="sng" algn="ctr">
-          <a:solidFill>
-            <a:schemeClr val="phClr"/>
-          </a:solidFill>
-          <a:prstDash val="solid"/>
-          <a:miter lim="800000"/>
-        </a:ln>
-        <a:ln w="12700" cap="flat" cmpd="sng" algn="ctr">
-          <a:solidFill>
-            <a:schemeClr val="phClr"/>
-          </a:solidFill>
-          <a:prstDash val="solid"/>
-          <a:miter lim="800000"/>
-        </a:ln>
-        <a:ln w="19050" cap="flat" cmpd="sng" algn="ctr">
-          <a:solidFill>
-            <a:schemeClr val="phClr"/>
-          </a:solidFill>
-          <a:prstDash val="solid"/>
-          <a:miter lim="800000"/>
-        </a:ln>
-      </a:lnStyleLst>
-      <a:effectStyleLst>
-        <a:effectStyle>
-          <a:effectLst/>
-        </a:effectStyle>
-        <a:effectStyle>
-          <a:effectLst/>
-        </a:effectStyle>
-        <a:effectStyle>
-          <a:effectLst>
-            <a:outerShdw blurRad="57150" dist="19050" dir="5400000" algn="ctr" rotWithShape="0">
-              <a:srgbClr val="000000">
-                <a:alpha val="63000"/>
-              </a:srgbClr>
-            </a:outerShdw>
-          </a:effectLst>
-        </a:effectStyle>
-      </a:effectStyleLst>
-      <a:bgFillStyleLst>
-        <a:solidFill>
-          <a:schemeClr val="phClr"/>
-        </a:solidFill>
-        <a:solidFill>
-          <a:schemeClr val="phClr">
-            <a:tint val="95000"/>
-            <a:satMod val="170000"/>
-          </a:schemeClr>
-        </a:solidFill>
-        <a:gradFill rotWithShape="1">
-          <a:gsLst>
-            <a:gs pos="0">
-              <a:schemeClr val="phClr">
-                <a:tint val="93000"/>
-                <a:satMod val="150000"/>
-                <a:shade val="98000"/>
-                <a:lumMod val="102000"/>
-              </a:schemeClr>
-            </a:gs>
-            <a:gs pos="50000">
-              <a:schemeClr val="phClr">
-                <a:tint val="98000"/>
-                <a:satMod val="130000"/>
-                <a:shade val="90000"/>
-                <a:lumMod val="103000"/>
-              </a:schemeClr>
-            </a:gs>
-            <a:gs pos="100000">
-              <a:schemeClr val="phClr">
-                <a:shade val="63000"/>
-                <a:satMod val="120000"/>
-              </a:schemeClr>
-            </a:gs>
-          </a:gsLst>
-          <a:lin ang="5400000" scaled="0"/>
-        </a:gradFill>
-      </a:bgFillStyleLst>
-    </a:fmtScheme>
-  </a:themeElements>
-  <a:objectDefaults/>
-  <a:extraClrSchemeLst/>
-  <a:extLst>
-    <a:ext uri="{05A4C25C-085E-4340-85A3-A5531E510DB2}">
-      <thm15:themeFamily xmlns:thm15="http://schemas.microsoft.com/office/thememl/2012/main" name="Office Theme" id="{62F939B6-93AF-4DB8-9C6B-D6C7DFDC589F}" vid="{4A3C46E8-61CC-4603-A589-7422A47A8E4A}"/>
-    </a:ext>
-  </a:extLst>
-</a:theme>
 </file>
--- a/Praesi.pptx
+++ b/Praesi.pptx
@@ -853,7 +853,7 @@
           <a:p>
             <a:fld id="{25603A24-7872-46E1-9181-D252AF9AEB68}" type="datetimeFigureOut">
               <a:rPr lang="de-DE" smtClean="0"/>
-              <a:t>26.01.2019</a:t>
+              <a:t>27.01.2019</a:t>
             </a:fld>
             <a:endParaRPr lang="de-DE"/>
           </a:p>
@@ -1104,7 +1104,7 @@
           <a:p>
             <a:fld id="{25603A24-7872-46E1-9181-D252AF9AEB68}" type="datetimeFigureOut">
               <a:rPr lang="de-DE" smtClean="0"/>
-              <a:t>26.01.2019</a:t>
+              <a:t>27.01.2019</a:t>
             </a:fld>
             <a:endParaRPr lang="de-DE"/>
           </a:p>
@@ -1418,7 +1418,7 @@
           <a:p>
             <a:fld id="{25603A24-7872-46E1-9181-D252AF9AEB68}" type="datetimeFigureOut">
               <a:rPr lang="de-DE" smtClean="0"/>
-              <a:t>26.01.2019</a:t>
+              <a:t>27.01.2019</a:t>
             </a:fld>
             <a:endParaRPr lang="de-DE"/>
           </a:p>
@@ -1759,7 +1759,7 @@
           <a:p>
             <a:fld id="{25603A24-7872-46E1-9181-D252AF9AEB68}" type="datetimeFigureOut">
               <a:rPr lang="de-DE" smtClean="0"/>
-              <a:t>26.01.2019</a:t>
+              <a:t>27.01.2019</a:t>
             </a:fld>
             <a:endParaRPr lang="de-DE"/>
           </a:p>
@@ -2073,7 +2073,7 @@
           <a:p>
             <a:fld id="{25603A24-7872-46E1-9181-D252AF9AEB68}" type="datetimeFigureOut">
               <a:rPr lang="de-DE" smtClean="0"/>
-              <a:t>26.01.2019</a:t>
+              <a:t>27.01.2019</a:t>
             </a:fld>
             <a:endParaRPr lang="de-DE"/>
           </a:p>
@@ -2466,7 +2466,7 @@
           <a:p>
             <a:fld id="{25603A24-7872-46E1-9181-D252AF9AEB68}" type="datetimeFigureOut">
               <a:rPr lang="de-DE" smtClean="0"/>
-              <a:t>26.01.2019</a:t>
+              <a:t>27.01.2019</a:t>
             </a:fld>
             <a:endParaRPr lang="de-DE"/>
           </a:p>
@@ -2636,7 +2636,7 @@
           <a:p>
             <a:fld id="{25603A24-7872-46E1-9181-D252AF9AEB68}" type="datetimeFigureOut">
               <a:rPr lang="de-DE" smtClean="0"/>
-              <a:t>26.01.2019</a:t>
+              <a:t>27.01.2019</a:t>
             </a:fld>
             <a:endParaRPr lang="de-DE"/>
           </a:p>
@@ -2816,7 +2816,7 @@
           <a:p>
             <a:fld id="{25603A24-7872-46E1-9181-D252AF9AEB68}" type="datetimeFigureOut">
               <a:rPr lang="de-DE" smtClean="0"/>
-              <a:t>26.01.2019</a:t>
+              <a:t>27.01.2019</a:t>
             </a:fld>
             <a:endParaRPr lang="de-DE"/>
           </a:p>
@@ -2992,7 +2992,7 @@
           <a:p>
             <a:fld id="{25603A24-7872-46E1-9181-D252AF9AEB68}" type="datetimeFigureOut">
               <a:rPr lang="de-DE" smtClean="0"/>
-              <a:t>26.01.2019</a:t>
+              <a:t>27.01.2019</a:t>
             </a:fld>
             <a:endParaRPr lang="de-DE"/>
           </a:p>
@@ -3239,7 +3239,7 @@
           <a:p>
             <a:fld id="{25603A24-7872-46E1-9181-D252AF9AEB68}" type="datetimeFigureOut">
               <a:rPr lang="de-DE" smtClean="0"/>
-              <a:t>26.01.2019</a:t>
+              <a:t>27.01.2019</a:t>
             </a:fld>
             <a:endParaRPr lang="de-DE"/>
           </a:p>
@@ -3471,7 +3471,7 @@
           <a:p>
             <a:fld id="{25603A24-7872-46E1-9181-D252AF9AEB68}" type="datetimeFigureOut">
               <a:rPr lang="de-DE" smtClean="0"/>
-              <a:t>26.01.2019</a:t>
+              <a:t>27.01.2019</a:t>
             </a:fld>
             <a:endParaRPr lang="de-DE"/>
           </a:p>
@@ -3845,7 +3845,7 @@
           <a:p>
             <a:fld id="{25603A24-7872-46E1-9181-D252AF9AEB68}" type="datetimeFigureOut">
               <a:rPr lang="de-DE" smtClean="0"/>
-              <a:t>26.01.2019</a:t>
+              <a:t>27.01.2019</a:t>
             </a:fld>
             <a:endParaRPr lang="de-DE"/>
           </a:p>
@@ -3968,7 +3968,7 @@
           <a:p>
             <a:fld id="{25603A24-7872-46E1-9181-D252AF9AEB68}" type="datetimeFigureOut">
               <a:rPr lang="de-DE" smtClean="0"/>
-              <a:t>26.01.2019</a:t>
+              <a:t>27.01.2019</a:t>
             </a:fld>
             <a:endParaRPr lang="de-DE"/>
           </a:p>
@@ -4063,7 +4063,7 @@
           <a:p>
             <a:fld id="{25603A24-7872-46E1-9181-D252AF9AEB68}" type="datetimeFigureOut">
               <a:rPr lang="de-DE" smtClean="0"/>
-              <a:t>26.01.2019</a:t>
+              <a:t>27.01.2019</a:t>
             </a:fld>
             <a:endParaRPr lang="de-DE"/>
           </a:p>
@@ -4318,7 +4318,7 @@
           <a:p>
             <a:fld id="{25603A24-7872-46E1-9181-D252AF9AEB68}" type="datetimeFigureOut">
               <a:rPr lang="de-DE" smtClean="0"/>
-              <a:t>26.01.2019</a:t>
+              <a:t>27.01.2019</a:t>
             </a:fld>
             <a:endParaRPr lang="de-DE"/>
           </a:p>
@@ -4581,7 +4581,7 @@
           <a:p>
             <a:fld id="{25603A24-7872-46E1-9181-D252AF9AEB68}" type="datetimeFigureOut">
               <a:rPr lang="de-DE" smtClean="0"/>
-              <a:t>26.01.2019</a:t>
+              <a:t>27.01.2019</a:t>
             </a:fld>
             <a:endParaRPr lang="de-DE"/>
           </a:p>
@@ -5324,7 +5324,7 @@
           <a:p>
             <a:fld id="{25603A24-7872-46E1-9181-D252AF9AEB68}" type="datetimeFigureOut">
               <a:rPr lang="de-DE" smtClean="0"/>
-              <a:t>26.01.2019</a:t>
+              <a:t>27.01.2019</a:t>
             </a:fld>
             <a:endParaRPr lang="de-DE"/>
           </a:p>
@@ -6497,13 +6497,8 @@
             <a:pPr lvl="1"/>
             <a:r>
               <a:rPr lang="de-DE" dirty="0"/>
-              <a:t>Flachdach aus normalen </a:t>
-            </a:r>
-            <a:r>
-              <a:rPr lang="de-DE" dirty="0" err="1"/>
-              <a:t>Steien</a:t>
-            </a:r>
-            <a:endParaRPr lang="de-DE" dirty="0"/>
+              <a:t>Flachdach aus normalen Steinen</a:t>
+            </a:r>
           </a:p>
           <a:p>
             <a:pPr lvl="2"/>
@@ -6526,7 +6521,7 @@
             <a:pPr lvl="1"/>
             <a:r>
               <a:rPr lang="de-DE" dirty="0"/>
-              <a:t>Schwierigkeiten Lego mit Sensoren zu verbinden, dass es stabil bleibt</a:t>
+              <a:t>Schwierigkeiten Lego mit Sensoren zu verbinden, sodass es stabil bleibt</a:t>
             </a:r>
           </a:p>
           <a:p>
@@ -6689,7 +6684,7 @@
             </a:pPr>
             <a:r>
               <a:rPr lang="de-DE" dirty="0"/>
-              <a:t>Seriell werte einlesen und </a:t>
+              <a:t>Seriell Werte einlesen und </a:t>
             </a:r>
             <a:r>
               <a:rPr lang="de-DE" dirty="0" err="1"/>
@@ -6838,7 +6833,7 @@
           <a:p>
             <a:r>
               <a:rPr lang="de-DE" dirty="0"/>
-              <a:t>Funktion um ausgestreckte Finger zu erkenn</a:t>
+              <a:t>Funktion um ausgestreckte Finger zu erkennen</a:t>
             </a:r>
           </a:p>
           <a:p>
@@ -6856,7 +6851,7 @@
               <a:rPr lang="de-DE" dirty="0">
                 <a:sym typeface="Wingdings" panose="05000000000000000000" pitchFamily="2" charset="2"/>
               </a:rPr>
-              <a:t>API</a:t>
+              <a:t> Umsetzung: API</a:t>
             </a:r>
           </a:p>
           <a:p>
@@ -6875,14 +6870,23 @@
               <a:rPr lang="de-DE" dirty="0">
                 <a:sym typeface="Wingdings" panose="05000000000000000000" pitchFamily="2" charset="2"/>
               </a:rPr>
-              <a:t> De-/Aktivieren von Wetter und öffnen/schließen Dachfenster</a:t>
+              <a:t> De-/Aktivieren von Wetter </a:t>
+            </a:r>
+          </a:p>
+          <a:p>
+            <a:pPr lvl="2"/>
+            <a:r>
+              <a:rPr lang="de-DE" dirty="0">
+                <a:sym typeface="Wingdings" panose="05000000000000000000" pitchFamily="2" charset="2"/>
+              </a:rPr>
+              <a:t>Entsprechendes öffnen/schließen des Dachfenster</a:t>
             </a:r>
           </a:p>
           <a:p>
             <a:pPr lvl="1"/>
             <a:r>
               <a:rPr lang="de-DE" dirty="0"/>
-              <a:t>Frameweises Abspeichern und vergleichen der Fingerpositionen</a:t>
+              <a:t>Umsetzung: Frameweises Abspeichern und vergleichen der Fingerpositionen</a:t>
             </a:r>
           </a:p>
         </p:txBody>
@@ -7769,9 +7773,6 @@
           <a:bodyPr/>
           <a:lstStyle/>
           <a:p>
-            <a:endParaRPr lang="de-DE" dirty="0"/>
-          </a:p>
-          <a:p>
             <a:r>
               <a:rPr lang="de-DE" dirty="0"/>
               <a:t>Systembild</a:t>
@@ -8127,10 +8128,9 @@
           <a:lstStyle/>
           <a:p>
             <a:r>
-              <a:rPr lang="de-DE" dirty="0" err="1"/>
-              <a:t>Sytsembild</a:t>
-            </a:r>
-            <a:endParaRPr lang="de-DE" dirty="0"/>
+              <a:rPr lang="de-DE" dirty="0"/>
+              <a:t>Systembild</a:t>
+            </a:r>
           </a:p>
         </p:txBody>
       </p:sp>
@@ -8156,10 +8156,9 @@
           <a:lstStyle/>
           <a:p>
             <a:r>
-              <a:rPr lang="de-DE" dirty="0" err="1"/>
-              <a:t>Systembidl</a:t>
-            </a:r>
-            <a:endParaRPr lang="de-DE" dirty="0"/>
+              <a:rPr lang="de-DE" dirty="0"/>
+              <a:t>Systembild</a:t>
+            </a:r>
           </a:p>
           <a:p>
             <a:pPr lvl="1"/>
@@ -8749,15 +8748,7 @@
             <a:pPr lvl="1"/>
             <a:r>
               <a:rPr lang="de-DE" dirty="0"/>
-              <a:t>Leicht </a:t>
-            </a:r>
-            <a:r>
-              <a:rPr lang="de-DE" dirty="0" err="1"/>
-              <a:t>verbaubar</a:t>
-            </a:r>
-            <a:r>
-              <a:rPr lang="de-DE" dirty="0"/>
-              <a:t> und Änderungen leicht umsetzbar</a:t>
+              <a:t>Leicht zu verbauen und Änderungen leicht umzusetzen</a:t>
             </a:r>
           </a:p>
           <a:p>

--- a/Praesi.pptx
+++ b/Praesi.pptx
@@ -1,6 +1,6 @@
 
 <file path=ppt/presentation.xml><?xml version="1.0" encoding="utf-8"?>
-<p:presentation xmlns:a="http://schemas.openxmlformats.org/drawingml/2006/main" xmlns:r="http://schemas.openxmlformats.org/officeDocument/2006/relationships" xmlns:p="http://schemas.openxmlformats.org/presentationml/2006/main" saveSubsetFonts="1" bookmarkIdSeed="2">
+<p:presentation xmlns:a="http://schemas.openxmlformats.org/drawingml/2006/main" xmlns:r="http://schemas.openxmlformats.org/officeDocument/2006/relationships" xmlns:p="http://schemas.openxmlformats.org/presentationml/2006/main" saveSubsetFonts="1">
   <p:sldMasterIdLst>
     <p:sldMasterId id="2147483677" r:id="rId1"/>
   </p:sldMasterIdLst>
@@ -16,15 +16,16 @@
     <p:sldId id="270" r:id="rId10"/>
     <p:sldId id="271" r:id="rId11"/>
     <p:sldId id="278" r:id="rId12"/>
-    <p:sldId id="265" r:id="rId13"/>
-    <p:sldId id="266" r:id="rId14"/>
-    <p:sldId id="272" r:id="rId15"/>
-    <p:sldId id="273" r:id="rId16"/>
-    <p:sldId id="276" r:id="rId17"/>
-    <p:sldId id="274" r:id="rId18"/>
-    <p:sldId id="275" r:id="rId19"/>
-    <p:sldId id="267" r:id="rId20"/>
-    <p:sldId id="263" r:id="rId21"/>
+    <p:sldId id="279" r:id="rId13"/>
+    <p:sldId id="265" r:id="rId14"/>
+    <p:sldId id="266" r:id="rId15"/>
+    <p:sldId id="272" r:id="rId16"/>
+    <p:sldId id="273" r:id="rId17"/>
+    <p:sldId id="276" r:id="rId18"/>
+    <p:sldId id="274" r:id="rId19"/>
+    <p:sldId id="275" r:id="rId20"/>
+    <p:sldId id="267" r:id="rId21"/>
+    <p:sldId id="263" r:id="rId22"/>
   </p:sldIdLst>
   <p:sldSz cx="12192000" cy="6858000"/>
   <p:notesSz cx="6858000" cy="9144000"/>
@@ -853,7 +854,7 @@
           <a:p>
             <a:fld id="{25603A24-7872-46E1-9181-D252AF9AEB68}" type="datetimeFigureOut">
               <a:rPr lang="de-DE" smtClean="0"/>
-              <a:t>27.01.2019</a:t>
+              <a:t>28.01.2019</a:t>
             </a:fld>
             <a:endParaRPr lang="de-DE"/>
           </a:p>
@@ -1104,7 +1105,7 @@
           <a:p>
             <a:fld id="{25603A24-7872-46E1-9181-D252AF9AEB68}" type="datetimeFigureOut">
               <a:rPr lang="de-DE" smtClean="0"/>
-              <a:t>27.01.2019</a:t>
+              <a:t>28.01.2019</a:t>
             </a:fld>
             <a:endParaRPr lang="de-DE"/>
           </a:p>
@@ -1418,7 +1419,7 @@
           <a:p>
             <a:fld id="{25603A24-7872-46E1-9181-D252AF9AEB68}" type="datetimeFigureOut">
               <a:rPr lang="de-DE" smtClean="0"/>
-              <a:t>27.01.2019</a:t>
+              <a:t>28.01.2019</a:t>
             </a:fld>
             <a:endParaRPr lang="de-DE"/>
           </a:p>
@@ -1759,7 +1760,7 @@
           <a:p>
             <a:fld id="{25603A24-7872-46E1-9181-D252AF9AEB68}" type="datetimeFigureOut">
               <a:rPr lang="de-DE" smtClean="0"/>
-              <a:t>27.01.2019</a:t>
+              <a:t>28.01.2019</a:t>
             </a:fld>
             <a:endParaRPr lang="de-DE"/>
           </a:p>
@@ -2073,7 +2074,7 @@
           <a:p>
             <a:fld id="{25603A24-7872-46E1-9181-D252AF9AEB68}" type="datetimeFigureOut">
               <a:rPr lang="de-DE" smtClean="0"/>
-              <a:t>27.01.2019</a:t>
+              <a:t>28.01.2019</a:t>
             </a:fld>
             <a:endParaRPr lang="de-DE"/>
           </a:p>
@@ -2466,7 +2467,7 @@
           <a:p>
             <a:fld id="{25603A24-7872-46E1-9181-D252AF9AEB68}" type="datetimeFigureOut">
               <a:rPr lang="de-DE" smtClean="0"/>
-              <a:t>27.01.2019</a:t>
+              <a:t>28.01.2019</a:t>
             </a:fld>
             <a:endParaRPr lang="de-DE"/>
           </a:p>
@@ -2636,7 +2637,7 @@
           <a:p>
             <a:fld id="{25603A24-7872-46E1-9181-D252AF9AEB68}" type="datetimeFigureOut">
               <a:rPr lang="de-DE" smtClean="0"/>
-              <a:t>27.01.2019</a:t>
+              <a:t>28.01.2019</a:t>
             </a:fld>
             <a:endParaRPr lang="de-DE"/>
           </a:p>
@@ -2816,7 +2817,7 @@
           <a:p>
             <a:fld id="{25603A24-7872-46E1-9181-D252AF9AEB68}" type="datetimeFigureOut">
               <a:rPr lang="de-DE" smtClean="0"/>
-              <a:t>27.01.2019</a:t>
+              <a:t>28.01.2019</a:t>
             </a:fld>
             <a:endParaRPr lang="de-DE"/>
           </a:p>
@@ -2992,7 +2993,7 @@
           <a:p>
             <a:fld id="{25603A24-7872-46E1-9181-D252AF9AEB68}" type="datetimeFigureOut">
               <a:rPr lang="de-DE" smtClean="0"/>
-              <a:t>27.01.2019</a:t>
+              <a:t>28.01.2019</a:t>
             </a:fld>
             <a:endParaRPr lang="de-DE"/>
           </a:p>
@@ -3239,7 +3240,7 @@
           <a:p>
             <a:fld id="{25603A24-7872-46E1-9181-D252AF9AEB68}" type="datetimeFigureOut">
               <a:rPr lang="de-DE" smtClean="0"/>
-              <a:t>27.01.2019</a:t>
+              <a:t>28.01.2019</a:t>
             </a:fld>
             <a:endParaRPr lang="de-DE"/>
           </a:p>
@@ -3471,7 +3472,7 @@
           <a:p>
             <a:fld id="{25603A24-7872-46E1-9181-D252AF9AEB68}" type="datetimeFigureOut">
               <a:rPr lang="de-DE" smtClean="0"/>
-              <a:t>27.01.2019</a:t>
+              <a:t>28.01.2019</a:t>
             </a:fld>
             <a:endParaRPr lang="de-DE"/>
           </a:p>
@@ -3845,7 +3846,7 @@
           <a:p>
             <a:fld id="{25603A24-7872-46E1-9181-D252AF9AEB68}" type="datetimeFigureOut">
               <a:rPr lang="de-DE" smtClean="0"/>
-              <a:t>27.01.2019</a:t>
+              <a:t>28.01.2019</a:t>
             </a:fld>
             <a:endParaRPr lang="de-DE"/>
           </a:p>
@@ -3968,7 +3969,7 @@
           <a:p>
             <a:fld id="{25603A24-7872-46E1-9181-D252AF9AEB68}" type="datetimeFigureOut">
               <a:rPr lang="de-DE" smtClean="0"/>
-              <a:t>27.01.2019</a:t>
+              <a:t>28.01.2019</a:t>
             </a:fld>
             <a:endParaRPr lang="de-DE"/>
           </a:p>
@@ -4063,7 +4064,7 @@
           <a:p>
             <a:fld id="{25603A24-7872-46E1-9181-D252AF9AEB68}" type="datetimeFigureOut">
               <a:rPr lang="de-DE" smtClean="0"/>
-              <a:t>27.01.2019</a:t>
+              <a:t>28.01.2019</a:t>
             </a:fld>
             <a:endParaRPr lang="de-DE"/>
           </a:p>
@@ -4318,7 +4319,7 @@
           <a:p>
             <a:fld id="{25603A24-7872-46E1-9181-D252AF9AEB68}" type="datetimeFigureOut">
               <a:rPr lang="de-DE" smtClean="0"/>
-              <a:t>27.01.2019</a:t>
+              <a:t>28.01.2019</a:t>
             </a:fld>
             <a:endParaRPr lang="de-DE"/>
           </a:p>
@@ -4581,7 +4582,7 @@
           <a:p>
             <a:fld id="{25603A24-7872-46E1-9181-D252AF9AEB68}" type="datetimeFigureOut">
               <a:rPr lang="de-DE" smtClean="0"/>
-              <a:t>27.01.2019</a:t>
+              <a:t>28.01.2019</a:t>
             </a:fld>
             <a:endParaRPr lang="de-DE"/>
           </a:p>
@@ -5324,7 +5325,7 @@
           <a:p>
             <a:fld id="{25603A24-7872-46E1-9181-D252AF9AEB68}" type="datetimeFigureOut">
               <a:rPr lang="de-DE" smtClean="0"/>
-              <a:t>27.01.2019</a:t>
+              <a:t>28.01.2019</a:t>
             </a:fld>
             <a:endParaRPr lang="de-DE"/>
           </a:p>
@@ -6770,7 +6771,7 @@
           <p:cNvPr id="2" name="Titel 1">
             <a:extLst>
               <a:ext uri="{FF2B5EF4-FFF2-40B4-BE49-F238E27FC236}">
-                <a16:creationId xmlns:a16="http://schemas.microsoft.com/office/drawing/2014/main" id="{254D5AC3-9F6E-41F9-9AB5-E407798DF673}"/>
+                <a16:creationId xmlns:a16="http://schemas.microsoft.com/office/drawing/2014/main" id="{D6A45230-77B6-4BB6-991F-133C536B07C8}"/>
               </a:ext>
             </a:extLst>
           </p:cNvPr>
@@ -6786,115 +6787,75 @@
           <a:bodyPr/>
           <a:lstStyle/>
           <a:p>
-            <a:r>
-              <a:rPr lang="de-DE" dirty="0"/>
-              <a:t>Umsetzung</a:t>
-            </a:r>
-            <a:br>
-              <a:rPr lang="de-DE" dirty="0"/>
-            </a:br>
-            <a:r>
-              <a:rPr lang="de-DE" dirty="0"/>
-              <a:t>Interaktionsmöglichkeiten: </a:t>
-            </a:r>
-            <a:r>
-              <a:rPr lang="de-DE" dirty="0" err="1"/>
-              <a:t>Leap</a:t>
-            </a:r>
-            <a:r>
-              <a:rPr lang="de-DE" dirty="0"/>
-              <a:t> Motion</a:t>
-            </a:r>
-          </a:p>
-        </p:txBody>
-      </p:sp>
-      <p:sp>
-        <p:nvSpPr>
-          <p:cNvPr id="3" name="Inhaltsplatzhalter 2">
+            <a:endParaRPr lang="en-GB"/>
+          </a:p>
+        </p:txBody>
+      </p:sp>
+      <p:pic>
+        <p:nvPicPr>
+          <p:cNvPr id="5" name="Inhaltsplatzhalter 4">
             <a:extLst>
               <a:ext uri="{FF2B5EF4-FFF2-40B4-BE49-F238E27FC236}">
-                <a16:creationId xmlns:a16="http://schemas.microsoft.com/office/drawing/2014/main" id="{5F705D2B-6E4A-4E57-881A-F3DF6B4FC741}"/>
+                <a16:creationId xmlns:a16="http://schemas.microsoft.com/office/drawing/2014/main" id="{323F4088-D5AE-4869-A170-199CAEC91044}"/>
               </a:ext>
             </a:extLst>
           </p:cNvPr>
-          <p:cNvSpPr>
-            <a:spLocks noGrp="1"/>
-          </p:cNvSpPr>
+          <p:cNvPicPr>
+            <a:picLocks noGrp="1" noChangeAspect="1"/>
+          </p:cNvPicPr>
           <p:nvPr>
             <p:ph idx="1"/>
           </p:nvPr>
-        </p:nvSpPr>
-        <p:spPr/>
-        <p:txBody>
-          <a:bodyPr>
-            <a:normAutofit/>
-          </a:bodyPr>
-          <a:lstStyle/>
-          <a:p>
-            <a:r>
-              <a:rPr lang="de-DE" dirty="0"/>
-              <a:t>Funktion um ausgestreckte Finger zu erkennen</a:t>
-            </a:r>
-          </a:p>
-          <a:p>
-            <a:pPr lvl="1"/>
-            <a:r>
-              <a:rPr lang="de-DE" dirty="0">
-                <a:sym typeface="Wingdings" panose="05000000000000000000" pitchFamily="2" charset="2"/>
-              </a:rPr>
-              <a:t> Kamerawechsel</a:t>
-            </a:r>
-          </a:p>
-          <a:p>
-            <a:pPr lvl="1"/>
-            <a:r>
-              <a:rPr lang="de-DE" dirty="0">
-                <a:sym typeface="Wingdings" panose="05000000000000000000" pitchFamily="2" charset="2"/>
-              </a:rPr>
-              <a:t> Umsetzung: API</a:t>
-            </a:r>
-          </a:p>
-          <a:p>
-            <a:pPr lvl="1"/>
-            <a:endParaRPr lang="de-DE" dirty="0"/>
-          </a:p>
-          <a:p>
-            <a:r>
-              <a:rPr lang="de-DE" dirty="0"/>
-              <a:t>Funktion um Regengeste zu erkennen</a:t>
-            </a:r>
-          </a:p>
-          <a:p>
-            <a:pPr lvl="1"/>
-            <a:r>
-              <a:rPr lang="de-DE" dirty="0">
-                <a:sym typeface="Wingdings" panose="05000000000000000000" pitchFamily="2" charset="2"/>
-              </a:rPr>
-              <a:t> De-/Aktivieren von Wetter </a:t>
-            </a:r>
-          </a:p>
-          <a:p>
-            <a:pPr lvl="2"/>
-            <a:r>
-              <a:rPr lang="de-DE" dirty="0">
-                <a:sym typeface="Wingdings" panose="05000000000000000000" pitchFamily="2" charset="2"/>
-              </a:rPr>
-              <a:t>Entsprechendes öffnen/schließen des Dachfenster</a:t>
-            </a:r>
-          </a:p>
-          <a:p>
-            <a:pPr lvl="1"/>
-            <a:r>
-              <a:rPr lang="de-DE" dirty="0"/>
-              <a:t>Umsetzung: Frameweises Abspeichern und vergleichen der Fingerpositionen</a:t>
-            </a:r>
-          </a:p>
-        </p:txBody>
-      </p:sp>
+        </p:nvPicPr>
+        <p:blipFill>
+          <a:blip r:embed="rId2"/>
+          <a:stretch>
+            <a:fillRect/>
+          </a:stretch>
+        </p:blipFill>
+        <p:spPr>
+          <a:xfrm>
+            <a:off x="5807652" y="941059"/>
+            <a:ext cx="6833238" cy="5100303"/>
+          </a:xfrm>
+          <a:prstGeom prst="rect">
+            <a:avLst/>
+          </a:prstGeom>
+        </p:spPr>
+      </p:pic>
+      <p:pic>
+        <p:nvPicPr>
+          <p:cNvPr id="4" name="Grafik 3">
+            <a:extLst>
+              <a:ext uri="{FF2B5EF4-FFF2-40B4-BE49-F238E27FC236}">
+                <a16:creationId xmlns:a16="http://schemas.microsoft.com/office/drawing/2014/main" id="{B297E6B4-232A-4F50-980B-6538BB360DDB}"/>
+              </a:ext>
+            </a:extLst>
+          </p:cNvPr>
+          <p:cNvPicPr>
+            <a:picLocks noChangeAspect="1"/>
+          </p:cNvPicPr>
+          <p:nvPr/>
+        </p:nvPicPr>
+        <p:blipFill rotWithShape="1">
+          <a:blip r:embed="rId3"/>
+          <a:srcRect l="69606" t="18813" b="21461"/>
+          <a:stretch/>
+        </p:blipFill>
+        <p:spPr>
+          <a:xfrm>
+            <a:off x="945498" y="941059"/>
+            <a:ext cx="4614187" cy="5100303"/>
+          </a:xfrm>
+          <a:prstGeom prst="rect">
+            <a:avLst/>
+          </a:prstGeom>
+        </p:spPr>
+      </p:pic>
     </p:spTree>
     <p:extLst>
       <p:ext uri="{BB962C8B-B14F-4D97-AF65-F5344CB8AC3E}">
-        <p14:creationId xmlns:p14="http://schemas.microsoft.com/office/powerpoint/2010/main" val="426068748"/>
+        <p14:creationId xmlns:p14="http://schemas.microsoft.com/office/powerpoint/2010/main" val="2593059137"/>
       </p:ext>
     </p:extLst>
   </p:cSld>
@@ -6926,7 +6887,7 @@
           <p:cNvPr id="2" name="Titel 1">
             <a:extLst>
               <a:ext uri="{FF2B5EF4-FFF2-40B4-BE49-F238E27FC236}">
-                <a16:creationId xmlns:a16="http://schemas.microsoft.com/office/drawing/2014/main" id="{943F238A-4A0E-4A96-8AB8-EB98ADB5515D}"/>
+                <a16:creationId xmlns:a16="http://schemas.microsoft.com/office/drawing/2014/main" id="{254D5AC3-9F6E-41F9-9AB5-E407798DF673}"/>
               </a:ext>
             </a:extLst>
           </p:cNvPr>
@@ -6939,6 +6900,49 @@
         </p:nvSpPr>
         <p:spPr/>
         <p:txBody>
+          <a:bodyPr/>
+          <a:lstStyle/>
+          <a:p>
+            <a:r>
+              <a:rPr lang="de-DE" dirty="0"/>
+              <a:t>Umsetzung</a:t>
+            </a:r>
+            <a:br>
+              <a:rPr lang="de-DE" dirty="0"/>
+            </a:br>
+            <a:r>
+              <a:rPr lang="de-DE" dirty="0"/>
+              <a:t>Interaktionsmöglichkeiten: </a:t>
+            </a:r>
+            <a:r>
+              <a:rPr lang="de-DE" dirty="0" err="1"/>
+              <a:t>Leap</a:t>
+            </a:r>
+            <a:r>
+              <a:rPr lang="de-DE" dirty="0"/>
+              <a:t> Motion</a:t>
+            </a:r>
+          </a:p>
+        </p:txBody>
+      </p:sp>
+      <p:sp>
+        <p:nvSpPr>
+          <p:cNvPr id="3" name="Inhaltsplatzhalter 2">
+            <a:extLst>
+              <a:ext uri="{FF2B5EF4-FFF2-40B4-BE49-F238E27FC236}">
+                <a16:creationId xmlns:a16="http://schemas.microsoft.com/office/drawing/2014/main" id="{5F705D2B-6E4A-4E57-881A-F3DF6B4FC741}"/>
+              </a:ext>
+            </a:extLst>
+          </p:cNvPr>
+          <p:cNvSpPr>
+            <a:spLocks noGrp="1"/>
+          </p:cNvSpPr>
+          <p:nvPr>
+            <p:ph idx="1"/>
+          </p:nvPr>
+        </p:nvSpPr>
+        <p:spPr/>
+        <p:txBody>
           <a:bodyPr>
             <a:normAutofit/>
           </a:bodyPr>
@@ -6946,75 +6950,60 @@
           <a:p>
             <a:r>
               <a:rPr lang="de-DE" dirty="0"/>
-              <a:t>Umsetzung</a:t>
-            </a:r>
-            <a:br>
-              <a:rPr lang="de-DE" dirty="0"/>
-            </a:br>
-            <a:r>
-              <a:rPr lang="de-DE" dirty="0"/>
-              <a:t>3D </a:t>
-            </a:r>
-            <a:r>
-              <a:rPr lang="de-DE" sz="4000" dirty="0"/>
-              <a:t>Haus</a:t>
-            </a:r>
-            <a:r>
-              <a:rPr lang="de-DE" dirty="0"/>
-              <a:t> in Cinema4D erstellt</a:t>
-            </a:r>
-          </a:p>
-        </p:txBody>
-      </p:sp>
-      <p:sp>
-        <p:nvSpPr>
-          <p:cNvPr id="3" name="Inhaltsplatzhalter 2">
-            <a:extLst>
-              <a:ext uri="{FF2B5EF4-FFF2-40B4-BE49-F238E27FC236}">
-                <a16:creationId xmlns:a16="http://schemas.microsoft.com/office/drawing/2014/main" id="{A23C6B82-F30D-404E-A1E8-920454461046}"/>
-              </a:ext>
-            </a:extLst>
-          </p:cNvPr>
-          <p:cNvSpPr>
-            <a:spLocks noGrp="1"/>
-          </p:cNvSpPr>
-          <p:nvPr>
-            <p:ph idx="1"/>
-          </p:nvPr>
-        </p:nvSpPr>
-        <p:spPr/>
-        <p:txBody>
-          <a:bodyPr/>
-          <a:lstStyle/>
-          <a:p>
-            <a:r>
-              <a:rPr lang="de-DE" dirty="0"/>
-              <a:t>2x4 und 2x2 Blöcke erstellt</a:t>
+              <a:t>Funktion um ausgestreckte Finger zu erkennen</a:t>
             </a:r>
           </a:p>
           <a:p>
             <a:pPr lvl="1"/>
             <a:r>
-              <a:rPr lang="de-DE" dirty="0"/>
-              <a:t>Daraus das Haus nachgebaut</a:t>
-            </a:r>
-          </a:p>
-          <a:p>
-            <a:r>
-              <a:rPr lang="de-DE" dirty="0"/>
-              <a:t>Alle Anderen Bausteine auch nachgebaut und eigesetzt</a:t>
-            </a:r>
-          </a:p>
-          <a:p>
-            <a:r>
-              <a:rPr lang="de-DE" dirty="0"/>
-              <a:t>Texturieren</a:t>
-            </a:r>
-          </a:p>
-          <a:p>
-            <a:r>
-              <a:rPr lang="de-DE" dirty="0"/>
-              <a:t>Exportieren</a:t>
+              <a:rPr lang="de-DE" dirty="0">
+                <a:sym typeface="Wingdings" panose="05000000000000000000" pitchFamily="2" charset="2"/>
+              </a:rPr>
+              <a:t> Kamerawechsel</a:t>
+            </a:r>
+          </a:p>
+          <a:p>
+            <a:pPr lvl="1"/>
+            <a:r>
+              <a:rPr lang="de-DE" dirty="0">
+                <a:sym typeface="Wingdings" panose="05000000000000000000" pitchFamily="2" charset="2"/>
+              </a:rPr>
+              <a:t> Umsetzung: API</a:t>
+            </a:r>
+          </a:p>
+          <a:p>
+            <a:pPr lvl="1"/>
+            <a:endParaRPr lang="de-DE" dirty="0"/>
+          </a:p>
+          <a:p>
+            <a:r>
+              <a:rPr lang="de-DE" dirty="0"/>
+              <a:t>Funktion um Regengeste zu erkennen</a:t>
+            </a:r>
+          </a:p>
+          <a:p>
+            <a:pPr lvl="1"/>
+            <a:r>
+              <a:rPr lang="de-DE" dirty="0">
+                <a:sym typeface="Wingdings" panose="05000000000000000000" pitchFamily="2" charset="2"/>
+              </a:rPr>
+              <a:t> De-/Aktivieren von Wetter </a:t>
+            </a:r>
+          </a:p>
+          <a:p>
+            <a:pPr lvl="2"/>
+            <a:r>
+              <a:rPr lang="de-DE" dirty="0">
+                <a:sym typeface="Wingdings" panose="05000000000000000000" pitchFamily="2" charset="2"/>
+              </a:rPr>
+              <a:t>Entsprechendes öffnen/schließen des Dachfenster</a:t>
+            </a:r>
+          </a:p>
+          <a:p>
+            <a:pPr lvl="1"/>
+            <a:r>
+              <a:rPr lang="de-DE" dirty="0"/>
+              <a:t>Umsetzung: Frameweises Abspeichern und vergleichen der Fingerpositionen</a:t>
             </a:r>
           </a:p>
         </p:txBody>
@@ -7022,7 +7011,7 @@
     </p:spTree>
     <p:extLst>
       <p:ext uri="{BB962C8B-B14F-4D97-AF65-F5344CB8AC3E}">
-        <p14:creationId xmlns:p14="http://schemas.microsoft.com/office/powerpoint/2010/main" val="2135014794"/>
+        <p14:creationId xmlns:p14="http://schemas.microsoft.com/office/powerpoint/2010/main" val="426068748"/>
       </p:ext>
     </p:extLst>
   </p:cSld>
@@ -7054,7 +7043,7 @@
           <p:cNvPr id="2" name="Titel 1">
             <a:extLst>
               <a:ext uri="{FF2B5EF4-FFF2-40B4-BE49-F238E27FC236}">
-                <a16:creationId xmlns:a16="http://schemas.microsoft.com/office/drawing/2014/main" id="{2FB7E98D-DA34-4FCB-B0AB-32438FCB2E25}"/>
+                <a16:creationId xmlns:a16="http://schemas.microsoft.com/office/drawing/2014/main" id="{943F238A-4A0E-4A96-8AB8-EB98ADB5515D}"/>
               </a:ext>
             </a:extLst>
           </p:cNvPr>
@@ -7068,7 +7057,7 @@
         <p:spPr/>
         <p:txBody>
           <a:bodyPr>
-            <a:noAutofit/>
+            <a:normAutofit/>
           </a:bodyPr>
           <a:lstStyle/>
           <a:p>
@@ -7081,7 +7070,15 @@
             </a:br>
             <a:r>
               <a:rPr lang="de-DE" dirty="0"/>
-              <a:t>3D Haus in Unity eingefügt</a:t>
+              <a:t>3D </a:t>
+            </a:r>
+            <a:r>
+              <a:rPr lang="de-DE" sz="4000" dirty="0"/>
+              <a:t>Haus</a:t>
+            </a:r>
+            <a:r>
+              <a:rPr lang="de-DE" dirty="0"/>
+              <a:t> in Cinema4D erstellt</a:t>
             </a:r>
           </a:p>
         </p:txBody>
@@ -7091,7 +7088,7 @@
           <p:cNvPr id="3" name="Inhaltsplatzhalter 2">
             <a:extLst>
               <a:ext uri="{FF2B5EF4-FFF2-40B4-BE49-F238E27FC236}">
-                <a16:creationId xmlns:a16="http://schemas.microsoft.com/office/drawing/2014/main" id="{D96E08AB-7329-4C5D-9E92-CA963E5BEDC8}"/>
+                <a16:creationId xmlns:a16="http://schemas.microsoft.com/office/drawing/2014/main" id="{A23C6B82-F30D-404E-A1E8-920454461046}"/>
               </a:ext>
             </a:extLst>
           </p:cNvPr>
@@ -7109,78 +7106,40 @@
           <a:p>
             <a:r>
               <a:rPr lang="de-DE" dirty="0"/>
-              <a:t>Import vom Haus im FBX-Dateiformat</a:t>
-            </a:r>
-          </a:p>
-          <a:p>
-            <a:r>
-              <a:rPr lang="de-DE" dirty="0"/>
-              <a:t>Auswirkungen auf das Haus</a:t>
+              <a:t>2x4 und 2x2 Blöcke erstellt</a:t>
             </a:r>
           </a:p>
           <a:p>
             <a:pPr lvl="1"/>
             <a:r>
               <a:rPr lang="de-DE" dirty="0"/>
-              <a:t>Verändern des Wetters</a:t>
-            </a:r>
-          </a:p>
-          <a:p>
-            <a:pPr lvl="2"/>
-            <a:r>
-              <a:rPr lang="de-DE" dirty="0" err="1"/>
-              <a:t>Particle</a:t>
-            </a:r>
-            <a:r>
-              <a:rPr lang="de-DE" dirty="0"/>
-              <a:t>-System</a:t>
-            </a:r>
-          </a:p>
-          <a:p>
-            <a:pPr lvl="2"/>
-            <a:r>
-              <a:rPr lang="de-DE" dirty="0"/>
-              <a:t>Photoshop: Grafiken für Wolken, Nebel und Regentropfen</a:t>
-            </a:r>
-          </a:p>
-          <a:p>
-            <a:pPr lvl="1"/>
-            <a:r>
-              <a:rPr lang="de-DE" dirty="0"/>
-              <a:t>Fallender Magnet aus dem Schornstein</a:t>
-            </a:r>
-          </a:p>
-          <a:p>
-            <a:pPr lvl="1"/>
-            <a:r>
-              <a:rPr lang="de-DE" dirty="0"/>
-              <a:t>Veränderndes Licht / Ton</a:t>
-            </a:r>
-          </a:p>
-          <a:p>
-            <a:pPr lvl="1"/>
-            <a:r>
-              <a:rPr lang="de-DE" dirty="0"/>
-              <a:t>Öffnen von Türen</a:t>
-            </a:r>
-          </a:p>
-          <a:p>
-            <a:pPr lvl="1"/>
-            <a:r>
-              <a:rPr lang="de-DE" dirty="0"/>
-              <a:t>Reagieren auf veränderte Lage im Raum</a:t>
-            </a:r>
-          </a:p>
-          <a:p>
-            <a:pPr lvl="1"/>
-            <a:endParaRPr lang="de-DE" dirty="0"/>
+              <a:t>Daraus das Haus nachgebaut</a:t>
+            </a:r>
+          </a:p>
+          <a:p>
+            <a:r>
+              <a:rPr lang="de-DE" dirty="0"/>
+              <a:t>Alle Anderen Bausteine auch nachgebaut und eigesetzt</a:t>
+            </a:r>
+          </a:p>
+          <a:p>
+            <a:r>
+              <a:rPr lang="de-DE" dirty="0"/>
+              <a:t>Texturieren</a:t>
+            </a:r>
+          </a:p>
+          <a:p>
+            <a:r>
+              <a:rPr lang="de-DE" dirty="0"/>
+              <a:t>Exportieren</a:t>
+            </a:r>
           </a:p>
         </p:txBody>
       </p:sp>
     </p:spTree>
     <p:extLst>
       <p:ext uri="{BB962C8B-B14F-4D97-AF65-F5344CB8AC3E}">
-        <p14:creationId xmlns:p14="http://schemas.microsoft.com/office/powerpoint/2010/main" val="3794529219"/>
+        <p14:creationId xmlns:p14="http://schemas.microsoft.com/office/powerpoint/2010/main" val="2135014794"/>
       </p:ext>
     </p:extLst>
   </p:cSld>
@@ -7212,7 +7171,7 @@
           <p:cNvPr id="2" name="Titel 1">
             <a:extLst>
               <a:ext uri="{FF2B5EF4-FFF2-40B4-BE49-F238E27FC236}">
-                <a16:creationId xmlns:a16="http://schemas.microsoft.com/office/drawing/2014/main" id="{53144B2F-0948-41F3-B1CC-5FD9C6216023}"/>
+                <a16:creationId xmlns:a16="http://schemas.microsoft.com/office/drawing/2014/main" id="{2FB7E98D-DA34-4FCB-B0AB-32438FCB2E25}"/>
               </a:ext>
             </a:extLst>
           </p:cNvPr>
@@ -7226,7 +7185,7 @@
         <p:spPr/>
         <p:txBody>
           <a:bodyPr>
-            <a:normAutofit fontScale="90000"/>
+            <a:noAutofit/>
           </a:bodyPr>
           <a:lstStyle/>
           <a:p>
@@ -7239,15 +7198,7 @@
             </a:br>
             <a:r>
               <a:rPr lang="de-DE" dirty="0"/>
-              <a:t>Interaktionen zwischen </a:t>
-            </a:r>
-            <a:r>
-              <a:rPr lang="de-DE" dirty="0" err="1"/>
-              <a:t>Leap</a:t>
-            </a:r>
-            <a:r>
-              <a:rPr lang="de-DE" dirty="0"/>
-              <a:t> Motion, Unity und Arduino eingerichtet</a:t>
+              <a:t>3D Haus in Unity eingefügt</a:t>
             </a:r>
           </a:p>
         </p:txBody>
@@ -7257,7 +7208,7 @@
           <p:cNvPr id="3" name="Inhaltsplatzhalter 2">
             <a:extLst>
               <a:ext uri="{FF2B5EF4-FFF2-40B4-BE49-F238E27FC236}">
-                <a16:creationId xmlns:a16="http://schemas.microsoft.com/office/drawing/2014/main" id="{14B5D6A3-5DED-4DA6-8996-F106D638FAC0}"/>
+                <a16:creationId xmlns:a16="http://schemas.microsoft.com/office/drawing/2014/main" id="{D96E08AB-7329-4C5D-9E92-CA963E5BEDC8}"/>
               </a:ext>
             </a:extLst>
           </p:cNvPr>
@@ -7274,87 +7225,71 @@
           <a:lstStyle/>
           <a:p>
             <a:r>
+              <a:rPr lang="de-DE" dirty="0"/>
+              <a:t>Import vom Haus im FBX-Dateiformat</a:t>
+            </a:r>
+          </a:p>
+          <a:p>
+            <a:r>
+              <a:rPr lang="de-DE" dirty="0"/>
+              <a:t>Auswirkungen auf das Haus</a:t>
+            </a:r>
+          </a:p>
+          <a:p>
+            <a:pPr lvl="1"/>
+            <a:r>
+              <a:rPr lang="de-DE" dirty="0"/>
+              <a:t>Verändern des Wetters</a:t>
+            </a:r>
+          </a:p>
+          <a:p>
+            <a:pPr lvl="2"/>
+            <a:r>
               <a:rPr lang="de-DE" dirty="0" err="1"/>
-              <a:t>Leap</a:t>
-            </a:r>
-            <a:r>
-              <a:rPr lang="de-DE" dirty="0"/>
-              <a:t> Motion und Arduino kommunizieren mit/über Unity</a:t>
-            </a:r>
-          </a:p>
-          <a:p>
-            <a:pPr marL="800100" lvl="1" indent="-342900">
-              <a:buFont typeface="+mj-lt"/>
-              <a:buAutoNum type="arabicPeriod"/>
-            </a:pPr>
-            <a:r>
-              <a:rPr lang="de-DE" dirty="0" err="1"/>
-              <a:t>Leap</a:t>
-            </a:r>
-            <a:r>
-              <a:rPr lang="de-DE" dirty="0"/>
-              <a:t>/Arduino schicken ihre Werte zu Unity</a:t>
-            </a:r>
-          </a:p>
-          <a:p>
-            <a:pPr marL="800100" lvl="1" indent="-342900">
-              <a:buFont typeface="+mj-lt"/>
-              <a:buAutoNum type="arabicPeriod"/>
-            </a:pPr>
-            <a:r>
-              <a:rPr lang="de-DE" dirty="0"/>
-              <a:t>In Unity werden Gesten/Sensordaten verarbeitet</a:t>
-            </a:r>
-          </a:p>
-          <a:p>
-            <a:pPr marL="800100" lvl="1" indent="-342900">
-              <a:buFont typeface="+mj-lt"/>
-              <a:buAutoNum type="arabicPeriod"/>
-            </a:pPr>
-            <a:r>
-              <a:rPr lang="de-DE" dirty="0"/>
-              <a:t>Ursache und Wirkung werden logisch miteinander verbunden</a:t>
-            </a:r>
-          </a:p>
-          <a:p>
-            <a:pPr lvl="2" indent="-285750"/>
-            <a:r>
-              <a:rPr lang="de-DE" dirty="0"/>
-              <a:t>Beispiel:</a:t>
-            </a:r>
-          </a:p>
-          <a:p>
-            <a:pPr lvl="3" indent="-285750"/>
-            <a:r>
-              <a:rPr lang="de-DE" dirty="0"/>
-              <a:t>Regengeste </a:t>
-            </a:r>
-            <a:r>
-              <a:rPr lang="de-DE" dirty="0" err="1"/>
-              <a:t>Leap</a:t>
-            </a:r>
-            <a:r>
-              <a:rPr lang="de-DE" dirty="0"/>
-              <a:t> Motion</a:t>
-            </a:r>
-          </a:p>
-          <a:p>
-            <a:pPr lvl="3" indent="-285750"/>
-            <a:r>
-              <a:rPr lang="de-DE" dirty="0">
-                <a:sym typeface="Wingdings" panose="05000000000000000000" pitchFamily="2" charset="2"/>
-              </a:rPr>
-              <a:t>In Unity erkannt</a:t>
-            </a:r>
-          </a:p>
-          <a:p>
-            <a:pPr lvl="3" indent="-285750"/>
-            <a:r>
-              <a:rPr lang="de-DE" dirty="0">
-                <a:sym typeface="Wingdings" panose="05000000000000000000" pitchFamily="2" charset="2"/>
-              </a:rPr>
-              <a:t>In Unity fängt es an zu regnen und am Modell schließt sich das Dachfenster </a:t>
-            </a:r>
+              <a:t>Particle</a:t>
+            </a:r>
+            <a:r>
+              <a:rPr lang="de-DE" dirty="0"/>
+              <a:t>-System</a:t>
+            </a:r>
+          </a:p>
+          <a:p>
+            <a:pPr lvl="2"/>
+            <a:r>
+              <a:rPr lang="de-DE" dirty="0"/>
+              <a:t>Photoshop: Grafiken für Wolken, Nebel und Regentropfen</a:t>
+            </a:r>
+          </a:p>
+          <a:p>
+            <a:pPr lvl="1"/>
+            <a:r>
+              <a:rPr lang="de-DE" dirty="0"/>
+              <a:t>Fallender Magnet aus dem Schornstein</a:t>
+            </a:r>
+          </a:p>
+          <a:p>
+            <a:pPr lvl="1"/>
+            <a:r>
+              <a:rPr lang="de-DE" dirty="0"/>
+              <a:t>Veränderndes Licht / Ton</a:t>
+            </a:r>
+          </a:p>
+          <a:p>
+            <a:pPr lvl="1"/>
+            <a:r>
+              <a:rPr lang="de-DE" dirty="0"/>
+              <a:t>Öffnen von Türen</a:t>
+            </a:r>
+          </a:p>
+          <a:p>
+            <a:pPr lvl="1"/>
+            <a:r>
+              <a:rPr lang="de-DE" dirty="0"/>
+              <a:t>Reagieren auf veränderte Lage im Raum</a:t>
+            </a:r>
+          </a:p>
+          <a:p>
+            <a:pPr lvl="1"/>
             <a:endParaRPr lang="de-DE" dirty="0"/>
           </a:p>
         </p:txBody>
@@ -7362,7 +7297,7 @@
     </p:spTree>
     <p:extLst>
       <p:ext uri="{BB962C8B-B14F-4D97-AF65-F5344CB8AC3E}">
-        <p14:creationId xmlns:p14="http://schemas.microsoft.com/office/powerpoint/2010/main" val="1259031583"/>
+        <p14:creationId xmlns:p14="http://schemas.microsoft.com/office/powerpoint/2010/main" val="3794529219"/>
       </p:ext>
     </p:extLst>
   </p:cSld>
@@ -7394,7 +7329,7 @@
           <p:cNvPr id="2" name="Titel 1">
             <a:extLst>
               <a:ext uri="{FF2B5EF4-FFF2-40B4-BE49-F238E27FC236}">
-                <a16:creationId xmlns:a16="http://schemas.microsoft.com/office/drawing/2014/main" id="{2AFE4D76-4DD3-4272-BDCD-31D3E4129964}"/>
+                <a16:creationId xmlns:a16="http://schemas.microsoft.com/office/drawing/2014/main" id="{53144B2F-0948-41F3-B1CC-5FD9C6216023}"/>
               </a:ext>
             </a:extLst>
           </p:cNvPr>
@@ -7407,12 +7342,29 @@
         </p:nvSpPr>
         <p:spPr/>
         <p:txBody>
-          <a:bodyPr/>
-          <a:lstStyle/>
-          <a:p>
-            <a:r>
-              <a:rPr lang="de-DE" dirty="0"/>
-              <a:t>Praxisvorführung ??? Oder erst beim Rundlauf?</a:t>
+          <a:bodyPr>
+            <a:normAutofit fontScale="90000"/>
+          </a:bodyPr>
+          <a:lstStyle/>
+          <a:p>
+            <a:r>
+              <a:rPr lang="de-DE" dirty="0"/>
+              <a:t>Umsetzung</a:t>
+            </a:r>
+            <a:br>
+              <a:rPr lang="de-DE" dirty="0"/>
+            </a:br>
+            <a:r>
+              <a:rPr lang="de-DE" dirty="0"/>
+              <a:t>Interaktionen zwischen </a:t>
+            </a:r>
+            <a:r>
+              <a:rPr lang="de-DE" dirty="0" err="1"/>
+              <a:t>Leap</a:t>
+            </a:r>
+            <a:r>
+              <a:rPr lang="de-DE" dirty="0"/>
+              <a:t> Motion, Unity und Arduino eingerichtet</a:t>
             </a:r>
           </a:p>
         </p:txBody>
@@ -7422,7 +7374,7 @@
           <p:cNvPr id="3" name="Inhaltsplatzhalter 2">
             <a:extLst>
               <a:ext uri="{FF2B5EF4-FFF2-40B4-BE49-F238E27FC236}">
-                <a16:creationId xmlns:a16="http://schemas.microsoft.com/office/drawing/2014/main" id="{365DB64B-18CB-4F2D-932B-930D4A60B2C7}"/>
+                <a16:creationId xmlns:a16="http://schemas.microsoft.com/office/drawing/2014/main" id="{14B5D6A3-5DED-4DA6-8996-F106D638FAC0}"/>
               </a:ext>
             </a:extLst>
           </p:cNvPr>
@@ -7439,22 +7391,95 @@
           <a:lstStyle/>
           <a:p>
             <a:r>
-              <a:rPr lang="de-DE" dirty="0"/>
-              <a:t>Falls genug Zeit noch ist: während der Präsi</a:t>
-            </a:r>
-          </a:p>
-          <a:p>
-            <a:r>
-              <a:rPr lang="de-DE" dirty="0"/>
-              <a:t>Falls nicht: Im Rundlauf </a:t>
-            </a:r>
+              <a:rPr lang="de-DE" dirty="0" err="1"/>
+              <a:t>Leap</a:t>
+            </a:r>
+            <a:r>
+              <a:rPr lang="de-DE" dirty="0"/>
+              <a:t> Motion und Arduino kommunizieren mit/über Unity</a:t>
+            </a:r>
+          </a:p>
+          <a:p>
+            <a:pPr marL="800100" lvl="1" indent="-342900">
+              <a:buFont typeface="+mj-lt"/>
+              <a:buAutoNum type="arabicPeriod"/>
+            </a:pPr>
+            <a:r>
+              <a:rPr lang="de-DE" dirty="0" err="1"/>
+              <a:t>Leap</a:t>
+            </a:r>
+            <a:r>
+              <a:rPr lang="de-DE" dirty="0"/>
+              <a:t>/Arduino schicken ihre Werte zu Unity</a:t>
+            </a:r>
+          </a:p>
+          <a:p>
+            <a:pPr marL="800100" lvl="1" indent="-342900">
+              <a:buFont typeface="+mj-lt"/>
+              <a:buAutoNum type="arabicPeriod"/>
+            </a:pPr>
+            <a:r>
+              <a:rPr lang="de-DE" dirty="0"/>
+              <a:t>In Unity werden Gesten/Sensordaten verarbeitet</a:t>
+            </a:r>
+          </a:p>
+          <a:p>
+            <a:pPr marL="800100" lvl="1" indent="-342900">
+              <a:buFont typeface="+mj-lt"/>
+              <a:buAutoNum type="arabicPeriod"/>
+            </a:pPr>
+            <a:r>
+              <a:rPr lang="de-DE" dirty="0"/>
+              <a:t>Ursache und Wirkung werden logisch miteinander verbunden</a:t>
+            </a:r>
+          </a:p>
+          <a:p>
+            <a:pPr lvl="2" indent="-285750"/>
+            <a:r>
+              <a:rPr lang="de-DE" dirty="0"/>
+              <a:t>Beispiel:</a:t>
+            </a:r>
+          </a:p>
+          <a:p>
+            <a:pPr lvl="3" indent="-285750"/>
+            <a:r>
+              <a:rPr lang="de-DE" dirty="0"/>
+              <a:t>Regengeste </a:t>
+            </a:r>
+            <a:r>
+              <a:rPr lang="de-DE" dirty="0" err="1"/>
+              <a:t>Leap</a:t>
+            </a:r>
+            <a:r>
+              <a:rPr lang="de-DE" dirty="0"/>
+              <a:t> Motion</a:t>
+            </a:r>
+          </a:p>
+          <a:p>
+            <a:pPr lvl="3" indent="-285750"/>
+            <a:r>
+              <a:rPr lang="de-DE" dirty="0">
+                <a:sym typeface="Wingdings" panose="05000000000000000000" pitchFamily="2" charset="2"/>
+              </a:rPr>
+              <a:t>In Unity erkannt</a:t>
+            </a:r>
+          </a:p>
+          <a:p>
+            <a:pPr lvl="3" indent="-285750"/>
+            <a:r>
+              <a:rPr lang="de-DE" dirty="0">
+                <a:sym typeface="Wingdings" panose="05000000000000000000" pitchFamily="2" charset="2"/>
+              </a:rPr>
+              <a:t>In Unity fängt es an zu regnen und am Modell schließt sich das Dachfenster </a:t>
+            </a:r>
+            <a:endParaRPr lang="de-DE" dirty="0"/>
           </a:p>
         </p:txBody>
       </p:sp>
     </p:spTree>
     <p:extLst>
       <p:ext uri="{BB962C8B-B14F-4D97-AF65-F5344CB8AC3E}">
-        <p14:creationId xmlns:p14="http://schemas.microsoft.com/office/powerpoint/2010/main" val="2356678492"/>
+        <p14:creationId xmlns:p14="http://schemas.microsoft.com/office/powerpoint/2010/main" val="1259031583"/>
       </p:ext>
     </p:extLst>
   </p:cSld>
@@ -7486,7 +7511,7 @@
           <p:cNvPr id="2" name="Titel 1">
             <a:extLst>
               <a:ext uri="{FF2B5EF4-FFF2-40B4-BE49-F238E27FC236}">
-                <a16:creationId xmlns:a16="http://schemas.microsoft.com/office/drawing/2014/main" id="{94B370DC-0DBD-460C-A9A5-7F90F29FCBA1}"/>
+                <a16:creationId xmlns:a16="http://schemas.microsoft.com/office/drawing/2014/main" id="{2AFE4D76-4DD3-4272-BDCD-31D3E4129964}"/>
               </a:ext>
             </a:extLst>
           </p:cNvPr>
@@ -7504,7 +7529,7 @@
           <a:p>
             <a:r>
               <a:rPr lang="de-DE" dirty="0"/>
-              <a:t>Danke für eure Aufmerksamkeit</a:t>
+              <a:t>Praxisvorführung ??? Oder erst beim Rundlauf?</a:t>
             </a:r>
           </a:p>
         </p:txBody>
@@ -7514,7 +7539,7 @@
           <p:cNvPr id="3" name="Inhaltsplatzhalter 2">
             <a:extLst>
               <a:ext uri="{FF2B5EF4-FFF2-40B4-BE49-F238E27FC236}">
-                <a16:creationId xmlns:a16="http://schemas.microsoft.com/office/drawing/2014/main" id="{F3FF5607-2F68-4952-A817-60231D1E70C0}"/>
+                <a16:creationId xmlns:a16="http://schemas.microsoft.com/office/drawing/2014/main" id="{365DB64B-18CB-4F2D-932B-930D4A60B2C7}"/>
               </a:ext>
             </a:extLst>
           </p:cNvPr>
@@ -7530,14 +7555,23 @@
           <a:bodyPr/>
           <a:lstStyle/>
           <a:p>
-            <a:endParaRPr lang="de-DE"/>
+            <a:r>
+              <a:rPr lang="de-DE" dirty="0"/>
+              <a:t>Falls genug Zeit noch ist: während der Präsi</a:t>
+            </a:r>
+          </a:p>
+          <a:p>
+            <a:r>
+              <a:rPr lang="de-DE" dirty="0"/>
+              <a:t>Falls nicht: Im Rundlauf </a:t>
+            </a:r>
           </a:p>
         </p:txBody>
       </p:sp>
     </p:spTree>
     <p:extLst>
       <p:ext uri="{BB962C8B-B14F-4D97-AF65-F5344CB8AC3E}">
-        <p14:creationId xmlns:p14="http://schemas.microsoft.com/office/powerpoint/2010/main" val="3540254874"/>
+        <p14:creationId xmlns:p14="http://schemas.microsoft.com/office/powerpoint/2010/main" val="2356678492"/>
       </p:ext>
     </p:extLst>
   </p:cSld>
@@ -7569,7 +7603,7 @@
           <p:cNvPr id="2" name="Titel 1">
             <a:extLst>
               <a:ext uri="{FF2B5EF4-FFF2-40B4-BE49-F238E27FC236}">
-                <a16:creationId xmlns:a16="http://schemas.microsoft.com/office/drawing/2014/main" id="{05230602-F9F3-435F-931E-B19268151D0E}"/>
+                <a16:creationId xmlns:a16="http://schemas.microsoft.com/office/drawing/2014/main" id="{94B370DC-0DBD-460C-A9A5-7F90F29FCBA1}"/>
               </a:ext>
             </a:extLst>
           </p:cNvPr>
@@ -7585,7 +7619,10 @@
           <a:bodyPr/>
           <a:lstStyle/>
           <a:p>
-            <a:endParaRPr lang="de-DE"/>
+            <a:r>
+              <a:rPr lang="de-DE" dirty="0"/>
+              <a:t>Danke für eure Aufmerksamkeit</a:t>
+            </a:r>
           </a:p>
         </p:txBody>
       </p:sp>
@@ -7594,7 +7631,7 @@
           <p:cNvPr id="3" name="Inhaltsplatzhalter 2">
             <a:extLst>
               <a:ext uri="{FF2B5EF4-FFF2-40B4-BE49-F238E27FC236}">
-                <a16:creationId xmlns:a16="http://schemas.microsoft.com/office/drawing/2014/main" id="{D0172BEE-0B58-4F2D-9324-1B26BFE41ACA}"/>
+                <a16:creationId xmlns:a16="http://schemas.microsoft.com/office/drawing/2014/main" id="{F3FF5607-2F68-4952-A817-60231D1E70C0}"/>
               </a:ext>
             </a:extLst>
           </p:cNvPr>
@@ -7617,7 +7654,7 @@
     </p:spTree>
     <p:extLst>
       <p:ext uri="{BB962C8B-B14F-4D97-AF65-F5344CB8AC3E}">
-        <p14:creationId xmlns:p14="http://schemas.microsoft.com/office/powerpoint/2010/main" val="3903698768"/>
+        <p14:creationId xmlns:p14="http://schemas.microsoft.com/office/powerpoint/2010/main" val="3540254874"/>
       </p:ext>
     </p:extLst>
   </p:cSld>
@@ -7649,7 +7686,7 @@
           <p:cNvPr id="2" name="Titel 1">
             <a:extLst>
               <a:ext uri="{FF2B5EF4-FFF2-40B4-BE49-F238E27FC236}">
-                <a16:creationId xmlns:a16="http://schemas.microsoft.com/office/drawing/2014/main" id="{0C46D5FB-D6E8-4188-901C-B6DCA9CE668F}"/>
+                <a16:creationId xmlns:a16="http://schemas.microsoft.com/office/drawing/2014/main" id="{05230602-F9F3-435F-931E-B19268151D0E}"/>
               </a:ext>
             </a:extLst>
           </p:cNvPr>
@@ -7674,7 +7711,7 @@
           <p:cNvPr id="3" name="Inhaltsplatzhalter 2">
             <a:extLst>
               <a:ext uri="{FF2B5EF4-FFF2-40B4-BE49-F238E27FC236}">
-                <a16:creationId xmlns:a16="http://schemas.microsoft.com/office/drawing/2014/main" id="{C60EACC6-6300-4F35-8F64-BE62F1B1A92B}"/>
+                <a16:creationId xmlns:a16="http://schemas.microsoft.com/office/drawing/2014/main" id="{D0172BEE-0B58-4F2D-9324-1B26BFE41ACA}"/>
               </a:ext>
             </a:extLst>
           </p:cNvPr>
@@ -7697,7 +7734,7 @@
     </p:spTree>
     <p:extLst>
       <p:ext uri="{BB962C8B-B14F-4D97-AF65-F5344CB8AC3E}">
-        <p14:creationId xmlns:p14="http://schemas.microsoft.com/office/powerpoint/2010/main" val="3394684518"/>
+        <p14:creationId xmlns:p14="http://schemas.microsoft.com/office/powerpoint/2010/main" val="3903698768"/>
       </p:ext>
     </p:extLst>
   </p:cSld>
@@ -7818,6 +7855,86 @@
 </file>
 
 <file path=ppt/slides/slide20.xml><?xml version="1.0" encoding="utf-8"?>
+<p:sld xmlns:a="http://schemas.openxmlformats.org/drawingml/2006/main" xmlns:r="http://schemas.openxmlformats.org/officeDocument/2006/relationships" xmlns:p="http://schemas.openxmlformats.org/presentationml/2006/main">
+  <p:cSld>
+    <p:spTree>
+      <p:nvGrpSpPr>
+        <p:cNvPr id="1" name=""/>
+        <p:cNvGrpSpPr/>
+        <p:nvPr/>
+      </p:nvGrpSpPr>
+      <p:grpSpPr>
+        <a:xfrm>
+          <a:off x="0" y="0"/>
+          <a:ext cx="0" cy="0"/>
+          <a:chOff x="0" y="0"/>
+          <a:chExt cx="0" cy="0"/>
+        </a:xfrm>
+      </p:grpSpPr>
+      <p:sp>
+        <p:nvSpPr>
+          <p:cNvPr id="2" name="Titel 1">
+            <a:extLst>
+              <a:ext uri="{FF2B5EF4-FFF2-40B4-BE49-F238E27FC236}">
+                <a16:creationId xmlns:a16="http://schemas.microsoft.com/office/drawing/2014/main" id="{0C46D5FB-D6E8-4188-901C-B6DCA9CE668F}"/>
+              </a:ext>
+            </a:extLst>
+          </p:cNvPr>
+          <p:cNvSpPr>
+            <a:spLocks noGrp="1"/>
+          </p:cNvSpPr>
+          <p:nvPr>
+            <p:ph type="title"/>
+          </p:nvPr>
+        </p:nvSpPr>
+        <p:spPr/>
+        <p:txBody>
+          <a:bodyPr/>
+          <a:lstStyle/>
+          <a:p>
+            <a:endParaRPr lang="de-DE"/>
+          </a:p>
+        </p:txBody>
+      </p:sp>
+      <p:sp>
+        <p:nvSpPr>
+          <p:cNvPr id="3" name="Inhaltsplatzhalter 2">
+            <a:extLst>
+              <a:ext uri="{FF2B5EF4-FFF2-40B4-BE49-F238E27FC236}">
+                <a16:creationId xmlns:a16="http://schemas.microsoft.com/office/drawing/2014/main" id="{C60EACC6-6300-4F35-8F64-BE62F1B1A92B}"/>
+              </a:ext>
+            </a:extLst>
+          </p:cNvPr>
+          <p:cNvSpPr>
+            <a:spLocks noGrp="1"/>
+          </p:cNvSpPr>
+          <p:nvPr>
+            <p:ph idx="1"/>
+          </p:nvPr>
+        </p:nvSpPr>
+        <p:spPr/>
+        <p:txBody>
+          <a:bodyPr/>
+          <a:lstStyle/>
+          <a:p>
+            <a:endParaRPr lang="de-DE"/>
+          </a:p>
+        </p:txBody>
+      </p:sp>
+    </p:spTree>
+    <p:extLst>
+      <p:ext uri="{BB962C8B-B14F-4D97-AF65-F5344CB8AC3E}">
+        <p14:creationId xmlns:p14="http://schemas.microsoft.com/office/powerpoint/2010/main" val="3394684518"/>
+      </p:ext>
+    </p:extLst>
+  </p:cSld>
+  <p:clrMapOvr>
+    <a:masterClrMapping/>
+  </p:clrMapOvr>
+</p:sld>
+</file>
+
+<file path=ppt/slides/slide21.xml><?xml version="1.0" encoding="utf-8"?>
 <p:sld xmlns:a="http://schemas.openxmlformats.org/drawingml/2006/main" xmlns:r="http://schemas.openxmlformats.org/officeDocument/2006/relationships" xmlns:p="http://schemas.openxmlformats.org/presentationml/2006/main">
   <p:cSld>
     <p:spTree>

--- a/Praesi.pptx
+++ b/Praesi.pptx
@@ -20,12 +20,11 @@
     <p:sldId id="265" r:id="rId14"/>
     <p:sldId id="266" r:id="rId15"/>
     <p:sldId id="272" r:id="rId16"/>
-    <p:sldId id="273" r:id="rId17"/>
-    <p:sldId id="276" r:id="rId18"/>
-    <p:sldId id="274" r:id="rId19"/>
-    <p:sldId id="275" r:id="rId20"/>
-    <p:sldId id="267" r:id="rId21"/>
-    <p:sldId id="263" r:id="rId22"/>
+    <p:sldId id="276" r:id="rId17"/>
+    <p:sldId id="274" r:id="rId18"/>
+    <p:sldId id="275" r:id="rId19"/>
+    <p:sldId id="267" r:id="rId20"/>
+    <p:sldId id="263" r:id="rId21"/>
   </p:sldIdLst>
   <p:sldSz cx="12192000" cy="6858000"/>
   <p:notesSz cx="6858000" cy="9144000"/>
@@ -6655,7 +6654,9 @@
         </p:nvSpPr>
         <p:spPr/>
         <p:txBody>
-          <a:bodyPr/>
+          <a:bodyPr>
+            <a:normAutofit/>
+          </a:bodyPr>
           <a:lstStyle/>
           <a:p>
             <a:pPr>
@@ -6664,7 +6665,7 @@
             </a:pPr>
             <a:r>
               <a:rPr lang="de-DE" dirty="0"/>
-              <a:t>Werte einlesen und Seriell ausgeben</a:t>
+              <a:t>Arduino -&gt; Unity: Werte einlesen und Seriell ausgeben</a:t>
             </a:r>
           </a:p>
           <a:p>
@@ -6673,10 +6674,6 @@
               <a:rPr lang="de-DE" dirty="0"/>
               <a:t>Systembild: Serielle Schnittstelle</a:t>
             </a:r>
-          </a:p>
-          <a:p>
-            <a:pPr lvl="1"/>
-            <a:endParaRPr lang="de-DE" dirty="0"/>
           </a:p>
           <a:p>
             <a:pPr>
@@ -6685,7 +6682,7 @@
             </a:pPr>
             <a:r>
               <a:rPr lang="de-DE" dirty="0"/>
-              <a:t>Seriell Werte einlesen und </a:t>
+              <a:t>Unity -&gt; Arduino: Seriell Werte einlesen und </a:t>
             </a:r>
             <a:r>
               <a:rPr lang="de-DE" dirty="0" err="1"/>
@@ -6693,8 +6690,13 @@
             </a:r>
             <a:r>
               <a:rPr lang="de-DE" dirty="0"/>
-              <a:t> bewegen</a:t>
-            </a:r>
+              <a:t> </a:t>
+            </a:r>
+            <a:r>
+              <a:rPr lang="de-DE" dirty="0" err="1"/>
+              <a:t>steuren</a:t>
+            </a:r>
+            <a:endParaRPr lang="de-DE" dirty="0"/>
           </a:p>
           <a:p>
             <a:pPr lvl="1"/>
@@ -6702,10 +6704,6 @@
               <a:rPr lang="de-DE" dirty="0"/>
               <a:t>Systembild: Serielle Schnittstelle</a:t>
             </a:r>
-          </a:p>
-          <a:p>
-            <a:pPr lvl="1"/>
-            <a:endParaRPr lang="de-DE" dirty="0"/>
           </a:p>
           <a:p>
             <a:pPr>
@@ -6714,24 +6712,62 @@
             </a:pPr>
             <a:r>
               <a:rPr lang="de-DE" dirty="0"/>
-              <a:t>Auswertung der Kellertür (Ultraschallsensor)</a:t>
-            </a:r>
-          </a:p>
-          <a:p>
-            <a:pPr lvl="1"/>
-            <a:r>
-              <a:rPr lang="de-DE" dirty="0"/>
-              <a:t>Falls Kellertür offen ist, wird ein Alarm mit Ton und LED-Blinken ausgelöst</a:t>
-            </a:r>
-          </a:p>
-          <a:p>
-            <a:pPr lvl="2"/>
-            <a:r>
-              <a:rPr lang="de-DE" dirty="0"/>
-              <a:t>Wird auch über die serielle Schnittstelle mitgeteilt</a:t>
-            </a:r>
-          </a:p>
-          <a:p>
+              <a:t>Gyroskop</a:t>
+            </a:r>
+          </a:p>
+          <a:p>
+            <a:pPr lvl="1">
+              <a:buFont typeface="+mj-lt"/>
+              <a:buAutoNum type="arabicPeriod"/>
+            </a:pPr>
+            <a:r>
+              <a:rPr lang="de-DE" dirty="0"/>
+              <a:t>Achsen-Modell in Unity und im Gyroskop unterschiedlich</a:t>
+            </a:r>
+          </a:p>
+          <a:p>
+            <a:pPr lvl="1">
+              <a:buFont typeface="+mj-lt"/>
+              <a:buAutoNum type="arabicPeriod"/>
+            </a:pPr>
+            <a:r>
+              <a:rPr lang="de-DE" dirty="0"/>
+              <a:t>Mapping der Achsen</a:t>
+            </a:r>
+          </a:p>
+          <a:p>
+            <a:pPr lvl="1">
+              <a:buFont typeface="+mj-lt"/>
+              <a:buAutoNum type="arabicPeriod"/>
+            </a:pPr>
+            <a:r>
+              <a:rPr lang="de-DE" dirty="0"/>
+              <a:t>Werte der Y-Achse (Unity) schwanken zu sehr</a:t>
+            </a:r>
+          </a:p>
+          <a:p>
+            <a:pPr>
+              <a:buFont typeface="+mj-lt"/>
+              <a:buAutoNum type="arabicPeriod"/>
+            </a:pPr>
+            <a:r>
+              <a:rPr lang="de-DE" dirty="0"/>
+              <a:t>Werte schwanken zu sehr: Benutzung der Unity </a:t>
+            </a:r>
+            <a:r>
+              <a:rPr lang="de-DE" dirty="0" err="1"/>
+              <a:t>Slerp</a:t>
+            </a:r>
+            <a:r>
+              <a:rPr lang="de-DE" dirty="0"/>
+              <a:t>-Funktion</a:t>
+            </a:r>
+          </a:p>
+          <a:p>
+            <a:pPr lvl="1">
+              <a:buFont typeface="+mj-lt"/>
+              <a:buAutoNum type="arabicPeriod"/>
+            </a:pPr>
             <a:endParaRPr lang="de-DE" dirty="0"/>
           </a:p>
         </p:txBody>
@@ -6807,16 +6843,15 @@
             <p:ph idx="1"/>
           </p:nvPr>
         </p:nvPicPr>
-        <p:blipFill>
+        <p:blipFill rotWithShape="1">
           <a:blip r:embed="rId2"/>
-          <a:stretch>
-            <a:fillRect/>
-          </a:stretch>
+          <a:srcRect r="13687"/>
+          <a:stretch/>
         </p:blipFill>
         <p:spPr>
           <a:xfrm>
-            <a:off x="5807652" y="941059"/>
-            <a:ext cx="6833238" cy="5100303"/>
+            <a:off x="5851492" y="941059"/>
+            <a:ext cx="5897921" cy="5100303"/>
           </a:xfrm>
           <a:prstGeom prst="rect">
             <a:avLst/>
@@ -6844,7 +6879,7 @@
         </p:blipFill>
         <p:spPr>
           <a:xfrm>
-            <a:off x="945498" y="941059"/>
+            <a:off x="807711" y="941059"/>
             <a:ext cx="4614187" cy="5100303"/>
           </a:xfrm>
           <a:prstGeom prst="rect">
@@ -7329,7 +7364,7 @@
           <p:cNvPr id="2" name="Titel 1">
             <a:extLst>
               <a:ext uri="{FF2B5EF4-FFF2-40B4-BE49-F238E27FC236}">
-                <a16:creationId xmlns:a16="http://schemas.microsoft.com/office/drawing/2014/main" id="{53144B2F-0948-41F3-B1CC-5FD9C6216023}"/>
+                <a16:creationId xmlns:a16="http://schemas.microsoft.com/office/drawing/2014/main" id="{2AFE4D76-4DD3-4272-BDCD-31D3E4129964}"/>
               </a:ext>
             </a:extLst>
           </p:cNvPr>
@@ -7342,29 +7377,12 @@
         </p:nvSpPr>
         <p:spPr/>
         <p:txBody>
-          <a:bodyPr>
-            <a:normAutofit fontScale="90000"/>
-          </a:bodyPr>
-          <a:lstStyle/>
-          <a:p>
-            <a:r>
-              <a:rPr lang="de-DE" dirty="0"/>
-              <a:t>Umsetzung</a:t>
-            </a:r>
-            <a:br>
-              <a:rPr lang="de-DE" dirty="0"/>
-            </a:br>
-            <a:r>
-              <a:rPr lang="de-DE" dirty="0"/>
-              <a:t>Interaktionen zwischen </a:t>
-            </a:r>
-            <a:r>
-              <a:rPr lang="de-DE" dirty="0" err="1"/>
-              <a:t>Leap</a:t>
-            </a:r>
-            <a:r>
-              <a:rPr lang="de-DE" dirty="0"/>
-              <a:t> Motion, Unity und Arduino eingerichtet</a:t>
+          <a:bodyPr/>
+          <a:lstStyle/>
+          <a:p>
+            <a:r>
+              <a:rPr lang="de-DE" dirty="0"/>
+              <a:t>Praxisvorführung ??? Oder erst beim Rundlauf?</a:t>
             </a:r>
           </a:p>
         </p:txBody>
@@ -7374,7 +7392,7 @@
           <p:cNvPr id="3" name="Inhaltsplatzhalter 2">
             <a:extLst>
               <a:ext uri="{FF2B5EF4-FFF2-40B4-BE49-F238E27FC236}">
-                <a16:creationId xmlns:a16="http://schemas.microsoft.com/office/drawing/2014/main" id="{14B5D6A3-5DED-4DA6-8996-F106D638FAC0}"/>
+                <a16:creationId xmlns:a16="http://schemas.microsoft.com/office/drawing/2014/main" id="{365DB64B-18CB-4F2D-932B-930D4A60B2C7}"/>
               </a:ext>
             </a:extLst>
           </p:cNvPr>
@@ -7391,95 +7409,22 @@
           <a:lstStyle/>
           <a:p>
             <a:r>
-              <a:rPr lang="de-DE" dirty="0" err="1"/>
-              <a:t>Leap</a:t>
-            </a:r>
-            <a:r>
-              <a:rPr lang="de-DE" dirty="0"/>
-              <a:t> Motion und Arduino kommunizieren mit/über Unity</a:t>
-            </a:r>
-          </a:p>
-          <a:p>
-            <a:pPr marL="800100" lvl="1" indent="-342900">
-              <a:buFont typeface="+mj-lt"/>
-              <a:buAutoNum type="arabicPeriod"/>
-            </a:pPr>
-            <a:r>
-              <a:rPr lang="de-DE" dirty="0" err="1"/>
-              <a:t>Leap</a:t>
-            </a:r>
-            <a:r>
-              <a:rPr lang="de-DE" dirty="0"/>
-              <a:t>/Arduino schicken ihre Werte zu Unity</a:t>
-            </a:r>
-          </a:p>
-          <a:p>
-            <a:pPr marL="800100" lvl="1" indent="-342900">
-              <a:buFont typeface="+mj-lt"/>
-              <a:buAutoNum type="arabicPeriod"/>
-            </a:pPr>
-            <a:r>
-              <a:rPr lang="de-DE" dirty="0"/>
-              <a:t>In Unity werden Gesten/Sensordaten verarbeitet</a:t>
-            </a:r>
-          </a:p>
-          <a:p>
-            <a:pPr marL="800100" lvl="1" indent="-342900">
-              <a:buFont typeface="+mj-lt"/>
-              <a:buAutoNum type="arabicPeriod"/>
-            </a:pPr>
-            <a:r>
-              <a:rPr lang="de-DE" dirty="0"/>
-              <a:t>Ursache und Wirkung werden logisch miteinander verbunden</a:t>
-            </a:r>
-          </a:p>
-          <a:p>
-            <a:pPr lvl="2" indent="-285750"/>
-            <a:r>
-              <a:rPr lang="de-DE" dirty="0"/>
-              <a:t>Beispiel:</a:t>
-            </a:r>
-          </a:p>
-          <a:p>
-            <a:pPr lvl="3" indent="-285750"/>
-            <a:r>
-              <a:rPr lang="de-DE" dirty="0"/>
-              <a:t>Regengeste </a:t>
-            </a:r>
-            <a:r>
-              <a:rPr lang="de-DE" dirty="0" err="1"/>
-              <a:t>Leap</a:t>
-            </a:r>
-            <a:r>
-              <a:rPr lang="de-DE" dirty="0"/>
-              <a:t> Motion</a:t>
-            </a:r>
-          </a:p>
-          <a:p>
-            <a:pPr lvl="3" indent="-285750"/>
-            <a:r>
-              <a:rPr lang="de-DE" dirty="0">
-                <a:sym typeface="Wingdings" panose="05000000000000000000" pitchFamily="2" charset="2"/>
-              </a:rPr>
-              <a:t>In Unity erkannt</a:t>
-            </a:r>
-          </a:p>
-          <a:p>
-            <a:pPr lvl="3" indent="-285750"/>
-            <a:r>
-              <a:rPr lang="de-DE" dirty="0">
-                <a:sym typeface="Wingdings" panose="05000000000000000000" pitchFamily="2" charset="2"/>
-              </a:rPr>
-              <a:t>In Unity fängt es an zu regnen und am Modell schließt sich das Dachfenster </a:t>
-            </a:r>
-            <a:endParaRPr lang="de-DE" dirty="0"/>
+              <a:rPr lang="de-DE" dirty="0"/>
+              <a:t>Falls genug Zeit noch ist: während der Präsi</a:t>
+            </a:r>
+          </a:p>
+          <a:p>
+            <a:r>
+              <a:rPr lang="de-DE" dirty="0"/>
+              <a:t>Falls nicht: Im Rundlauf </a:t>
+            </a:r>
           </a:p>
         </p:txBody>
       </p:sp>
     </p:spTree>
     <p:extLst>
       <p:ext uri="{BB962C8B-B14F-4D97-AF65-F5344CB8AC3E}">
-        <p14:creationId xmlns:p14="http://schemas.microsoft.com/office/powerpoint/2010/main" val="1259031583"/>
+        <p14:creationId xmlns:p14="http://schemas.microsoft.com/office/powerpoint/2010/main" val="2356678492"/>
       </p:ext>
     </p:extLst>
   </p:cSld>
@@ -7511,7 +7456,7 @@
           <p:cNvPr id="2" name="Titel 1">
             <a:extLst>
               <a:ext uri="{FF2B5EF4-FFF2-40B4-BE49-F238E27FC236}">
-                <a16:creationId xmlns:a16="http://schemas.microsoft.com/office/drawing/2014/main" id="{2AFE4D76-4DD3-4272-BDCD-31D3E4129964}"/>
+                <a16:creationId xmlns:a16="http://schemas.microsoft.com/office/drawing/2014/main" id="{94B370DC-0DBD-460C-A9A5-7F90F29FCBA1}"/>
               </a:ext>
             </a:extLst>
           </p:cNvPr>
@@ -7529,7 +7474,7 @@
           <a:p>
             <a:r>
               <a:rPr lang="de-DE" dirty="0"/>
-              <a:t>Praxisvorführung ??? Oder erst beim Rundlauf?</a:t>
+              <a:t>Danke für eure Aufmerksamkeit</a:t>
             </a:r>
           </a:p>
         </p:txBody>
@@ -7539,7 +7484,7 @@
           <p:cNvPr id="3" name="Inhaltsplatzhalter 2">
             <a:extLst>
               <a:ext uri="{FF2B5EF4-FFF2-40B4-BE49-F238E27FC236}">
-                <a16:creationId xmlns:a16="http://schemas.microsoft.com/office/drawing/2014/main" id="{365DB64B-18CB-4F2D-932B-930D4A60B2C7}"/>
+                <a16:creationId xmlns:a16="http://schemas.microsoft.com/office/drawing/2014/main" id="{F3FF5607-2F68-4952-A817-60231D1E70C0}"/>
               </a:ext>
             </a:extLst>
           </p:cNvPr>
@@ -7555,23 +7500,14 @@
           <a:bodyPr/>
           <a:lstStyle/>
           <a:p>
-            <a:r>
-              <a:rPr lang="de-DE" dirty="0"/>
-              <a:t>Falls genug Zeit noch ist: während der Präsi</a:t>
-            </a:r>
-          </a:p>
-          <a:p>
-            <a:r>
-              <a:rPr lang="de-DE" dirty="0"/>
-              <a:t>Falls nicht: Im Rundlauf </a:t>
-            </a:r>
+            <a:endParaRPr lang="de-DE"/>
           </a:p>
         </p:txBody>
       </p:sp>
     </p:spTree>
     <p:extLst>
       <p:ext uri="{BB962C8B-B14F-4D97-AF65-F5344CB8AC3E}">
-        <p14:creationId xmlns:p14="http://schemas.microsoft.com/office/powerpoint/2010/main" val="2356678492"/>
+        <p14:creationId xmlns:p14="http://schemas.microsoft.com/office/powerpoint/2010/main" val="3540254874"/>
       </p:ext>
     </p:extLst>
   </p:cSld>
@@ -7603,7 +7539,7 @@
           <p:cNvPr id="2" name="Titel 1">
             <a:extLst>
               <a:ext uri="{FF2B5EF4-FFF2-40B4-BE49-F238E27FC236}">
-                <a16:creationId xmlns:a16="http://schemas.microsoft.com/office/drawing/2014/main" id="{94B370DC-0DBD-460C-A9A5-7F90F29FCBA1}"/>
+                <a16:creationId xmlns:a16="http://schemas.microsoft.com/office/drawing/2014/main" id="{05230602-F9F3-435F-931E-B19268151D0E}"/>
               </a:ext>
             </a:extLst>
           </p:cNvPr>
@@ -7619,10 +7555,7 @@
           <a:bodyPr/>
           <a:lstStyle/>
           <a:p>
-            <a:r>
-              <a:rPr lang="de-DE" dirty="0"/>
-              <a:t>Danke für eure Aufmerksamkeit</a:t>
-            </a:r>
+            <a:endParaRPr lang="de-DE"/>
           </a:p>
         </p:txBody>
       </p:sp>
@@ -7631,7 +7564,7 @@
           <p:cNvPr id="3" name="Inhaltsplatzhalter 2">
             <a:extLst>
               <a:ext uri="{FF2B5EF4-FFF2-40B4-BE49-F238E27FC236}">
-                <a16:creationId xmlns:a16="http://schemas.microsoft.com/office/drawing/2014/main" id="{F3FF5607-2F68-4952-A817-60231D1E70C0}"/>
+                <a16:creationId xmlns:a16="http://schemas.microsoft.com/office/drawing/2014/main" id="{D0172BEE-0B58-4F2D-9324-1B26BFE41ACA}"/>
               </a:ext>
             </a:extLst>
           </p:cNvPr>
@@ -7654,7 +7587,7 @@
     </p:spTree>
     <p:extLst>
       <p:ext uri="{BB962C8B-B14F-4D97-AF65-F5344CB8AC3E}">
-        <p14:creationId xmlns:p14="http://schemas.microsoft.com/office/powerpoint/2010/main" val="3540254874"/>
+        <p14:creationId xmlns:p14="http://schemas.microsoft.com/office/powerpoint/2010/main" val="3903698768"/>
       </p:ext>
     </p:extLst>
   </p:cSld>
@@ -7686,7 +7619,7 @@
           <p:cNvPr id="2" name="Titel 1">
             <a:extLst>
               <a:ext uri="{FF2B5EF4-FFF2-40B4-BE49-F238E27FC236}">
-                <a16:creationId xmlns:a16="http://schemas.microsoft.com/office/drawing/2014/main" id="{05230602-F9F3-435F-931E-B19268151D0E}"/>
+                <a16:creationId xmlns:a16="http://schemas.microsoft.com/office/drawing/2014/main" id="{0C46D5FB-D6E8-4188-901C-B6DCA9CE668F}"/>
               </a:ext>
             </a:extLst>
           </p:cNvPr>
@@ -7711,7 +7644,7 @@
           <p:cNvPr id="3" name="Inhaltsplatzhalter 2">
             <a:extLst>
               <a:ext uri="{FF2B5EF4-FFF2-40B4-BE49-F238E27FC236}">
-                <a16:creationId xmlns:a16="http://schemas.microsoft.com/office/drawing/2014/main" id="{D0172BEE-0B58-4F2D-9324-1B26BFE41ACA}"/>
+                <a16:creationId xmlns:a16="http://schemas.microsoft.com/office/drawing/2014/main" id="{C60EACC6-6300-4F35-8F64-BE62F1B1A92B}"/>
               </a:ext>
             </a:extLst>
           </p:cNvPr>
@@ -7734,7 +7667,7 @@
     </p:spTree>
     <p:extLst>
       <p:ext uri="{BB962C8B-B14F-4D97-AF65-F5344CB8AC3E}">
-        <p14:creationId xmlns:p14="http://schemas.microsoft.com/office/powerpoint/2010/main" val="3903698768"/>
+        <p14:creationId xmlns:p14="http://schemas.microsoft.com/office/powerpoint/2010/main" val="3394684518"/>
       </p:ext>
     </p:extLst>
   </p:cSld>
@@ -7855,86 +7788,6 @@
 </file>
 
 <file path=ppt/slides/slide20.xml><?xml version="1.0" encoding="utf-8"?>
-<p:sld xmlns:a="http://schemas.openxmlformats.org/drawingml/2006/main" xmlns:r="http://schemas.openxmlformats.org/officeDocument/2006/relationships" xmlns:p="http://schemas.openxmlformats.org/presentationml/2006/main">
-  <p:cSld>
-    <p:spTree>
-      <p:nvGrpSpPr>
-        <p:cNvPr id="1" name=""/>
-        <p:cNvGrpSpPr/>
-        <p:nvPr/>
-      </p:nvGrpSpPr>
-      <p:grpSpPr>
-        <a:xfrm>
-          <a:off x="0" y="0"/>
-          <a:ext cx="0" cy="0"/>
-          <a:chOff x="0" y="0"/>
-          <a:chExt cx="0" cy="0"/>
-        </a:xfrm>
-      </p:grpSpPr>
-      <p:sp>
-        <p:nvSpPr>
-          <p:cNvPr id="2" name="Titel 1">
-            <a:extLst>
-              <a:ext uri="{FF2B5EF4-FFF2-40B4-BE49-F238E27FC236}">
-                <a16:creationId xmlns:a16="http://schemas.microsoft.com/office/drawing/2014/main" id="{0C46D5FB-D6E8-4188-901C-B6DCA9CE668F}"/>
-              </a:ext>
-            </a:extLst>
-          </p:cNvPr>
-          <p:cNvSpPr>
-            <a:spLocks noGrp="1"/>
-          </p:cNvSpPr>
-          <p:nvPr>
-            <p:ph type="title"/>
-          </p:nvPr>
-        </p:nvSpPr>
-        <p:spPr/>
-        <p:txBody>
-          <a:bodyPr/>
-          <a:lstStyle/>
-          <a:p>
-            <a:endParaRPr lang="de-DE"/>
-          </a:p>
-        </p:txBody>
-      </p:sp>
-      <p:sp>
-        <p:nvSpPr>
-          <p:cNvPr id="3" name="Inhaltsplatzhalter 2">
-            <a:extLst>
-              <a:ext uri="{FF2B5EF4-FFF2-40B4-BE49-F238E27FC236}">
-                <a16:creationId xmlns:a16="http://schemas.microsoft.com/office/drawing/2014/main" id="{C60EACC6-6300-4F35-8F64-BE62F1B1A92B}"/>
-              </a:ext>
-            </a:extLst>
-          </p:cNvPr>
-          <p:cNvSpPr>
-            <a:spLocks noGrp="1"/>
-          </p:cNvSpPr>
-          <p:nvPr>
-            <p:ph idx="1"/>
-          </p:nvPr>
-        </p:nvSpPr>
-        <p:spPr/>
-        <p:txBody>
-          <a:bodyPr/>
-          <a:lstStyle/>
-          <a:p>
-            <a:endParaRPr lang="de-DE"/>
-          </a:p>
-        </p:txBody>
-      </p:sp>
-    </p:spTree>
-    <p:extLst>
-      <p:ext uri="{BB962C8B-B14F-4D97-AF65-F5344CB8AC3E}">
-        <p14:creationId xmlns:p14="http://schemas.microsoft.com/office/powerpoint/2010/main" val="3394684518"/>
-      </p:ext>
-    </p:extLst>
-  </p:cSld>
-  <p:clrMapOvr>
-    <a:masterClrMapping/>
-  </p:clrMapOvr>
-</p:sld>
-</file>
-
-<file path=ppt/slides/slide21.xml><?xml version="1.0" encoding="utf-8"?>
 <p:sld xmlns:a="http://schemas.openxmlformats.org/drawingml/2006/main" xmlns:r="http://schemas.openxmlformats.org/officeDocument/2006/relationships" xmlns:p="http://schemas.openxmlformats.org/presentationml/2006/main">
   <p:cSld>
     <p:spTree>

--- a/Praesi.pptx
+++ b/Praesi.pptx
@@ -7152,10 +7152,16 @@
             </a:r>
           </a:p>
           <a:p>
-            <a:r>
-              <a:rPr lang="de-DE" dirty="0"/>
-              <a:t>Alle Anderen Bausteine auch nachgebaut und eigesetzt</a:t>
-            </a:r>
+            <a:pPr lvl="1"/>
+            <a:r>
+              <a:rPr lang="de-DE" dirty="0"/>
+              <a:t>Alle weiteren Bausteine sind </a:t>
+            </a:r>
+            <a:r>
+              <a:rPr lang="de-DE" dirty="0" err="1"/>
+              <a:t>Inszanten</a:t>
+            </a:r>
+            <a:endParaRPr lang="de-DE" dirty="0"/>
           </a:p>
           <a:p>
             <a:r>
@@ -8722,23 +8728,6 @@
             </a:r>
           </a:p>
           <a:p>
-            <a:pPr lvl="1"/>
-            <a:r>
-              <a:rPr lang="de-DE" dirty="0"/>
-              <a:t>Anzahl der Dachsteine begrenzt </a:t>
-            </a:r>
-            <a:r>
-              <a:rPr lang="de-DE" dirty="0">
-                <a:sym typeface="Wingdings" panose="05000000000000000000" pitchFamily="2" charset="2"/>
-              </a:rPr>
-              <a:t> Flachdach</a:t>
-            </a:r>
-            <a:r>
-              <a:rPr lang="de-DE" dirty="0"/>
-              <a:t> </a:t>
-            </a:r>
-          </a:p>
-          <a:p>
             <a:endParaRPr lang="de-DE" dirty="0"/>
           </a:p>
           <a:p>

--- a/Praesi.pptx
+++ b/Praesi.pptx
@@ -20,11 +20,8 @@
     <p:sldId id="265" r:id="rId14"/>
     <p:sldId id="266" r:id="rId15"/>
     <p:sldId id="272" r:id="rId16"/>
-    <p:sldId id="276" r:id="rId17"/>
-    <p:sldId id="274" r:id="rId18"/>
-    <p:sldId id="275" r:id="rId19"/>
-    <p:sldId id="267" r:id="rId20"/>
-    <p:sldId id="263" r:id="rId21"/>
+    <p:sldId id="274" r:id="rId17"/>
+    <p:sldId id="276" r:id="rId18"/>
   </p:sldIdLst>
   <p:sldSz cx="12192000" cy="6858000"/>
   <p:notesSz cx="6858000" cy="9144000"/>
@@ -7370,7 +7367,7 @@
           <p:cNvPr id="2" name="Titel 1">
             <a:extLst>
               <a:ext uri="{FF2B5EF4-FFF2-40B4-BE49-F238E27FC236}">
-                <a16:creationId xmlns:a16="http://schemas.microsoft.com/office/drawing/2014/main" id="{2AFE4D76-4DD3-4272-BDCD-31D3E4129964}"/>
+                <a16:creationId xmlns:a16="http://schemas.microsoft.com/office/drawing/2014/main" id="{94B370DC-0DBD-460C-A9A5-7F90F29FCBA1}"/>
               </a:ext>
             </a:extLst>
           </p:cNvPr>
@@ -7388,7 +7385,7 @@
           <a:p>
             <a:r>
               <a:rPr lang="de-DE" dirty="0"/>
-              <a:t>Praxisvorführung ??? Oder erst beim Rundlauf?</a:t>
+              <a:t>Danke für eure Aufmerksamkeit</a:t>
             </a:r>
           </a:p>
         </p:txBody>
@@ -7398,7 +7395,7 @@
           <p:cNvPr id="3" name="Inhaltsplatzhalter 2">
             <a:extLst>
               <a:ext uri="{FF2B5EF4-FFF2-40B4-BE49-F238E27FC236}">
-                <a16:creationId xmlns:a16="http://schemas.microsoft.com/office/drawing/2014/main" id="{365DB64B-18CB-4F2D-932B-930D4A60B2C7}"/>
+                <a16:creationId xmlns:a16="http://schemas.microsoft.com/office/drawing/2014/main" id="{F3FF5607-2F68-4952-A817-60231D1E70C0}"/>
               </a:ext>
             </a:extLst>
           </p:cNvPr>
@@ -7414,23 +7411,14 @@
           <a:bodyPr/>
           <a:lstStyle/>
           <a:p>
-            <a:r>
-              <a:rPr lang="de-DE" dirty="0"/>
-              <a:t>Falls genug Zeit noch ist: während der Präsi</a:t>
-            </a:r>
-          </a:p>
-          <a:p>
-            <a:r>
-              <a:rPr lang="de-DE" dirty="0"/>
-              <a:t>Falls nicht: Im Rundlauf </a:t>
-            </a:r>
+            <a:endParaRPr lang="de-DE"/>
           </a:p>
         </p:txBody>
       </p:sp>
     </p:spTree>
     <p:extLst>
       <p:ext uri="{BB962C8B-B14F-4D97-AF65-F5344CB8AC3E}">
-        <p14:creationId xmlns:p14="http://schemas.microsoft.com/office/powerpoint/2010/main" val="2356678492"/>
+        <p14:creationId xmlns:p14="http://schemas.microsoft.com/office/powerpoint/2010/main" val="3540254874"/>
       </p:ext>
     </p:extLst>
   </p:cSld>
@@ -7462,7 +7450,7 @@
           <p:cNvPr id="2" name="Titel 1">
             <a:extLst>
               <a:ext uri="{FF2B5EF4-FFF2-40B4-BE49-F238E27FC236}">
-                <a16:creationId xmlns:a16="http://schemas.microsoft.com/office/drawing/2014/main" id="{94B370DC-0DBD-460C-A9A5-7F90F29FCBA1}"/>
+                <a16:creationId xmlns:a16="http://schemas.microsoft.com/office/drawing/2014/main" id="{2AFE4D76-4DD3-4272-BDCD-31D3E4129964}"/>
               </a:ext>
             </a:extLst>
           </p:cNvPr>
@@ -7480,7 +7468,7 @@
           <a:p>
             <a:r>
               <a:rPr lang="de-DE" dirty="0"/>
-              <a:t>Danke für eure Aufmerksamkeit</a:t>
+              <a:t>Praxisvorführung ??? Oder erst beim Rundlauf?</a:t>
             </a:r>
           </a:p>
         </p:txBody>
@@ -7490,7 +7478,7 @@
           <p:cNvPr id="3" name="Inhaltsplatzhalter 2">
             <a:extLst>
               <a:ext uri="{FF2B5EF4-FFF2-40B4-BE49-F238E27FC236}">
-                <a16:creationId xmlns:a16="http://schemas.microsoft.com/office/drawing/2014/main" id="{F3FF5607-2F68-4952-A817-60231D1E70C0}"/>
+                <a16:creationId xmlns:a16="http://schemas.microsoft.com/office/drawing/2014/main" id="{365DB64B-18CB-4F2D-932B-930D4A60B2C7}"/>
               </a:ext>
             </a:extLst>
           </p:cNvPr>
@@ -7506,174 +7494,23 @@
           <a:bodyPr/>
           <a:lstStyle/>
           <a:p>
-            <a:endParaRPr lang="de-DE"/>
+            <a:r>
+              <a:rPr lang="de-DE" dirty="0"/>
+              <a:t>Falls genug Zeit noch ist: während der Präsi</a:t>
+            </a:r>
+          </a:p>
+          <a:p>
+            <a:r>
+              <a:rPr lang="de-DE" dirty="0"/>
+              <a:t>Falls nicht: Im Rundlauf </a:t>
+            </a:r>
           </a:p>
         </p:txBody>
       </p:sp>
     </p:spTree>
     <p:extLst>
       <p:ext uri="{BB962C8B-B14F-4D97-AF65-F5344CB8AC3E}">
-        <p14:creationId xmlns:p14="http://schemas.microsoft.com/office/powerpoint/2010/main" val="3540254874"/>
-      </p:ext>
-    </p:extLst>
-  </p:cSld>
-  <p:clrMapOvr>
-    <a:masterClrMapping/>
-  </p:clrMapOvr>
-</p:sld>
-</file>
-
-<file path=ppt/slides/slide18.xml><?xml version="1.0" encoding="utf-8"?>
-<p:sld xmlns:a="http://schemas.openxmlformats.org/drawingml/2006/main" xmlns:r="http://schemas.openxmlformats.org/officeDocument/2006/relationships" xmlns:p="http://schemas.openxmlformats.org/presentationml/2006/main">
-  <p:cSld>
-    <p:spTree>
-      <p:nvGrpSpPr>
-        <p:cNvPr id="1" name=""/>
-        <p:cNvGrpSpPr/>
-        <p:nvPr/>
-      </p:nvGrpSpPr>
-      <p:grpSpPr>
-        <a:xfrm>
-          <a:off x="0" y="0"/>
-          <a:ext cx="0" cy="0"/>
-          <a:chOff x="0" y="0"/>
-          <a:chExt cx="0" cy="0"/>
-        </a:xfrm>
-      </p:grpSpPr>
-      <p:sp>
-        <p:nvSpPr>
-          <p:cNvPr id="2" name="Titel 1">
-            <a:extLst>
-              <a:ext uri="{FF2B5EF4-FFF2-40B4-BE49-F238E27FC236}">
-                <a16:creationId xmlns:a16="http://schemas.microsoft.com/office/drawing/2014/main" id="{05230602-F9F3-435F-931E-B19268151D0E}"/>
-              </a:ext>
-            </a:extLst>
-          </p:cNvPr>
-          <p:cNvSpPr>
-            <a:spLocks noGrp="1"/>
-          </p:cNvSpPr>
-          <p:nvPr>
-            <p:ph type="title"/>
-          </p:nvPr>
-        </p:nvSpPr>
-        <p:spPr/>
-        <p:txBody>
-          <a:bodyPr/>
-          <a:lstStyle/>
-          <a:p>
-            <a:endParaRPr lang="de-DE"/>
-          </a:p>
-        </p:txBody>
-      </p:sp>
-      <p:sp>
-        <p:nvSpPr>
-          <p:cNvPr id="3" name="Inhaltsplatzhalter 2">
-            <a:extLst>
-              <a:ext uri="{FF2B5EF4-FFF2-40B4-BE49-F238E27FC236}">
-                <a16:creationId xmlns:a16="http://schemas.microsoft.com/office/drawing/2014/main" id="{D0172BEE-0B58-4F2D-9324-1B26BFE41ACA}"/>
-              </a:ext>
-            </a:extLst>
-          </p:cNvPr>
-          <p:cNvSpPr>
-            <a:spLocks noGrp="1"/>
-          </p:cNvSpPr>
-          <p:nvPr>
-            <p:ph idx="1"/>
-          </p:nvPr>
-        </p:nvSpPr>
-        <p:spPr/>
-        <p:txBody>
-          <a:bodyPr/>
-          <a:lstStyle/>
-          <a:p>
-            <a:endParaRPr lang="de-DE"/>
-          </a:p>
-        </p:txBody>
-      </p:sp>
-    </p:spTree>
-    <p:extLst>
-      <p:ext uri="{BB962C8B-B14F-4D97-AF65-F5344CB8AC3E}">
-        <p14:creationId xmlns:p14="http://schemas.microsoft.com/office/powerpoint/2010/main" val="3903698768"/>
-      </p:ext>
-    </p:extLst>
-  </p:cSld>
-  <p:clrMapOvr>
-    <a:masterClrMapping/>
-  </p:clrMapOvr>
-</p:sld>
-</file>
-
-<file path=ppt/slides/slide19.xml><?xml version="1.0" encoding="utf-8"?>
-<p:sld xmlns:a="http://schemas.openxmlformats.org/drawingml/2006/main" xmlns:r="http://schemas.openxmlformats.org/officeDocument/2006/relationships" xmlns:p="http://schemas.openxmlformats.org/presentationml/2006/main">
-  <p:cSld>
-    <p:spTree>
-      <p:nvGrpSpPr>
-        <p:cNvPr id="1" name=""/>
-        <p:cNvGrpSpPr/>
-        <p:nvPr/>
-      </p:nvGrpSpPr>
-      <p:grpSpPr>
-        <a:xfrm>
-          <a:off x="0" y="0"/>
-          <a:ext cx="0" cy="0"/>
-          <a:chOff x="0" y="0"/>
-          <a:chExt cx="0" cy="0"/>
-        </a:xfrm>
-      </p:grpSpPr>
-      <p:sp>
-        <p:nvSpPr>
-          <p:cNvPr id="2" name="Titel 1">
-            <a:extLst>
-              <a:ext uri="{FF2B5EF4-FFF2-40B4-BE49-F238E27FC236}">
-                <a16:creationId xmlns:a16="http://schemas.microsoft.com/office/drawing/2014/main" id="{0C46D5FB-D6E8-4188-901C-B6DCA9CE668F}"/>
-              </a:ext>
-            </a:extLst>
-          </p:cNvPr>
-          <p:cNvSpPr>
-            <a:spLocks noGrp="1"/>
-          </p:cNvSpPr>
-          <p:nvPr>
-            <p:ph type="title"/>
-          </p:nvPr>
-        </p:nvSpPr>
-        <p:spPr/>
-        <p:txBody>
-          <a:bodyPr/>
-          <a:lstStyle/>
-          <a:p>
-            <a:endParaRPr lang="de-DE"/>
-          </a:p>
-        </p:txBody>
-      </p:sp>
-      <p:sp>
-        <p:nvSpPr>
-          <p:cNvPr id="3" name="Inhaltsplatzhalter 2">
-            <a:extLst>
-              <a:ext uri="{FF2B5EF4-FFF2-40B4-BE49-F238E27FC236}">
-                <a16:creationId xmlns:a16="http://schemas.microsoft.com/office/drawing/2014/main" id="{C60EACC6-6300-4F35-8F64-BE62F1B1A92B}"/>
-              </a:ext>
-            </a:extLst>
-          </p:cNvPr>
-          <p:cNvSpPr>
-            <a:spLocks noGrp="1"/>
-          </p:cNvSpPr>
-          <p:nvPr>
-            <p:ph idx="1"/>
-          </p:nvPr>
-        </p:nvSpPr>
-        <p:spPr/>
-        <p:txBody>
-          <a:bodyPr/>
-          <a:lstStyle/>
-          <a:p>
-            <a:endParaRPr lang="de-DE"/>
-          </a:p>
-        </p:txBody>
-      </p:sp>
-    </p:spTree>
-    <p:extLst>
-      <p:ext uri="{BB962C8B-B14F-4D97-AF65-F5344CB8AC3E}">
-        <p14:creationId xmlns:p14="http://schemas.microsoft.com/office/powerpoint/2010/main" val="3394684518"/>
+        <p14:creationId xmlns:p14="http://schemas.microsoft.com/office/powerpoint/2010/main" val="2356678492"/>
       </p:ext>
     </p:extLst>
   </p:cSld>
@@ -7784,278 +7621,6 @@
     <p:extLst>
       <p:ext uri="{BB962C8B-B14F-4D97-AF65-F5344CB8AC3E}">
         <p14:creationId xmlns:p14="http://schemas.microsoft.com/office/powerpoint/2010/main" val="3667621655"/>
-      </p:ext>
-    </p:extLst>
-  </p:cSld>
-  <p:clrMapOvr>
-    <a:masterClrMapping/>
-  </p:clrMapOvr>
-</p:sld>
-</file>
-
-<file path=ppt/slides/slide20.xml><?xml version="1.0" encoding="utf-8"?>
-<p:sld xmlns:a="http://schemas.openxmlformats.org/drawingml/2006/main" xmlns:r="http://schemas.openxmlformats.org/officeDocument/2006/relationships" xmlns:p="http://schemas.openxmlformats.org/presentationml/2006/main">
-  <p:cSld>
-    <p:spTree>
-      <p:nvGrpSpPr>
-        <p:cNvPr id="1" name=""/>
-        <p:cNvGrpSpPr/>
-        <p:nvPr/>
-      </p:nvGrpSpPr>
-      <p:grpSpPr>
-        <a:xfrm>
-          <a:off x="0" y="0"/>
-          <a:ext cx="0" cy="0"/>
-          <a:chOff x="0" y="0"/>
-          <a:chExt cx="0" cy="0"/>
-        </a:xfrm>
-      </p:grpSpPr>
-      <p:sp>
-        <p:nvSpPr>
-          <p:cNvPr id="3" name="Inhaltsplatzhalter 2">
-            <a:extLst>
-              <a:ext uri="{FF2B5EF4-FFF2-40B4-BE49-F238E27FC236}">
-                <a16:creationId xmlns:a16="http://schemas.microsoft.com/office/drawing/2014/main" id="{BD53D746-EE28-419D-9D20-9EF4024B9F8B}"/>
-              </a:ext>
-            </a:extLst>
-          </p:cNvPr>
-          <p:cNvSpPr>
-            <a:spLocks noGrp="1"/>
-          </p:cNvSpPr>
-          <p:nvPr>
-            <p:ph idx="1"/>
-          </p:nvPr>
-        </p:nvSpPr>
-        <p:spPr>
-          <a:xfrm>
-            <a:off x="677334" y="367005"/>
-            <a:ext cx="8596668" cy="5674358"/>
-          </a:xfrm>
-        </p:spPr>
-        <p:txBody>
-          <a:bodyPr>
-            <a:normAutofit fontScale="55000" lnSpcReduction="20000"/>
-          </a:bodyPr>
-          <a:lstStyle/>
-          <a:p>
-            <a:r>
-              <a:rPr lang="de-DE" dirty="0"/>
-              <a:t>TODO</a:t>
-            </a:r>
-          </a:p>
-          <a:p>
-            <a:r>
-              <a:rPr lang="de-DE" dirty="0"/>
-              <a:t>Tony</a:t>
-            </a:r>
-          </a:p>
-          <a:p>
-            <a:pPr lvl="1"/>
-            <a:r>
-              <a:rPr lang="de-DE" dirty="0" err="1"/>
-              <a:t>Leap</a:t>
-            </a:r>
-            <a:endParaRPr lang="de-DE" dirty="0"/>
-          </a:p>
-          <a:p>
-            <a:pPr lvl="2"/>
-            <a:r>
-              <a:rPr lang="de-DE" dirty="0"/>
-              <a:t>Start </a:t>
-            </a:r>
-            <a:r>
-              <a:rPr lang="de-DE" dirty="0" err="1"/>
-              <a:t>Stop</a:t>
-            </a:r>
-            <a:endParaRPr lang="de-DE" dirty="0"/>
-          </a:p>
-          <a:p>
-            <a:pPr lvl="2"/>
-            <a:r>
-              <a:rPr lang="de-DE" dirty="0"/>
-              <a:t>Kamera</a:t>
-            </a:r>
-          </a:p>
-          <a:p>
-            <a:pPr lvl="1"/>
-            <a:r>
-              <a:rPr lang="de-DE" dirty="0" err="1"/>
-              <a:t>Servo</a:t>
-            </a:r>
-            <a:r>
-              <a:rPr lang="de-DE" dirty="0"/>
-              <a:t> </a:t>
-            </a:r>
-            <a:r>
-              <a:rPr lang="de-DE" dirty="0" err="1"/>
-              <a:t>bool</a:t>
-            </a:r>
-            <a:r>
-              <a:rPr lang="de-DE" dirty="0"/>
-              <a:t> </a:t>
-            </a:r>
-            <a:r>
-              <a:rPr lang="de-DE" dirty="0" err="1"/>
-              <a:t>false</a:t>
-            </a:r>
-            <a:r>
-              <a:rPr lang="de-DE" dirty="0"/>
-              <a:t> Dachluke</a:t>
-            </a:r>
-          </a:p>
-          <a:p>
-            <a:pPr lvl="1"/>
-            <a:r>
-              <a:rPr lang="de-DE" dirty="0"/>
-              <a:t>Licht 15 Grenzwert </a:t>
-            </a:r>
-          </a:p>
-          <a:p>
-            <a:pPr lvl="1"/>
-            <a:r>
-              <a:rPr lang="de-DE" dirty="0"/>
-              <a:t>Alarm Ton</a:t>
-            </a:r>
-          </a:p>
-          <a:p>
-            <a:pPr lvl="1"/>
-            <a:r>
-              <a:rPr lang="de-DE" dirty="0"/>
-              <a:t>Klingel Ton</a:t>
-            </a:r>
-          </a:p>
-          <a:p>
-            <a:pPr lvl="1"/>
-            <a:r>
-              <a:rPr lang="de-DE" dirty="0" err="1"/>
-              <a:t>Leap</a:t>
-            </a:r>
-            <a:r>
-              <a:rPr lang="de-DE" dirty="0"/>
-              <a:t> Doku</a:t>
-            </a:r>
-          </a:p>
-          <a:p>
-            <a:r>
-              <a:rPr lang="de-DE" dirty="0"/>
-              <a:t>Rico</a:t>
-            </a:r>
-          </a:p>
-          <a:p>
-            <a:pPr lvl="1"/>
-            <a:r>
-              <a:rPr lang="de-DE" dirty="0"/>
-              <a:t>3D LED Blinken bei Alarm</a:t>
-            </a:r>
-          </a:p>
-          <a:p>
-            <a:pPr lvl="1"/>
-            <a:r>
-              <a:rPr lang="de-DE" dirty="0"/>
-              <a:t>Magnet fällt Animation + aktivieren</a:t>
-            </a:r>
-          </a:p>
-          <a:p>
-            <a:pPr lvl="1"/>
-            <a:r>
-              <a:rPr lang="de-DE" dirty="0"/>
-              <a:t>Haus bewegende Gegenstände</a:t>
-            </a:r>
-          </a:p>
-          <a:p>
-            <a:pPr lvl="1"/>
-            <a:r>
-              <a:rPr lang="de-DE" dirty="0" err="1"/>
-              <a:t>Duko</a:t>
-            </a:r>
-            <a:r>
-              <a:rPr lang="de-DE" dirty="0"/>
-              <a:t> deinen Teil</a:t>
-            </a:r>
-          </a:p>
-          <a:p>
-            <a:pPr lvl="1"/>
-            <a:r>
-              <a:rPr lang="de-DE" dirty="0"/>
-              <a:t>Wetter</a:t>
-            </a:r>
-          </a:p>
-          <a:p>
-            <a:r>
-              <a:rPr lang="de-DE" dirty="0"/>
-              <a:t>Johann</a:t>
-            </a:r>
-          </a:p>
-          <a:p>
-            <a:pPr lvl="1"/>
-            <a:r>
-              <a:rPr lang="de-DE" dirty="0" err="1"/>
-              <a:t>Gyro</a:t>
-            </a:r>
-            <a:endParaRPr lang="de-DE" dirty="0"/>
-          </a:p>
-          <a:p>
-            <a:pPr lvl="2"/>
-            <a:r>
-              <a:rPr lang="de-DE" dirty="0"/>
-              <a:t>Schwellwert oder </a:t>
-            </a:r>
-            <a:r>
-              <a:rPr lang="de-DE" dirty="0" err="1"/>
-              <a:t>Slerp</a:t>
-            </a:r>
-            <a:endParaRPr lang="de-DE" dirty="0"/>
-          </a:p>
-          <a:p>
-            <a:pPr lvl="2"/>
-            <a:r>
-              <a:rPr lang="de-DE" dirty="0"/>
-              <a:t>Bilderrahmen1 (x Rotationsachse!)</a:t>
-            </a:r>
-          </a:p>
-          <a:p>
-            <a:r>
-              <a:rPr lang="de-DE" dirty="0"/>
-              <a:t>Moritz</a:t>
-            </a:r>
-          </a:p>
-          <a:p>
-            <a:pPr lvl="1"/>
-            <a:r>
-              <a:rPr lang="de-DE" dirty="0"/>
-              <a:t>Präsi fertig Machen</a:t>
-            </a:r>
-          </a:p>
-          <a:p>
-            <a:pPr lvl="1"/>
-            <a:r>
-              <a:rPr lang="de-DE" dirty="0" err="1"/>
-              <a:t>Duko</a:t>
-            </a:r>
-            <a:r>
-              <a:rPr lang="de-DE" dirty="0"/>
-              <a:t> fertig formatieren und drüber lesen lassen</a:t>
-            </a:r>
-          </a:p>
-          <a:p>
-            <a:pPr lvl="1"/>
-            <a:endParaRPr lang="de-DE" dirty="0"/>
-          </a:p>
-          <a:p>
-            <a:endParaRPr lang="de-DE" dirty="0"/>
-          </a:p>
-          <a:p>
-            <a:endParaRPr lang="de-DE" dirty="0"/>
-          </a:p>
-          <a:p>
-            <a:endParaRPr lang="de-DE" dirty="0"/>
-          </a:p>
-        </p:txBody>
-      </p:sp>
-    </p:spTree>
-    <p:extLst>
-      <p:ext uri="{BB962C8B-B14F-4D97-AF65-F5344CB8AC3E}">
-        <p14:creationId xmlns:p14="http://schemas.microsoft.com/office/powerpoint/2010/main" val="3655778737"/>
       </p:ext>
     </p:extLst>
   </p:cSld>
